--- a/presentations/问题理解.pptx
+++ b/presentations/问题理解.pptx
@@ -5,12 +5,21 @@
     <p:sldMasterId id="2147483648" r:id="rId1"/>
   </p:sldMasterIdLst>
   <p:notesMasterIdLst>
-    <p:notesMasterId r:id="rId5"/>
+    <p:notesMasterId r:id="rId14"/>
   </p:notesMasterIdLst>
   <p:sldIdLst>
     <p:sldId id="256" r:id="rId2"/>
     <p:sldId id="257" r:id="rId3"/>
     <p:sldId id="258" r:id="rId4"/>
+    <p:sldId id="259" r:id="rId5"/>
+    <p:sldId id="260" r:id="rId6"/>
+    <p:sldId id="261" r:id="rId7"/>
+    <p:sldId id="262" r:id="rId8"/>
+    <p:sldId id="263" r:id="rId9"/>
+    <p:sldId id="264" r:id="rId10"/>
+    <p:sldId id="265" r:id="rId11"/>
+    <p:sldId id="266" r:id="rId12"/>
+    <p:sldId id="267" r:id="rId13"/>
   </p:sldIdLst>
   <p:sldSz cx="12192000" cy="6858000"/>
   <p:notesSz cx="6858000" cy="9144000"/>
@@ -109,6 +118,11 @@
       </a:defRPr>
     </a:lvl9pPr>
   </p:defaultTextStyle>
+  <p:extLst>
+    <p:ext uri="{EFAFB233-063F-42B5-8137-9DF3F51BA10A}">
+      <p15:sldGuideLst xmlns:p15="http://schemas.microsoft.com/office/powerpoint/2012/main"/>
+    </p:ext>
+  </p:extLst>
 </p:presentation>
 </file>
 
@@ -194,7 +208,7 @@
           <a:p>
             <a:fld id="{6B9E23A9-C118-C14E-925C-19011C9BFDDA}" type="datetimeFigureOut">
               <a:rPr kumimoji="1" lang="zh-CN" altLang="en-US" smtClean="0"/>
-              <a:t>2019/1/1</a:t>
+              <a:t>2019/1/3</a:t>
             </a:fld>
             <a:endParaRPr kumimoji="1" lang="zh-CN" altLang="en-US"/>
           </a:p>
@@ -677,7 +691,7 @@
           <a:p>
             <a:fld id="{F81355B7-E84F-F749-86DD-8084CF6DC7D9}" type="datetimeFigureOut">
               <a:rPr kumimoji="1" lang="zh-CN" altLang="en-US" smtClean="0"/>
-              <a:t>2019/1/1</a:t>
+              <a:t>2019/1/3</a:t>
             </a:fld>
             <a:endParaRPr kumimoji="1" lang="zh-CN" altLang="en-US"/>
           </a:p>
@@ -854,7 +868,7 @@
           <a:p>
             <a:fld id="{F81355B7-E84F-F749-86DD-8084CF6DC7D9}" type="datetimeFigureOut">
               <a:rPr kumimoji="1" lang="zh-CN" altLang="en-US" smtClean="0"/>
-              <a:t>2019/1/1</a:t>
+              <a:t>2019/1/3</a:t>
             </a:fld>
             <a:endParaRPr kumimoji="1" lang="zh-CN" altLang="en-US"/>
           </a:p>
@@ -1034,7 +1048,7 @@
           <a:p>
             <a:fld id="{F81355B7-E84F-F749-86DD-8084CF6DC7D9}" type="datetimeFigureOut">
               <a:rPr kumimoji="1" lang="zh-CN" altLang="en-US" smtClean="0"/>
-              <a:t>2019/1/1</a:t>
+              <a:t>2019/1/3</a:t>
             </a:fld>
             <a:endParaRPr kumimoji="1" lang="zh-CN" altLang="en-US"/>
           </a:p>
@@ -1204,7 +1218,7 @@
           <a:p>
             <a:fld id="{F81355B7-E84F-F749-86DD-8084CF6DC7D9}" type="datetimeFigureOut">
               <a:rPr kumimoji="1" lang="zh-CN" altLang="en-US" smtClean="0"/>
-              <a:t>2019/1/1</a:t>
+              <a:t>2019/1/3</a:t>
             </a:fld>
             <a:endParaRPr kumimoji="1" lang="zh-CN" altLang="en-US"/>
           </a:p>
@@ -1457,7 +1471,7 @@
           <a:p>
             <a:fld id="{F81355B7-E84F-F749-86DD-8084CF6DC7D9}" type="datetimeFigureOut">
               <a:rPr kumimoji="1" lang="zh-CN" altLang="en-US" smtClean="0"/>
-              <a:t>2019/1/1</a:t>
+              <a:t>2019/1/3</a:t>
             </a:fld>
             <a:endParaRPr kumimoji="1" lang="zh-CN" altLang="en-US"/>
           </a:p>
@@ -1696,7 +1710,7 @@
           <a:p>
             <a:fld id="{F81355B7-E84F-F749-86DD-8084CF6DC7D9}" type="datetimeFigureOut">
               <a:rPr kumimoji="1" lang="zh-CN" altLang="en-US" smtClean="0"/>
-              <a:t>2019/1/1</a:t>
+              <a:t>2019/1/3</a:t>
             </a:fld>
             <a:endParaRPr kumimoji="1" lang="zh-CN" altLang="en-US"/>
           </a:p>
@@ -2070,7 +2084,7 @@
           <a:p>
             <a:fld id="{F81355B7-E84F-F749-86DD-8084CF6DC7D9}" type="datetimeFigureOut">
               <a:rPr kumimoji="1" lang="zh-CN" altLang="en-US" smtClean="0"/>
-              <a:t>2019/1/1</a:t>
+              <a:t>2019/1/3</a:t>
             </a:fld>
             <a:endParaRPr kumimoji="1" lang="zh-CN" altLang="en-US"/>
           </a:p>
@@ -2195,7 +2209,7 @@
           <a:p>
             <a:fld id="{F81355B7-E84F-F749-86DD-8084CF6DC7D9}" type="datetimeFigureOut">
               <a:rPr kumimoji="1" lang="zh-CN" altLang="en-US" smtClean="0"/>
-              <a:t>2019/1/1</a:t>
+              <a:t>2019/1/3</a:t>
             </a:fld>
             <a:endParaRPr kumimoji="1" lang="zh-CN" altLang="en-US"/>
           </a:p>
@@ -2290,7 +2304,7 @@
           <a:p>
             <a:fld id="{F81355B7-E84F-F749-86DD-8084CF6DC7D9}" type="datetimeFigureOut">
               <a:rPr kumimoji="1" lang="zh-CN" altLang="en-US" smtClean="0"/>
-              <a:t>2019/1/1</a:t>
+              <a:t>2019/1/3</a:t>
             </a:fld>
             <a:endParaRPr kumimoji="1" lang="zh-CN" altLang="en-US"/>
           </a:p>
@@ -2574,7 +2588,7 @@
           <a:p>
             <a:fld id="{F81355B7-E84F-F749-86DD-8084CF6DC7D9}" type="datetimeFigureOut">
               <a:rPr kumimoji="1" lang="zh-CN" altLang="en-US" smtClean="0"/>
-              <a:t>2019/1/1</a:t>
+              <a:t>2019/1/3</a:t>
             </a:fld>
             <a:endParaRPr kumimoji="1" lang="zh-CN" altLang="en-US"/>
           </a:p>
@@ -2827,7 +2841,7 @@
           <a:p>
             <a:fld id="{F81355B7-E84F-F749-86DD-8084CF6DC7D9}" type="datetimeFigureOut">
               <a:rPr kumimoji="1" lang="zh-CN" altLang="en-US" smtClean="0"/>
-              <a:t>2019/1/1</a:t>
+              <a:t>2019/1/3</a:t>
             </a:fld>
             <a:endParaRPr kumimoji="1" lang="zh-CN" altLang="en-US"/>
           </a:p>
@@ -3040,7 +3054,7 @@
           <a:p>
             <a:fld id="{F81355B7-E84F-F749-86DD-8084CF6DC7D9}" type="datetimeFigureOut">
               <a:rPr kumimoji="1" lang="zh-CN" altLang="en-US" smtClean="0"/>
-              <a:t>2019/1/1</a:t>
+              <a:t>2019/1/3</a:t>
             </a:fld>
             <a:endParaRPr kumimoji="1" lang="zh-CN" altLang="en-US"/>
           </a:p>
@@ -3595,7 +3609,7 @@
         </p:nvSpPr>
         <p:spPr>
           <a:xfrm>
-            <a:off x="976642" y="5566978"/>
+            <a:off x="976642" y="4845761"/>
             <a:ext cx="9144000" cy="1655762"/>
           </a:xfrm>
         </p:spPr>
@@ -3653,6 +3667,1938 @@
     <p:extLst>
       <p:ext uri="{BB962C8B-B14F-4D97-AF65-F5344CB8AC3E}">
         <p14:creationId xmlns:p14="http://schemas.microsoft.com/office/powerpoint/2010/main" val="2052132712"/>
+      </p:ext>
+    </p:extLst>
+  </p:cSld>
+  <p:clrMapOvr>
+    <a:masterClrMapping/>
+  </p:clrMapOvr>
+  <p:timing>
+    <p:tnLst>
+      <p:par>
+        <p:cTn id="1" dur="indefinite" restart="never" nodeType="tmRoot"/>
+      </p:par>
+    </p:tnLst>
+  </p:timing>
+</p:sld>
+</file>
+
+<file path=ppt/slides/slide10.xml><?xml version="1.0" encoding="utf-8"?>
+<p:sld xmlns:a="http://schemas.openxmlformats.org/drawingml/2006/main" xmlns:r="http://schemas.openxmlformats.org/officeDocument/2006/relationships" xmlns:p="http://schemas.openxmlformats.org/presentationml/2006/main">
+  <p:cSld>
+    <p:spTree>
+      <p:nvGrpSpPr>
+        <p:cNvPr id="1" name=""/>
+        <p:cNvGrpSpPr/>
+        <p:nvPr/>
+      </p:nvGrpSpPr>
+      <p:grpSpPr>
+        <a:xfrm>
+          <a:off x="0" y="0"/>
+          <a:ext cx="0" cy="0"/>
+          <a:chOff x="0" y="0"/>
+          <a:chExt cx="0" cy="0"/>
+        </a:xfrm>
+      </p:grpSpPr>
+      <p:sp>
+        <p:nvSpPr>
+          <p:cNvPr id="2" name="矩形 1"/>
+          <p:cNvSpPr/>
+          <p:nvPr/>
+        </p:nvSpPr>
+        <p:spPr>
+          <a:xfrm>
+            <a:off x="136151" y="136151"/>
+            <a:ext cx="3561790" cy="751356"/>
+          </a:xfrm>
+          <a:prstGeom prst="rect">
+            <a:avLst/>
+          </a:prstGeom>
+        </p:spPr>
+        <p:style>
+          <a:lnRef idx="2">
+            <a:schemeClr val="accent1">
+              <a:shade val="50000"/>
+            </a:schemeClr>
+          </a:lnRef>
+          <a:fillRef idx="1">
+            <a:schemeClr val="accent1"/>
+          </a:fillRef>
+          <a:effectRef idx="0">
+            <a:schemeClr val="accent1"/>
+          </a:effectRef>
+          <a:fontRef idx="minor">
+            <a:schemeClr val="lt1"/>
+          </a:fontRef>
+        </p:style>
+        <p:txBody>
+          <a:bodyPr rtlCol="0" anchor="ctr"/>
+          <a:lstStyle/>
+          <a:p>
+            <a:pPr algn="ctr"/>
+            <a:r>
+              <a:rPr kumimoji="1" lang="en-US" altLang="zh-CN" sz="4000" dirty="0" smtClean="0">
+                <a:latin typeface="SimHei" charset="-122"/>
+                <a:ea typeface="SimHei" charset="-122"/>
+                <a:cs typeface="SimHei" charset="-122"/>
+              </a:rPr>
+              <a:t>2</a:t>
+            </a:r>
+            <a:r>
+              <a:rPr kumimoji="1" lang="en-US" altLang="zh-CN" sz="4000" dirty="0">
+                <a:latin typeface="SimHei" charset="-122"/>
+                <a:ea typeface="SimHei" charset="-122"/>
+                <a:cs typeface="SimHei" charset="-122"/>
+              </a:rPr>
+              <a:t> </a:t>
+            </a:r>
+            <a:r>
+              <a:rPr kumimoji="1" lang="zh-CN" altLang="en-US" sz="4000" dirty="0" smtClean="0">
+                <a:latin typeface="SimHei" charset="-122"/>
+                <a:ea typeface="SimHei" charset="-122"/>
+                <a:cs typeface="SimHei" charset="-122"/>
+              </a:rPr>
+              <a:t>方法描述</a:t>
+            </a:r>
+            <a:endParaRPr kumimoji="1" lang="zh-CN" altLang="en-US" sz="4000" dirty="0">
+              <a:latin typeface="SimHei" charset="-122"/>
+              <a:ea typeface="SimHei" charset="-122"/>
+              <a:cs typeface="SimHei" charset="-122"/>
+            </a:endParaRPr>
+          </a:p>
+        </p:txBody>
+      </p:sp>
+      <p:sp>
+        <p:nvSpPr>
+          <p:cNvPr id="3" name="文本框 2"/>
+          <p:cNvSpPr txBox="1"/>
+          <p:nvPr/>
+        </p:nvSpPr>
+        <p:spPr>
+          <a:xfrm>
+            <a:off x="908918" y="1076276"/>
+            <a:ext cx="3877985" cy="584775"/>
+          </a:xfrm>
+          <a:prstGeom prst="rect">
+            <a:avLst/>
+          </a:prstGeom>
+          <a:noFill/>
+        </p:spPr>
+        <p:txBody>
+          <a:bodyPr wrap="none" rtlCol="0">
+            <a:spAutoFit/>
+          </a:bodyPr>
+          <a:lstStyle/>
+          <a:p>
+            <a:r>
+              <a:rPr kumimoji="1" lang="zh-CN" altLang="en-US" sz="3200" dirty="0" smtClean="0">
+                <a:latin typeface="SimHei" charset="-122"/>
+                <a:ea typeface="SimHei" charset="-122"/>
+                <a:cs typeface="SimHei" charset="-122"/>
+              </a:rPr>
+              <a:t>基于神经网络的方法</a:t>
+            </a:r>
+            <a:endParaRPr kumimoji="1" lang="zh-CN" altLang="en-US" sz="3200" dirty="0">
+              <a:latin typeface="SimHei" charset="-122"/>
+              <a:ea typeface="SimHei" charset="-122"/>
+              <a:cs typeface="SimHei" charset="-122"/>
+            </a:endParaRPr>
+          </a:p>
+        </p:txBody>
+      </p:sp>
+      <p:cxnSp>
+        <p:nvCxnSpPr>
+          <p:cNvPr id="4" name="直线连接符 3"/>
+          <p:cNvCxnSpPr/>
+          <p:nvPr/>
+        </p:nvCxnSpPr>
+        <p:spPr>
+          <a:xfrm>
+            <a:off x="0" y="1661051"/>
+            <a:ext cx="5675586" cy="0"/>
+          </a:xfrm>
+          <a:prstGeom prst="line">
+            <a:avLst/>
+          </a:prstGeom>
+        </p:spPr>
+        <p:style>
+          <a:lnRef idx="1">
+            <a:schemeClr val="accent1"/>
+          </a:lnRef>
+          <a:fillRef idx="0">
+            <a:schemeClr val="accent1"/>
+          </a:fillRef>
+          <a:effectRef idx="0">
+            <a:schemeClr val="accent1"/>
+          </a:effectRef>
+          <a:fontRef idx="minor">
+            <a:schemeClr val="tx1"/>
+          </a:fontRef>
+        </p:style>
+      </p:cxnSp>
+      <p:sp>
+        <p:nvSpPr>
+          <p:cNvPr id="8" name="矩形 7"/>
+          <p:cNvSpPr/>
+          <p:nvPr/>
+        </p:nvSpPr>
+        <p:spPr>
+          <a:xfrm>
+            <a:off x="136151" y="1788264"/>
+            <a:ext cx="6096000" cy="954107"/>
+          </a:xfrm>
+          <a:prstGeom prst="rect">
+            <a:avLst/>
+          </a:prstGeom>
+        </p:spPr>
+        <p:txBody>
+          <a:bodyPr>
+            <a:spAutoFit/>
+          </a:bodyPr>
+          <a:lstStyle/>
+          <a:p>
+            <a:pPr marL="285750" indent="-285750">
+              <a:buFont typeface="Arial" charset="0"/>
+              <a:buChar char="•"/>
+            </a:pPr>
+            <a:r>
+              <a:rPr kumimoji="1" lang="zh-CN" altLang="en-US" sz="2800" b="1" dirty="0">
+                <a:latin typeface="SimHei" charset="-122"/>
+                <a:ea typeface="SimHei" charset="-122"/>
+                <a:cs typeface="SimHei" charset="-122"/>
+              </a:rPr>
+              <a:t>用双向长短期记忆</a:t>
+            </a:r>
+            <a:r>
+              <a:rPr kumimoji="1" lang="en-US" altLang="zh-CN" sz="2800" b="1" dirty="0">
+                <a:latin typeface="SimHei" charset="-122"/>
+                <a:ea typeface="SimHei" charset="-122"/>
+                <a:cs typeface="SimHei" charset="-122"/>
+              </a:rPr>
+              <a:t>(Bi-directional</a:t>
+            </a:r>
+            <a:r>
+              <a:rPr kumimoji="1" lang="zh-CN" altLang="en-US" sz="2800" b="1" dirty="0">
+                <a:latin typeface="SimHei" charset="-122"/>
+                <a:ea typeface="SimHei" charset="-122"/>
+                <a:cs typeface="SimHei" charset="-122"/>
+              </a:rPr>
+              <a:t> </a:t>
+            </a:r>
+            <a:r>
+              <a:rPr kumimoji="1" lang="en-US" altLang="zh-CN" sz="2800" b="1" dirty="0">
+                <a:latin typeface="SimHei" charset="-122"/>
+                <a:ea typeface="SimHei" charset="-122"/>
+                <a:cs typeface="SimHei" charset="-122"/>
+              </a:rPr>
+              <a:t>LSTM)</a:t>
+            </a:r>
+            <a:r>
+              <a:rPr kumimoji="1" lang="zh-CN" altLang="en-US" sz="2800" b="1" dirty="0">
+                <a:latin typeface="SimHei" charset="-122"/>
+                <a:ea typeface="SimHei" charset="-122"/>
+                <a:cs typeface="SimHei" charset="-122"/>
+              </a:rPr>
+              <a:t>进行多音字消岐</a:t>
+            </a:r>
+            <a:endParaRPr kumimoji="1" lang="en-US" altLang="zh-CN" sz="2800" b="1" dirty="0">
+              <a:latin typeface="SimHei" charset="-122"/>
+              <a:ea typeface="SimHei" charset="-122"/>
+              <a:cs typeface="SimHei" charset="-122"/>
+            </a:endParaRPr>
+          </a:p>
+        </p:txBody>
+      </p:sp>
+      <p:sp>
+        <p:nvSpPr>
+          <p:cNvPr id="9" name="文本框 8"/>
+          <p:cNvSpPr txBox="1"/>
+          <p:nvPr/>
+        </p:nvSpPr>
+        <p:spPr>
+          <a:xfrm>
+            <a:off x="367861" y="2742371"/>
+            <a:ext cx="4677104" cy="3877985"/>
+          </a:xfrm>
+          <a:prstGeom prst="rect">
+            <a:avLst/>
+          </a:prstGeom>
+          <a:noFill/>
+        </p:spPr>
+        <p:txBody>
+          <a:bodyPr wrap="square" rtlCol="0">
+            <a:spAutoFit/>
+          </a:bodyPr>
+          <a:lstStyle/>
+          <a:p>
+            <a:pPr algn="ctr">
+              <a:lnSpc>
+                <a:spcPct val="150000"/>
+              </a:lnSpc>
+            </a:pPr>
+            <a:r>
+              <a:rPr kumimoji="1" lang="zh-CN" altLang="en-US" sz="2400" dirty="0" smtClean="0">
+                <a:latin typeface="SimHei" charset="-122"/>
+                <a:ea typeface="SimHei" charset="-122"/>
+                <a:cs typeface="SimHei" charset="-122"/>
+              </a:rPr>
+              <a:t>消岐过程</a:t>
+            </a:r>
+            <a:endParaRPr kumimoji="1" lang="en-US" altLang="zh-CN" sz="2400" dirty="0" smtClean="0">
+              <a:latin typeface="SimHei" charset="-122"/>
+              <a:ea typeface="SimHei" charset="-122"/>
+              <a:cs typeface="SimHei" charset="-122"/>
+            </a:endParaRPr>
+          </a:p>
+          <a:p>
+            <a:pPr marL="457200" indent="-457200">
+              <a:lnSpc>
+                <a:spcPct val="150000"/>
+              </a:lnSpc>
+              <a:buFont typeface="+mj-lt"/>
+              <a:buAutoNum type="arabicPeriod"/>
+            </a:pPr>
+            <a:r>
+              <a:rPr kumimoji="1" lang="zh-CN" altLang="en-US" sz="2000" dirty="0" smtClean="0">
+                <a:latin typeface="SimHei" charset="-122"/>
+                <a:ea typeface="SimHei" charset="-122"/>
+                <a:cs typeface="SimHei" charset="-122"/>
+              </a:rPr>
+              <a:t>输入句子</a:t>
+            </a:r>
+            <a:endParaRPr kumimoji="1" lang="en-US" altLang="zh-CN" sz="2000" dirty="0" smtClean="0">
+              <a:latin typeface="SimHei" charset="-122"/>
+              <a:ea typeface="SimHei" charset="-122"/>
+              <a:cs typeface="SimHei" charset="-122"/>
+            </a:endParaRPr>
+          </a:p>
+          <a:p>
+            <a:pPr marL="457200" indent="-457200">
+              <a:lnSpc>
+                <a:spcPct val="150000"/>
+              </a:lnSpc>
+              <a:buFont typeface="+mj-lt"/>
+              <a:buAutoNum type="arabicPeriod"/>
+            </a:pPr>
+            <a:r>
+              <a:rPr kumimoji="1" lang="zh-CN" altLang="en-US" sz="2000" dirty="0" smtClean="0">
+                <a:latin typeface="SimHei" charset="-122"/>
+                <a:ea typeface="SimHei" charset="-122"/>
+                <a:cs typeface="SimHei" charset="-122"/>
+              </a:rPr>
+              <a:t>进行分词</a:t>
+            </a:r>
+            <a:endParaRPr kumimoji="1" lang="en-US" altLang="zh-CN" sz="2000" dirty="0" smtClean="0">
+              <a:latin typeface="SimHei" charset="-122"/>
+              <a:ea typeface="SimHei" charset="-122"/>
+              <a:cs typeface="SimHei" charset="-122"/>
+            </a:endParaRPr>
+          </a:p>
+          <a:p>
+            <a:pPr marL="457200" indent="-457200">
+              <a:lnSpc>
+                <a:spcPct val="150000"/>
+              </a:lnSpc>
+              <a:buFont typeface="+mj-lt"/>
+              <a:buAutoNum type="arabicPeriod"/>
+            </a:pPr>
+            <a:r>
+              <a:rPr kumimoji="1" lang="zh-CN" altLang="en-US" sz="2000" dirty="0" smtClean="0">
+                <a:latin typeface="SimHei" charset="-122"/>
+                <a:ea typeface="SimHei" charset="-122"/>
+                <a:cs typeface="SimHei" charset="-122"/>
+              </a:rPr>
+              <a:t>进行词性标注</a:t>
+            </a:r>
+            <a:endParaRPr kumimoji="1" lang="en-US" altLang="zh-CN" sz="2000" dirty="0" smtClean="0">
+              <a:latin typeface="SimHei" charset="-122"/>
+              <a:ea typeface="SimHei" charset="-122"/>
+              <a:cs typeface="SimHei" charset="-122"/>
+            </a:endParaRPr>
+          </a:p>
+          <a:p>
+            <a:pPr marL="457200" indent="-457200">
+              <a:lnSpc>
+                <a:spcPct val="150000"/>
+              </a:lnSpc>
+              <a:buFont typeface="+mj-lt"/>
+              <a:buAutoNum type="arabicPeriod"/>
+            </a:pPr>
+            <a:r>
+              <a:rPr kumimoji="1" lang="zh-CN" altLang="en-US" sz="2000" dirty="0" smtClean="0">
+                <a:latin typeface="SimHei" charset="-122"/>
+                <a:ea typeface="SimHei" charset="-122"/>
+                <a:cs typeface="SimHei" charset="-122"/>
+              </a:rPr>
+              <a:t>生成</a:t>
+            </a:r>
+            <a:r>
+              <a:rPr kumimoji="1" lang="en-US" altLang="zh-CN" sz="2000" dirty="0" smtClean="0">
+                <a:latin typeface="SimHei" charset="-122"/>
+                <a:ea typeface="SimHei" charset="-122"/>
+                <a:cs typeface="SimHei" charset="-122"/>
+              </a:rPr>
+              <a:t>token</a:t>
+            </a:r>
+            <a:r>
+              <a:rPr kumimoji="1" lang="zh-CN" altLang="en-US" sz="2000" dirty="0" smtClean="0">
+                <a:latin typeface="SimHei" charset="-122"/>
+                <a:ea typeface="SimHei" charset="-122"/>
+                <a:cs typeface="SimHei" charset="-122"/>
+              </a:rPr>
+              <a:t>序列</a:t>
+            </a:r>
+            <a:endParaRPr kumimoji="1" lang="en-US" altLang="zh-CN" sz="2000" dirty="0" smtClean="0">
+              <a:latin typeface="SimHei" charset="-122"/>
+              <a:ea typeface="SimHei" charset="-122"/>
+              <a:cs typeface="SimHei" charset="-122"/>
+            </a:endParaRPr>
+          </a:p>
+          <a:p>
+            <a:pPr marL="457200" indent="-457200">
+              <a:lnSpc>
+                <a:spcPct val="150000"/>
+              </a:lnSpc>
+              <a:buFont typeface="+mj-lt"/>
+              <a:buAutoNum type="arabicPeriod"/>
+            </a:pPr>
+            <a:r>
+              <a:rPr kumimoji="1" lang="zh-CN" altLang="en-US" sz="2000" dirty="0" smtClean="0">
+                <a:latin typeface="SimHei" charset="-122"/>
+                <a:ea typeface="SimHei" charset="-122"/>
+                <a:cs typeface="SimHei" charset="-122"/>
+              </a:rPr>
+              <a:t>用向量表示</a:t>
+            </a:r>
+            <a:r>
+              <a:rPr kumimoji="1" lang="en-US" altLang="zh-CN" sz="2000" dirty="0" smtClean="0">
+                <a:latin typeface="SimHei" charset="-122"/>
+                <a:ea typeface="SimHei" charset="-122"/>
+                <a:cs typeface="SimHei" charset="-122"/>
+              </a:rPr>
+              <a:t>token</a:t>
+            </a:r>
+            <a:r>
+              <a:rPr kumimoji="1" lang="zh-CN" altLang="en-US" sz="2000" dirty="0" smtClean="0">
+                <a:latin typeface="SimHei" charset="-122"/>
+                <a:ea typeface="SimHei" charset="-122"/>
+                <a:cs typeface="SimHei" charset="-122"/>
+              </a:rPr>
+              <a:t>序列，并输入至</a:t>
+            </a:r>
+            <a:r>
+              <a:rPr kumimoji="1" lang="en-US" altLang="zh-CN" sz="2000" dirty="0" smtClean="0">
+                <a:latin typeface="SimHei" charset="-122"/>
+                <a:ea typeface="SimHei" charset="-122"/>
+                <a:cs typeface="SimHei" charset="-122"/>
+              </a:rPr>
+              <a:t>BLSTM</a:t>
+            </a:r>
+          </a:p>
+          <a:p>
+            <a:pPr marL="457200" indent="-457200">
+              <a:lnSpc>
+                <a:spcPct val="150000"/>
+              </a:lnSpc>
+              <a:buFont typeface="+mj-lt"/>
+              <a:buAutoNum type="arabicPeriod"/>
+            </a:pPr>
+            <a:r>
+              <a:rPr kumimoji="1" lang="zh-CN" altLang="en-US" sz="2000" dirty="0" smtClean="0">
+                <a:latin typeface="SimHei" charset="-122"/>
+                <a:ea typeface="SimHei" charset="-122"/>
+                <a:cs typeface="SimHei" charset="-122"/>
+              </a:rPr>
+              <a:t>得到结果。</a:t>
+            </a:r>
+            <a:r>
+              <a:rPr kumimoji="1" lang="en-US" altLang="zh-CN" sz="2000" dirty="0">
+                <a:latin typeface="SimHei" charset="-122"/>
+                <a:ea typeface="SimHei" charset="-122"/>
+                <a:cs typeface="SimHei" charset="-122"/>
+              </a:rPr>
+              <a:t>(</a:t>
+            </a:r>
+            <a:r>
+              <a:rPr kumimoji="1" lang="zh-CN" altLang="en-US" sz="2000" dirty="0" smtClean="0">
+                <a:latin typeface="SimHei" charset="-122"/>
+                <a:ea typeface="SimHei" charset="-122"/>
+                <a:cs typeface="SimHei" charset="-122"/>
+              </a:rPr>
+              <a:t>只输出多音字的读音</a:t>
+            </a:r>
+            <a:r>
+              <a:rPr kumimoji="1" lang="en-US" altLang="zh-CN" sz="2000" dirty="0" smtClean="0">
+                <a:latin typeface="SimHei" charset="-122"/>
+                <a:ea typeface="SimHei" charset="-122"/>
+                <a:cs typeface="SimHei" charset="-122"/>
+              </a:rPr>
+              <a:t>)</a:t>
+            </a:r>
+            <a:endParaRPr kumimoji="1" lang="en-US" altLang="zh-CN" sz="2400" dirty="0">
+              <a:latin typeface="SimHei" charset="-122"/>
+              <a:ea typeface="SimHei" charset="-122"/>
+              <a:cs typeface="SimHei" charset="-122"/>
+            </a:endParaRPr>
+          </a:p>
+        </p:txBody>
+      </p:sp>
+      <p:pic>
+        <p:nvPicPr>
+          <p:cNvPr id="10" name="图片 9"/>
+          <p:cNvPicPr>
+            <a:picLocks noChangeAspect="1"/>
+          </p:cNvPicPr>
+          <p:nvPr/>
+        </p:nvPicPr>
+        <p:blipFill>
+          <a:blip r:embed="rId2">
+            <a:extLst>
+              <a:ext uri="{28A0092B-C50C-407E-A947-70E740481C1C}">
+                <a14:useLocalDpi xmlns:a14="http://schemas.microsoft.com/office/drawing/2010/main" val="0"/>
+              </a:ext>
+            </a:extLst>
+          </a:blip>
+          <a:stretch>
+            <a:fillRect/>
+          </a:stretch>
+        </p:blipFill>
+        <p:spPr>
+          <a:xfrm>
+            <a:off x="6463861" y="1220309"/>
+            <a:ext cx="5181389" cy="5327912"/>
+          </a:xfrm>
+          <a:prstGeom prst="rect">
+            <a:avLst/>
+          </a:prstGeom>
+        </p:spPr>
+      </p:pic>
+      <p:sp>
+        <p:nvSpPr>
+          <p:cNvPr id="11" name="矩形标注 10"/>
+          <p:cNvSpPr/>
+          <p:nvPr/>
+        </p:nvSpPr>
+        <p:spPr>
+          <a:xfrm>
+            <a:off x="2690647" y="3415863"/>
+            <a:ext cx="3668111" cy="1135116"/>
+          </a:xfrm>
+          <a:prstGeom prst="wedgeRectCallout">
+            <a:avLst>
+              <a:gd name="adj1" fmla="val -45255"/>
+              <a:gd name="adj2" fmla="val 86799"/>
+            </a:avLst>
+          </a:prstGeom>
+          <a:ln>
+            <a:solidFill>
+              <a:schemeClr val="accent1"/>
+            </a:solidFill>
+          </a:ln>
+        </p:spPr>
+        <p:style>
+          <a:lnRef idx="2">
+            <a:schemeClr val="accent6"/>
+          </a:lnRef>
+          <a:fillRef idx="1">
+            <a:schemeClr val="lt1"/>
+          </a:fillRef>
+          <a:effectRef idx="0">
+            <a:schemeClr val="accent6"/>
+          </a:effectRef>
+          <a:fontRef idx="minor">
+            <a:schemeClr val="dk1"/>
+          </a:fontRef>
+        </p:style>
+        <p:txBody>
+          <a:bodyPr rtlCol="0" anchor="ctr"/>
+          <a:lstStyle/>
+          <a:p>
+            <a:pPr>
+              <a:lnSpc>
+                <a:spcPct val="150000"/>
+              </a:lnSpc>
+            </a:pPr>
+            <a:r>
+              <a:rPr kumimoji="1" lang="zh-CN" altLang="en-US" sz="1600" dirty="0">
+                <a:latin typeface="SimHei" charset="-122"/>
+                <a:ea typeface="SimHei" charset="-122"/>
+                <a:cs typeface="SimHei" charset="-122"/>
+              </a:rPr>
+              <a:t>其中含多音字的词前后</a:t>
+            </a:r>
+            <a:r>
+              <a:rPr kumimoji="1" lang="zh-CN" altLang="en-US" sz="1600" dirty="0" smtClean="0">
+                <a:latin typeface="SimHei" charset="-122"/>
+                <a:ea typeface="SimHei" charset="-122"/>
+                <a:cs typeface="SimHei" charset="-122"/>
+              </a:rPr>
+              <a:t>的部分全部视为</a:t>
+            </a:r>
+            <a:r>
+              <a:rPr kumimoji="1" lang="zh-CN" altLang="en-US" sz="1600" dirty="0">
+                <a:latin typeface="SimHei" charset="-122"/>
+                <a:ea typeface="SimHei" charset="-122"/>
+                <a:cs typeface="SimHei" charset="-122"/>
+              </a:rPr>
+              <a:t>一个</a:t>
+            </a:r>
+            <a:r>
+              <a:rPr kumimoji="1" lang="en-US" altLang="zh-CN" sz="1600" dirty="0">
+                <a:latin typeface="SimHei" charset="-122"/>
+                <a:ea typeface="SimHei" charset="-122"/>
+                <a:cs typeface="SimHei" charset="-122"/>
+              </a:rPr>
+              <a:t>token</a:t>
+            </a:r>
+            <a:r>
+              <a:rPr kumimoji="1" lang="zh-CN" altLang="en-US" sz="1600" dirty="0" smtClean="0">
+                <a:latin typeface="SimHei" charset="-122"/>
+                <a:ea typeface="SimHei" charset="-122"/>
+                <a:cs typeface="SimHei" charset="-122"/>
+              </a:rPr>
+              <a:t>，进行词性标注</a:t>
+            </a:r>
+            <a:r>
+              <a:rPr kumimoji="1" lang="zh-CN" altLang="en-US" sz="1600" dirty="0">
+                <a:latin typeface="SimHei" charset="-122"/>
+                <a:ea typeface="SimHei" charset="-122"/>
+                <a:cs typeface="SimHei" charset="-122"/>
+              </a:rPr>
+              <a:t>，将含多音字的</a:t>
+            </a:r>
+            <a:r>
+              <a:rPr kumimoji="1" lang="zh-CN" altLang="en-US" sz="1600" dirty="0" smtClean="0">
+                <a:latin typeface="SimHei" charset="-122"/>
+                <a:ea typeface="SimHei" charset="-122"/>
+                <a:cs typeface="SimHei" charset="-122"/>
+              </a:rPr>
+              <a:t>词的每一个字都进行词性标注</a:t>
+            </a:r>
+            <a:endParaRPr kumimoji="1" lang="en-US" altLang="zh-CN" sz="1600" dirty="0">
+              <a:latin typeface="SimHei" charset="-122"/>
+              <a:ea typeface="SimHei" charset="-122"/>
+              <a:cs typeface="SimHei" charset="-122"/>
+            </a:endParaRPr>
+          </a:p>
+        </p:txBody>
+      </p:sp>
+    </p:spTree>
+    <p:extLst>
+      <p:ext uri="{BB962C8B-B14F-4D97-AF65-F5344CB8AC3E}">
+        <p14:creationId xmlns:p14="http://schemas.microsoft.com/office/powerpoint/2010/main" val="2144650207"/>
+      </p:ext>
+    </p:extLst>
+  </p:cSld>
+  <p:clrMapOvr>
+    <a:masterClrMapping/>
+  </p:clrMapOvr>
+  <p:timing>
+    <p:tnLst>
+      <p:par>
+        <p:cTn id="1" dur="indefinite" restart="never" nodeType="tmRoot">
+          <p:childTnLst>
+            <p:seq concurrent="1" nextAc="seek">
+              <p:cTn id="2" dur="indefinite" nodeType="mainSeq">
+                <p:childTnLst>
+                  <p:par>
+                    <p:cTn id="3" fill="hold">
+                      <p:stCondLst>
+                        <p:cond delay="indefinite"/>
+                      </p:stCondLst>
+                      <p:childTnLst>
+                        <p:par>
+                          <p:cTn id="4" fill="hold">
+                            <p:stCondLst>
+                              <p:cond delay="0"/>
+                            </p:stCondLst>
+                            <p:childTnLst>
+                              <p:par>
+                                <p:cTn id="5" presetID="1" presetClass="entr" presetSubtype="0" fill="hold" grpId="0" nodeType="clickEffect">
+                                  <p:stCondLst>
+                                    <p:cond delay="0"/>
+                                  </p:stCondLst>
+                                  <p:childTnLst>
+                                    <p:set>
+                                      <p:cBhvr>
+                                        <p:cTn id="6" dur="1" fill="hold">
+                                          <p:stCondLst>
+                                            <p:cond delay="0"/>
+                                          </p:stCondLst>
+                                        </p:cTn>
+                                        <p:tgtEl>
+                                          <p:spTgt spid="9"/>
+                                        </p:tgtEl>
+                                        <p:attrNameLst>
+                                          <p:attrName>style.visibility</p:attrName>
+                                        </p:attrNameLst>
+                                      </p:cBhvr>
+                                      <p:to>
+                                        <p:strVal val="visible"/>
+                                      </p:to>
+                                    </p:set>
+                                  </p:childTnLst>
+                                </p:cTn>
+                              </p:par>
+                              <p:par>
+                                <p:cTn id="7" presetID="1" presetClass="entr" presetSubtype="0" fill="hold" nodeType="withEffect">
+                                  <p:stCondLst>
+                                    <p:cond delay="0"/>
+                                  </p:stCondLst>
+                                  <p:childTnLst>
+                                    <p:set>
+                                      <p:cBhvr>
+                                        <p:cTn id="8" dur="1" fill="hold">
+                                          <p:stCondLst>
+                                            <p:cond delay="0"/>
+                                          </p:stCondLst>
+                                        </p:cTn>
+                                        <p:tgtEl>
+                                          <p:spTgt spid="10"/>
+                                        </p:tgtEl>
+                                        <p:attrNameLst>
+                                          <p:attrName>style.visibility</p:attrName>
+                                        </p:attrNameLst>
+                                      </p:cBhvr>
+                                      <p:to>
+                                        <p:strVal val="visible"/>
+                                      </p:to>
+                                    </p:set>
+                                  </p:childTnLst>
+                                </p:cTn>
+                              </p:par>
+                            </p:childTnLst>
+                          </p:cTn>
+                        </p:par>
+                      </p:childTnLst>
+                    </p:cTn>
+                  </p:par>
+                  <p:par>
+                    <p:cTn id="9" fill="hold">
+                      <p:stCondLst>
+                        <p:cond delay="indefinite"/>
+                      </p:stCondLst>
+                      <p:childTnLst>
+                        <p:par>
+                          <p:cTn id="10" fill="hold">
+                            <p:stCondLst>
+                              <p:cond delay="0"/>
+                            </p:stCondLst>
+                            <p:childTnLst>
+                              <p:par>
+                                <p:cTn id="11" presetID="1" presetClass="entr" presetSubtype="0" fill="hold" grpId="0" nodeType="clickEffect">
+                                  <p:stCondLst>
+                                    <p:cond delay="0"/>
+                                  </p:stCondLst>
+                                  <p:childTnLst>
+                                    <p:set>
+                                      <p:cBhvr>
+                                        <p:cTn id="12" dur="1" fill="hold">
+                                          <p:stCondLst>
+                                            <p:cond delay="0"/>
+                                          </p:stCondLst>
+                                        </p:cTn>
+                                        <p:tgtEl>
+                                          <p:spTgt spid="11"/>
+                                        </p:tgtEl>
+                                        <p:attrNameLst>
+                                          <p:attrName>style.visibility</p:attrName>
+                                        </p:attrNameLst>
+                                      </p:cBhvr>
+                                      <p:to>
+                                        <p:strVal val="visible"/>
+                                      </p:to>
+                                    </p:set>
+                                  </p:childTnLst>
+                                </p:cTn>
+                              </p:par>
+                            </p:childTnLst>
+                          </p:cTn>
+                        </p:par>
+                      </p:childTnLst>
+                    </p:cTn>
+                  </p:par>
+                </p:childTnLst>
+              </p:cTn>
+              <p:prevCondLst>
+                <p:cond evt="onPrev" delay="0">
+                  <p:tgtEl>
+                    <p:sldTgt/>
+                  </p:tgtEl>
+                </p:cond>
+              </p:prevCondLst>
+              <p:nextCondLst>
+                <p:cond evt="onNext" delay="0">
+                  <p:tgtEl>
+                    <p:sldTgt/>
+                  </p:tgtEl>
+                </p:cond>
+              </p:nextCondLst>
+            </p:seq>
+          </p:childTnLst>
+        </p:cTn>
+      </p:par>
+    </p:tnLst>
+    <p:bldLst>
+      <p:bldP spid="9" grpId="0"/>
+      <p:bldP spid="11" grpId="0" animBg="1"/>
+    </p:bldLst>
+  </p:timing>
+</p:sld>
+</file>
+
+<file path=ppt/slides/slide11.xml><?xml version="1.0" encoding="utf-8"?>
+<p:sld xmlns:a="http://schemas.openxmlformats.org/drawingml/2006/main" xmlns:r="http://schemas.openxmlformats.org/officeDocument/2006/relationships" xmlns:p="http://schemas.openxmlformats.org/presentationml/2006/main">
+  <p:cSld>
+    <p:spTree>
+      <p:nvGrpSpPr>
+        <p:cNvPr id="1" name=""/>
+        <p:cNvGrpSpPr/>
+        <p:nvPr/>
+      </p:nvGrpSpPr>
+      <p:grpSpPr>
+        <a:xfrm>
+          <a:off x="0" y="0"/>
+          <a:ext cx="0" cy="0"/>
+          <a:chOff x="0" y="0"/>
+          <a:chExt cx="0" cy="0"/>
+        </a:xfrm>
+      </p:grpSpPr>
+      <p:sp>
+        <p:nvSpPr>
+          <p:cNvPr id="2" name="矩形 1"/>
+          <p:cNvSpPr/>
+          <p:nvPr/>
+        </p:nvSpPr>
+        <p:spPr>
+          <a:xfrm>
+            <a:off x="136151" y="136151"/>
+            <a:ext cx="3561790" cy="751356"/>
+          </a:xfrm>
+          <a:prstGeom prst="rect">
+            <a:avLst/>
+          </a:prstGeom>
+        </p:spPr>
+        <p:style>
+          <a:lnRef idx="2">
+            <a:schemeClr val="accent1">
+              <a:shade val="50000"/>
+            </a:schemeClr>
+          </a:lnRef>
+          <a:fillRef idx="1">
+            <a:schemeClr val="accent1"/>
+          </a:fillRef>
+          <a:effectRef idx="0">
+            <a:schemeClr val="accent1"/>
+          </a:effectRef>
+          <a:fontRef idx="minor">
+            <a:schemeClr val="lt1"/>
+          </a:fontRef>
+        </p:style>
+        <p:txBody>
+          <a:bodyPr rtlCol="0" anchor="ctr"/>
+          <a:lstStyle/>
+          <a:p>
+            <a:pPr algn="ctr"/>
+            <a:r>
+              <a:rPr kumimoji="1" lang="en-US" altLang="zh-CN" sz="4000" dirty="0">
+                <a:latin typeface="SimHei" charset="-122"/>
+                <a:ea typeface="SimHei" charset="-122"/>
+                <a:cs typeface="SimHei" charset="-122"/>
+              </a:rPr>
+              <a:t>3</a:t>
+            </a:r>
+            <a:r>
+              <a:rPr kumimoji="1" lang="en-US" altLang="zh-CN" sz="4000" dirty="0" smtClean="0">
+                <a:latin typeface="SimHei" charset="-122"/>
+                <a:ea typeface="SimHei" charset="-122"/>
+                <a:cs typeface="SimHei" charset="-122"/>
+              </a:rPr>
+              <a:t> </a:t>
+            </a:r>
+            <a:r>
+              <a:rPr kumimoji="1" lang="zh-CN" altLang="en-US" sz="4000" dirty="0" smtClean="0">
+                <a:latin typeface="SimHei" charset="-122"/>
+                <a:ea typeface="SimHei" charset="-122"/>
+                <a:cs typeface="SimHei" charset="-122"/>
+              </a:rPr>
+              <a:t>下一步计划</a:t>
+            </a:r>
+            <a:endParaRPr kumimoji="1" lang="zh-CN" altLang="en-US" sz="4000" dirty="0">
+              <a:latin typeface="SimHei" charset="-122"/>
+              <a:ea typeface="SimHei" charset="-122"/>
+              <a:cs typeface="SimHei" charset="-122"/>
+            </a:endParaRPr>
+          </a:p>
+        </p:txBody>
+      </p:sp>
+      <p:sp>
+        <p:nvSpPr>
+          <p:cNvPr id="5" name="椭圆 4"/>
+          <p:cNvSpPr/>
+          <p:nvPr/>
+        </p:nvSpPr>
+        <p:spPr>
+          <a:xfrm>
+            <a:off x="2322833" y="1529054"/>
+            <a:ext cx="387183" cy="458468"/>
+          </a:xfrm>
+          <a:prstGeom prst="ellipse">
+            <a:avLst/>
+          </a:prstGeom>
+        </p:spPr>
+        <p:style>
+          <a:lnRef idx="2">
+            <a:schemeClr val="accent1">
+              <a:shade val="50000"/>
+            </a:schemeClr>
+          </a:lnRef>
+          <a:fillRef idx="1">
+            <a:schemeClr val="accent1"/>
+          </a:fillRef>
+          <a:effectRef idx="0">
+            <a:schemeClr val="accent1"/>
+          </a:effectRef>
+          <a:fontRef idx="minor">
+            <a:schemeClr val="lt1"/>
+          </a:fontRef>
+        </p:style>
+        <p:txBody>
+          <a:bodyPr rtlCol="0" anchor="ctr"/>
+          <a:lstStyle/>
+          <a:p>
+            <a:pPr algn="ctr"/>
+            <a:r>
+              <a:rPr kumimoji="1" lang="en-US" altLang="zh-CN" dirty="0" smtClean="0"/>
+              <a:t>1</a:t>
+            </a:r>
+            <a:endParaRPr kumimoji="1" lang="zh-CN" altLang="en-US" dirty="0"/>
+          </a:p>
+        </p:txBody>
+      </p:sp>
+      <p:sp>
+        <p:nvSpPr>
+          <p:cNvPr id="6" name="文本框 5"/>
+          <p:cNvSpPr txBox="1"/>
+          <p:nvPr/>
+        </p:nvSpPr>
+        <p:spPr>
+          <a:xfrm>
+            <a:off x="3563007" y="1342789"/>
+            <a:ext cx="4824248" cy="830997"/>
+          </a:xfrm>
+          <a:prstGeom prst="rect">
+            <a:avLst/>
+          </a:prstGeom>
+          <a:noFill/>
+        </p:spPr>
+        <p:txBody>
+          <a:bodyPr wrap="square" rtlCol="0">
+            <a:spAutoFit/>
+          </a:bodyPr>
+          <a:lstStyle/>
+          <a:p>
+            <a:r>
+              <a:rPr kumimoji="1" lang="zh-CN" altLang="en-US" sz="2400" dirty="0" smtClean="0">
+                <a:latin typeface="SimHei" charset="-122"/>
+                <a:ea typeface="SimHei" charset="-122"/>
+                <a:cs typeface="SimHei" charset="-122"/>
+              </a:rPr>
+              <a:t>学习深度神经网络和</a:t>
+            </a:r>
+            <a:r>
+              <a:rPr kumimoji="1" lang="en-US" altLang="zh-CN" sz="2400" dirty="0" smtClean="0">
+                <a:latin typeface="SimHei" charset="-122"/>
+                <a:ea typeface="SimHei" charset="-122"/>
+                <a:cs typeface="SimHei" charset="-122"/>
+              </a:rPr>
+              <a:t>NLP</a:t>
+            </a:r>
+            <a:r>
+              <a:rPr kumimoji="1" lang="zh-CN" altLang="en-US" sz="2400" dirty="0" smtClean="0">
+                <a:latin typeface="SimHei" charset="-122"/>
+                <a:ea typeface="SimHei" charset="-122"/>
+                <a:cs typeface="SimHei" charset="-122"/>
+              </a:rPr>
+              <a:t>的一些框架和平台</a:t>
+            </a:r>
+            <a:endParaRPr kumimoji="1" lang="zh-CN" altLang="en-US" sz="2400" dirty="0">
+              <a:latin typeface="SimHei" charset="-122"/>
+              <a:ea typeface="SimHei" charset="-122"/>
+              <a:cs typeface="SimHei" charset="-122"/>
+            </a:endParaRPr>
+          </a:p>
+        </p:txBody>
+      </p:sp>
+      <p:sp>
+        <p:nvSpPr>
+          <p:cNvPr id="7" name="椭圆 6"/>
+          <p:cNvSpPr/>
+          <p:nvPr/>
+        </p:nvSpPr>
+        <p:spPr>
+          <a:xfrm>
+            <a:off x="2322832" y="2895916"/>
+            <a:ext cx="387183" cy="458468"/>
+          </a:xfrm>
+          <a:prstGeom prst="ellipse">
+            <a:avLst/>
+          </a:prstGeom>
+        </p:spPr>
+        <p:style>
+          <a:lnRef idx="2">
+            <a:schemeClr val="accent1">
+              <a:shade val="50000"/>
+            </a:schemeClr>
+          </a:lnRef>
+          <a:fillRef idx="1">
+            <a:schemeClr val="accent1"/>
+          </a:fillRef>
+          <a:effectRef idx="0">
+            <a:schemeClr val="accent1"/>
+          </a:effectRef>
+          <a:fontRef idx="minor">
+            <a:schemeClr val="lt1"/>
+          </a:fontRef>
+        </p:style>
+        <p:txBody>
+          <a:bodyPr rtlCol="0" anchor="ctr"/>
+          <a:lstStyle/>
+          <a:p>
+            <a:pPr algn="ctr"/>
+            <a:r>
+              <a:rPr kumimoji="1" lang="en-US" altLang="zh-CN" dirty="0"/>
+              <a:t>2</a:t>
+            </a:r>
+            <a:endParaRPr kumimoji="1" lang="zh-CN" altLang="en-US" dirty="0"/>
+          </a:p>
+        </p:txBody>
+      </p:sp>
+      <p:sp>
+        <p:nvSpPr>
+          <p:cNvPr id="11" name="文本框 10"/>
+          <p:cNvSpPr txBox="1"/>
+          <p:nvPr/>
+        </p:nvSpPr>
+        <p:spPr>
+          <a:xfrm>
+            <a:off x="3563007" y="2709651"/>
+            <a:ext cx="4824248" cy="830997"/>
+          </a:xfrm>
+          <a:prstGeom prst="rect">
+            <a:avLst/>
+          </a:prstGeom>
+          <a:noFill/>
+        </p:spPr>
+        <p:txBody>
+          <a:bodyPr wrap="square" rtlCol="0">
+            <a:spAutoFit/>
+          </a:bodyPr>
+          <a:lstStyle/>
+          <a:p>
+            <a:r>
+              <a:rPr kumimoji="1" lang="zh-CN" altLang="en-US" sz="2400" dirty="0" smtClean="0">
+                <a:latin typeface="SimHei" charset="-122"/>
+                <a:ea typeface="SimHei" charset="-122"/>
+                <a:cs typeface="SimHei" charset="-122"/>
+              </a:rPr>
+              <a:t>学习分词、词性标注等预处理手段的实现方法</a:t>
+            </a:r>
+            <a:endParaRPr kumimoji="1" lang="zh-CN" altLang="en-US" sz="2400" dirty="0">
+              <a:latin typeface="SimHei" charset="-122"/>
+              <a:ea typeface="SimHei" charset="-122"/>
+              <a:cs typeface="SimHei" charset="-122"/>
+            </a:endParaRPr>
+          </a:p>
+        </p:txBody>
+      </p:sp>
+      <p:sp>
+        <p:nvSpPr>
+          <p:cNvPr id="12" name="椭圆 11"/>
+          <p:cNvSpPr/>
+          <p:nvPr/>
+        </p:nvSpPr>
+        <p:spPr>
+          <a:xfrm>
+            <a:off x="2322831" y="4262779"/>
+            <a:ext cx="387183" cy="458468"/>
+          </a:xfrm>
+          <a:prstGeom prst="ellipse">
+            <a:avLst/>
+          </a:prstGeom>
+        </p:spPr>
+        <p:style>
+          <a:lnRef idx="2">
+            <a:schemeClr val="accent1">
+              <a:shade val="50000"/>
+            </a:schemeClr>
+          </a:lnRef>
+          <a:fillRef idx="1">
+            <a:schemeClr val="accent1"/>
+          </a:fillRef>
+          <a:effectRef idx="0">
+            <a:schemeClr val="accent1"/>
+          </a:effectRef>
+          <a:fontRef idx="minor">
+            <a:schemeClr val="lt1"/>
+          </a:fontRef>
+        </p:style>
+        <p:txBody>
+          <a:bodyPr rtlCol="0" anchor="ctr"/>
+          <a:lstStyle/>
+          <a:p>
+            <a:pPr algn="ctr"/>
+            <a:r>
+              <a:rPr kumimoji="1" lang="en-US" altLang="zh-CN" dirty="0" smtClean="0"/>
+              <a:t>3</a:t>
+            </a:r>
+            <a:endParaRPr kumimoji="1" lang="zh-CN" altLang="en-US" dirty="0"/>
+          </a:p>
+        </p:txBody>
+      </p:sp>
+      <p:sp>
+        <p:nvSpPr>
+          <p:cNvPr id="13" name="椭圆 12"/>
+          <p:cNvSpPr/>
+          <p:nvPr/>
+        </p:nvSpPr>
+        <p:spPr>
+          <a:xfrm>
+            <a:off x="2322831" y="5629641"/>
+            <a:ext cx="387183" cy="458468"/>
+          </a:xfrm>
+          <a:prstGeom prst="ellipse">
+            <a:avLst/>
+          </a:prstGeom>
+        </p:spPr>
+        <p:style>
+          <a:lnRef idx="2">
+            <a:schemeClr val="accent1">
+              <a:shade val="50000"/>
+            </a:schemeClr>
+          </a:lnRef>
+          <a:fillRef idx="1">
+            <a:schemeClr val="accent1"/>
+          </a:fillRef>
+          <a:effectRef idx="0">
+            <a:schemeClr val="accent1"/>
+          </a:effectRef>
+          <a:fontRef idx="minor">
+            <a:schemeClr val="lt1"/>
+          </a:fontRef>
+        </p:style>
+        <p:txBody>
+          <a:bodyPr rtlCol="0" anchor="ctr"/>
+          <a:lstStyle/>
+          <a:p>
+            <a:pPr algn="ctr"/>
+            <a:r>
+              <a:rPr kumimoji="1" lang="en-US" altLang="zh-CN" dirty="0" smtClean="0"/>
+              <a:t>4</a:t>
+            </a:r>
+            <a:endParaRPr kumimoji="1" lang="zh-CN" altLang="en-US" dirty="0"/>
+          </a:p>
+        </p:txBody>
+      </p:sp>
+      <p:sp>
+        <p:nvSpPr>
+          <p:cNvPr id="17" name="文本框 16"/>
+          <p:cNvSpPr txBox="1"/>
+          <p:nvPr/>
+        </p:nvSpPr>
+        <p:spPr>
+          <a:xfrm>
+            <a:off x="3563007" y="4076513"/>
+            <a:ext cx="4824248" cy="830997"/>
+          </a:xfrm>
+          <a:prstGeom prst="rect">
+            <a:avLst/>
+          </a:prstGeom>
+          <a:noFill/>
+        </p:spPr>
+        <p:txBody>
+          <a:bodyPr wrap="square" rtlCol="0">
+            <a:spAutoFit/>
+          </a:bodyPr>
+          <a:lstStyle/>
+          <a:p>
+            <a:r>
+              <a:rPr kumimoji="1" lang="zh-CN" altLang="en-US" sz="2400" dirty="0" smtClean="0">
+                <a:latin typeface="SimHei" charset="-122"/>
+                <a:ea typeface="SimHei" charset="-122"/>
+                <a:cs typeface="SimHei" charset="-122"/>
+              </a:rPr>
+              <a:t>在一个比较权威的语料库内对数据进行处理</a:t>
+            </a:r>
+            <a:endParaRPr kumimoji="1" lang="zh-CN" altLang="en-US" sz="2400" dirty="0">
+              <a:latin typeface="SimHei" charset="-122"/>
+              <a:ea typeface="SimHei" charset="-122"/>
+              <a:cs typeface="SimHei" charset="-122"/>
+            </a:endParaRPr>
+          </a:p>
+        </p:txBody>
+      </p:sp>
+      <p:sp>
+        <p:nvSpPr>
+          <p:cNvPr id="18" name="文本框 17"/>
+          <p:cNvSpPr txBox="1"/>
+          <p:nvPr/>
+        </p:nvSpPr>
+        <p:spPr>
+          <a:xfrm>
+            <a:off x="3442138" y="5443375"/>
+            <a:ext cx="4824248" cy="830997"/>
+          </a:xfrm>
+          <a:prstGeom prst="rect">
+            <a:avLst/>
+          </a:prstGeom>
+          <a:noFill/>
+        </p:spPr>
+        <p:txBody>
+          <a:bodyPr wrap="square" rtlCol="0">
+            <a:spAutoFit/>
+          </a:bodyPr>
+          <a:lstStyle/>
+          <a:p>
+            <a:r>
+              <a:rPr kumimoji="1" lang="zh-CN" altLang="en-US" sz="2400" dirty="0" smtClean="0">
+                <a:latin typeface="SimHei" charset="-122"/>
+                <a:ea typeface="SimHei" charset="-122"/>
+                <a:cs typeface="SimHei" charset="-122"/>
+              </a:rPr>
+              <a:t>实现用</a:t>
+            </a:r>
+            <a:r>
+              <a:rPr kumimoji="1" lang="en-US" altLang="zh-CN" sz="2400" dirty="0" smtClean="0">
+                <a:latin typeface="SimHei" charset="-122"/>
+                <a:ea typeface="SimHei" charset="-122"/>
+                <a:cs typeface="SimHei" charset="-122"/>
+              </a:rPr>
+              <a:t>LSTM</a:t>
+            </a:r>
+            <a:r>
+              <a:rPr kumimoji="1" lang="zh-CN" altLang="en-US" sz="2400" dirty="0" smtClean="0">
+                <a:latin typeface="SimHei" charset="-122"/>
+                <a:ea typeface="SimHei" charset="-122"/>
+                <a:cs typeface="SimHei" charset="-122"/>
+              </a:rPr>
+              <a:t>进行多音字注音，并思考有无可以改进的地方</a:t>
+            </a:r>
+            <a:endParaRPr kumimoji="1" lang="zh-CN" altLang="en-US" sz="2400" dirty="0">
+              <a:latin typeface="SimHei" charset="-122"/>
+              <a:ea typeface="SimHei" charset="-122"/>
+              <a:cs typeface="SimHei" charset="-122"/>
+            </a:endParaRPr>
+          </a:p>
+        </p:txBody>
+      </p:sp>
+      <p:sp>
+        <p:nvSpPr>
+          <p:cNvPr id="19" name="矩形标注 18"/>
+          <p:cNvSpPr/>
+          <p:nvPr/>
+        </p:nvSpPr>
+        <p:spPr>
+          <a:xfrm>
+            <a:off x="8266386" y="2895916"/>
+            <a:ext cx="3652345" cy="1119119"/>
+          </a:xfrm>
+          <a:prstGeom prst="wedgeRectCallout">
+            <a:avLst>
+              <a:gd name="adj1" fmla="val -37536"/>
+              <a:gd name="adj2" fmla="val 77394"/>
+            </a:avLst>
+          </a:prstGeom>
+          <a:ln>
+            <a:solidFill>
+              <a:schemeClr val="accent1"/>
+            </a:solidFill>
+          </a:ln>
+        </p:spPr>
+        <p:style>
+          <a:lnRef idx="2">
+            <a:schemeClr val="accent6"/>
+          </a:lnRef>
+          <a:fillRef idx="1">
+            <a:schemeClr val="lt1"/>
+          </a:fillRef>
+          <a:effectRef idx="0">
+            <a:schemeClr val="accent6"/>
+          </a:effectRef>
+          <a:fontRef idx="minor">
+            <a:schemeClr val="dk1"/>
+          </a:fontRef>
+        </p:style>
+        <p:txBody>
+          <a:bodyPr rtlCol="0" anchor="ctr"/>
+          <a:lstStyle/>
+          <a:p>
+            <a:pPr algn="ctr"/>
+            <a:r>
+              <a:rPr kumimoji="1" lang="zh-CN" altLang="en-US" dirty="0" smtClean="0">
+                <a:latin typeface="SimHei" charset="-122"/>
+                <a:ea typeface="SimHei" charset="-122"/>
+                <a:cs typeface="SimHei" charset="-122"/>
+              </a:rPr>
+              <a:t>还没有找到一个统一使用的语料库</a:t>
+            </a:r>
+            <a:endParaRPr kumimoji="1" lang="en-US" altLang="zh-CN" dirty="0" smtClean="0">
+              <a:latin typeface="SimHei" charset="-122"/>
+              <a:ea typeface="SimHei" charset="-122"/>
+              <a:cs typeface="SimHei" charset="-122"/>
+            </a:endParaRPr>
+          </a:p>
+          <a:p>
+            <a:pPr algn="ctr"/>
+            <a:r>
+              <a:rPr kumimoji="1" lang="zh-CN" altLang="en-US" dirty="0" smtClean="0">
+                <a:latin typeface="SimHei" charset="-122"/>
+                <a:ea typeface="SimHei" charset="-122"/>
+                <a:cs typeface="SimHei" charset="-122"/>
+              </a:rPr>
+              <a:t>几个常用的有：</a:t>
+            </a:r>
+            <a:r>
+              <a:rPr kumimoji="1" lang="en-US" altLang="zh-CN" dirty="0" smtClean="0">
+                <a:latin typeface="SimHei" charset="-122"/>
+                <a:ea typeface="SimHei" charset="-122"/>
+                <a:cs typeface="SimHei" charset="-122"/>
+              </a:rPr>
+              <a:t>CCL</a:t>
+            </a:r>
+            <a:r>
+              <a:rPr kumimoji="1" lang="zh-CN" altLang="en-US" dirty="0" smtClean="0">
+                <a:latin typeface="SimHei" charset="-122"/>
+                <a:ea typeface="SimHei" charset="-122"/>
+                <a:cs typeface="SimHei" charset="-122"/>
+              </a:rPr>
+              <a:t>、搜狗实验室语料、</a:t>
+            </a:r>
+            <a:r>
+              <a:rPr kumimoji="1" lang="en-US" altLang="zh-CN" dirty="0" smtClean="0">
+                <a:latin typeface="SimHei" charset="-122"/>
+                <a:ea typeface="SimHei" charset="-122"/>
+                <a:cs typeface="SimHei" charset="-122"/>
+              </a:rPr>
+              <a:t>NLPIR</a:t>
+            </a:r>
+            <a:endParaRPr kumimoji="1" lang="zh-CN" altLang="en-US" dirty="0">
+              <a:latin typeface="SimHei" charset="-122"/>
+              <a:ea typeface="SimHei" charset="-122"/>
+              <a:cs typeface="SimHei" charset="-122"/>
+            </a:endParaRPr>
+          </a:p>
+        </p:txBody>
+      </p:sp>
+    </p:spTree>
+    <p:extLst>
+      <p:ext uri="{BB962C8B-B14F-4D97-AF65-F5344CB8AC3E}">
+        <p14:creationId xmlns:p14="http://schemas.microsoft.com/office/powerpoint/2010/main" val="2030796337"/>
+      </p:ext>
+    </p:extLst>
+  </p:cSld>
+  <p:clrMapOvr>
+    <a:masterClrMapping/>
+  </p:clrMapOvr>
+  <p:timing>
+    <p:tnLst>
+      <p:par>
+        <p:cTn id="1" dur="indefinite" restart="never" nodeType="tmRoot">
+          <p:childTnLst>
+            <p:seq concurrent="1" nextAc="seek">
+              <p:cTn id="2" dur="indefinite" nodeType="mainSeq">
+                <p:childTnLst>
+                  <p:par>
+                    <p:cTn id="3" fill="hold">
+                      <p:stCondLst>
+                        <p:cond delay="indefinite"/>
+                      </p:stCondLst>
+                      <p:childTnLst>
+                        <p:par>
+                          <p:cTn id="4" fill="hold">
+                            <p:stCondLst>
+                              <p:cond delay="0"/>
+                            </p:stCondLst>
+                            <p:childTnLst>
+                              <p:par>
+                                <p:cTn id="5" presetID="1" presetClass="entr" presetSubtype="0" fill="hold" grpId="0" nodeType="clickEffect">
+                                  <p:stCondLst>
+                                    <p:cond delay="0"/>
+                                  </p:stCondLst>
+                                  <p:childTnLst>
+                                    <p:set>
+                                      <p:cBhvr>
+                                        <p:cTn id="6" dur="1" fill="hold">
+                                          <p:stCondLst>
+                                            <p:cond delay="0"/>
+                                          </p:stCondLst>
+                                        </p:cTn>
+                                        <p:tgtEl>
+                                          <p:spTgt spid="5"/>
+                                        </p:tgtEl>
+                                        <p:attrNameLst>
+                                          <p:attrName>style.visibility</p:attrName>
+                                        </p:attrNameLst>
+                                      </p:cBhvr>
+                                      <p:to>
+                                        <p:strVal val="visible"/>
+                                      </p:to>
+                                    </p:set>
+                                  </p:childTnLst>
+                                </p:cTn>
+                              </p:par>
+                              <p:par>
+                                <p:cTn id="7" presetID="1" presetClass="entr" presetSubtype="0" fill="hold" grpId="0" nodeType="withEffect">
+                                  <p:stCondLst>
+                                    <p:cond delay="0"/>
+                                  </p:stCondLst>
+                                  <p:childTnLst>
+                                    <p:set>
+                                      <p:cBhvr>
+                                        <p:cTn id="8" dur="1" fill="hold">
+                                          <p:stCondLst>
+                                            <p:cond delay="0"/>
+                                          </p:stCondLst>
+                                        </p:cTn>
+                                        <p:tgtEl>
+                                          <p:spTgt spid="6"/>
+                                        </p:tgtEl>
+                                        <p:attrNameLst>
+                                          <p:attrName>style.visibility</p:attrName>
+                                        </p:attrNameLst>
+                                      </p:cBhvr>
+                                      <p:to>
+                                        <p:strVal val="visible"/>
+                                      </p:to>
+                                    </p:set>
+                                  </p:childTnLst>
+                                </p:cTn>
+                              </p:par>
+                            </p:childTnLst>
+                          </p:cTn>
+                        </p:par>
+                      </p:childTnLst>
+                    </p:cTn>
+                  </p:par>
+                  <p:par>
+                    <p:cTn id="9" fill="hold">
+                      <p:stCondLst>
+                        <p:cond delay="indefinite"/>
+                      </p:stCondLst>
+                      <p:childTnLst>
+                        <p:par>
+                          <p:cTn id="10" fill="hold">
+                            <p:stCondLst>
+                              <p:cond delay="0"/>
+                            </p:stCondLst>
+                            <p:childTnLst>
+                              <p:par>
+                                <p:cTn id="11" presetID="1" presetClass="entr" presetSubtype="0" fill="hold" grpId="0" nodeType="clickEffect">
+                                  <p:stCondLst>
+                                    <p:cond delay="0"/>
+                                  </p:stCondLst>
+                                  <p:childTnLst>
+                                    <p:set>
+                                      <p:cBhvr>
+                                        <p:cTn id="12" dur="1" fill="hold">
+                                          <p:stCondLst>
+                                            <p:cond delay="0"/>
+                                          </p:stCondLst>
+                                        </p:cTn>
+                                        <p:tgtEl>
+                                          <p:spTgt spid="7"/>
+                                        </p:tgtEl>
+                                        <p:attrNameLst>
+                                          <p:attrName>style.visibility</p:attrName>
+                                        </p:attrNameLst>
+                                      </p:cBhvr>
+                                      <p:to>
+                                        <p:strVal val="visible"/>
+                                      </p:to>
+                                    </p:set>
+                                  </p:childTnLst>
+                                </p:cTn>
+                              </p:par>
+                              <p:par>
+                                <p:cTn id="13" presetID="1" presetClass="entr" presetSubtype="0" fill="hold" grpId="0" nodeType="withEffect">
+                                  <p:stCondLst>
+                                    <p:cond delay="0"/>
+                                  </p:stCondLst>
+                                  <p:childTnLst>
+                                    <p:set>
+                                      <p:cBhvr>
+                                        <p:cTn id="14" dur="1" fill="hold">
+                                          <p:stCondLst>
+                                            <p:cond delay="0"/>
+                                          </p:stCondLst>
+                                        </p:cTn>
+                                        <p:tgtEl>
+                                          <p:spTgt spid="11"/>
+                                        </p:tgtEl>
+                                        <p:attrNameLst>
+                                          <p:attrName>style.visibility</p:attrName>
+                                        </p:attrNameLst>
+                                      </p:cBhvr>
+                                      <p:to>
+                                        <p:strVal val="visible"/>
+                                      </p:to>
+                                    </p:set>
+                                  </p:childTnLst>
+                                </p:cTn>
+                              </p:par>
+                            </p:childTnLst>
+                          </p:cTn>
+                        </p:par>
+                      </p:childTnLst>
+                    </p:cTn>
+                  </p:par>
+                  <p:par>
+                    <p:cTn id="15" fill="hold">
+                      <p:stCondLst>
+                        <p:cond delay="indefinite"/>
+                      </p:stCondLst>
+                      <p:childTnLst>
+                        <p:par>
+                          <p:cTn id="16" fill="hold">
+                            <p:stCondLst>
+                              <p:cond delay="0"/>
+                            </p:stCondLst>
+                            <p:childTnLst>
+                              <p:par>
+                                <p:cTn id="17" presetID="1" presetClass="entr" presetSubtype="0" fill="hold" grpId="0" nodeType="clickEffect">
+                                  <p:stCondLst>
+                                    <p:cond delay="0"/>
+                                  </p:stCondLst>
+                                  <p:childTnLst>
+                                    <p:set>
+                                      <p:cBhvr>
+                                        <p:cTn id="18" dur="1" fill="hold">
+                                          <p:stCondLst>
+                                            <p:cond delay="0"/>
+                                          </p:stCondLst>
+                                        </p:cTn>
+                                        <p:tgtEl>
+                                          <p:spTgt spid="12"/>
+                                        </p:tgtEl>
+                                        <p:attrNameLst>
+                                          <p:attrName>style.visibility</p:attrName>
+                                        </p:attrNameLst>
+                                      </p:cBhvr>
+                                      <p:to>
+                                        <p:strVal val="visible"/>
+                                      </p:to>
+                                    </p:set>
+                                  </p:childTnLst>
+                                </p:cTn>
+                              </p:par>
+                              <p:par>
+                                <p:cTn id="19" presetID="1" presetClass="entr" presetSubtype="0" fill="hold" grpId="0" nodeType="withEffect">
+                                  <p:stCondLst>
+                                    <p:cond delay="0"/>
+                                  </p:stCondLst>
+                                  <p:childTnLst>
+                                    <p:set>
+                                      <p:cBhvr>
+                                        <p:cTn id="20" dur="1" fill="hold">
+                                          <p:stCondLst>
+                                            <p:cond delay="0"/>
+                                          </p:stCondLst>
+                                        </p:cTn>
+                                        <p:tgtEl>
+                                          <p:spTgt spid="17"/>
+                                        </p:tgtEl>
+                                        <p:attrNameLst>
+                                          <p:attrName>style.visibility</p:attrName>
+                                        </p:attrNameLst>
+                                      </p:cBhvr>
+                                      <p:to>
+                                        <p:strVal val="visible"/>
+                                      </p:to>
+                                    </p:set>
+                                  </p:childTnLst>
+                                </p:cTn>
+                              </p:par>
+                            </p:childTnLst>
+                          </p:cTn>
+                        </p:par>
+                      </p:childTnLst>
+                    </p:cTn>
+                  </p:par>
+                  <p:par>
+                    <p:cTn id="21" fill="hold">
+                      <p:stCondLst>
+                        <p:cond delay="indefinite"/>
+                      </p:stCondLst>
+                      <p:childTnLst>
+                        <p:par>
+                          <p:cTn id="22" fill="hold">
+                            <p:stCondLst>
+                              <p:cond delay="0"/>
+                            </p:stCondLst>
+                            <p:childTnLst>
+                              <p:par>
+                                <p:cTn id="23" presetID="1" presetClass="entr" presetSubtype="0" fill="hold" grpId="0" nodeType="clickEffect">
+                                  <p:stCondLst>
+                                    <p:cond delay="0"/>
+                                  </p:stCondLst>
+                                  <p:childTnLst>
+                                    <p:set>
+                                      <p:cBhvr>
+                                        <p:cTn id="24" dur="1" fill="hold">
+                                          <p:stCondLst>
+                                            <p:cond delay="0"/>
+                                          </p:stCondLst>
+                                        </p:cTn>
+                                        <p:tgtEl>
+                                          <p:spTgt spid="19"/>
+                                        </p:tgtEl>
+                                        <p:attrNameLst>
+                                          <p:attrName>style.visibility</p:attrName>
+                                        </p:attrNameLst>
+                                      </p:cBhvr>
+                                      <p:to>
+                                        <p:strVal val="visible"/>
+                                      </p:to>
+                                    </p:set>
+                                  </p:childTnLst>
+                                </p:cTn>
+                              </p:par>
+                            </p:childTnLst>
+                          </p:cTn>
+                        </p:par>
+                      </p:childTnLst>
+                    </p:cTn>
+                  </p:par>
+                  <p:par>
+                    <p:cTn id="25" fill="hold">
+                      <p:stCondLst>
+                        <p:cond delay="indefinite"/>
+                      </p:stCondLst>
+                      <p:childTnLst>
+                        <p:par>
+                          <p:cTn id="26" fill="hold">
+                            <p:stCondLst>
+                              <p:cond delay="0"/>
+                            </p:stCondLst>
+                            <p:childTnLst>
+                              <p:par>
+                                <p:cTn id="27" presetID="1" presetClass="entr" presetSubtype="0" fill="hold" grpId="0" nodeType="clickEffect">
+                                  <p:stCondLst>
+                                    <p:cond delay="0"/>
+                                  </p:stCondLst>
+                                  <p:childTnLst>
+                                    <p:set>
+                                      <p:cBhvr>
+                                        <p:cTn id="28" dur="1" fill="hold">
+                                          <p:stCondLst>
+                                            <p:cond delay="0"/>
+                                          </p:stCondLst>
+                                        </p:cTn>
+                                        <p:tgtEl>
+                                          <p:spTgt spid="13"/>
+                                        </p:tgtEl>
+                                        <p:attrNameLst>
+                                          <p:attrName>style.visibility</p:attrName>
+                                        </p:attrNameLst>
+                                      </p:cBhvr>
+                                      <p:to>
+                                        <p:strVal val="visible"/>
+                                      </p:to>
+                                    </p:set>
+                                  </p:childTnLst>
+                                </p:cTn>
+                              </p:par>
+                              <p:par>
+                                <p:cTn id="29" presetID="1" presetClass="entr" presetSubtype="0" fill="hold" grpId="0" nodeType="withEffect">
+                                  <p:stCondLst>
+                                    <p:cond delay="0"/>
+                                  </p:stCondLst>
+                                  <p:childTnLst>
+                                    <p:set>
+                                      <p:cBhvr>
+                                        <p:cTn id="30" dur="1" fill="hold">
+                                          <p:stCondLst>
+                                            <p:cond delay="0"/>
+                                          </p:stCondLst>
+                                        </p:cTn>
+                                        <p:tgtEl>
+                                          <p:spTgt spid="18"/>
+                                        </p:tgtEl>
+                                        <p:attrNameLst>
+                                          <p:attrName>style.visibility</p:attrName>
+                                        </p:attrNameLst>
+                                      </p:cBhvr>
+                                      <p:to>
+                                        <p:strVal val="visible"/>
+                                      </p:to>
+                                    </p:set>
+                                  </p:childTnLst>
+                                </p:cTn>
+                              </p:par>
+                            </p:childTnLst>
+                          </p:cTn>
+                        </p:par>
+                      </p:childTnLst>
+                    </p:cTn>
+                  </p:par>
+                </p:childTnLst>
+              </p:cTn>
+              <p:prevCondLst>
+                <p:cond evt="onPrev" delay="0">
+                  <p:tgtEl>
+                    <p:sldTgt/>
+                  </p:tgtEl>
+                </p:cond>
+              </p:prevCondLst>
+              <p:nextCondLst>
+                <p:cond evt="onNext" delay="0">
+                  <p:tgtEl>
+                    <p:sldTgt/>
+                  </p:tgtEl>
+                </p:cond>
+              </p:nextCondLst>
+            </p:seq>
+          </p:childTnLst>
+        </p:cTn>
+      </p:par>
+    </p:tnLst>
+    <p:bldLst>
+      <p:bldP spid="5" grpId="0" animBg="1"/>
+      <p:bldP spid="6" grpId="0"/>
+      <p:bldP spid="7" grpId="0" animBg="1"/>
+      <p:bldP spid="11" grpId="0"/>
+      <p:bldP spid="12" grpId="0" animBg="1"/>
+      <p:bldP spid="13" grpId="0" animBg="1"/>
+      <p:bldP spid="17" grpId="0"/>
+      <p:bldP spid="18" grpId="0"/>
+      <p:bldP spid="19" grpId="0" animBg="1"/>
+    </p:bldLst>
+  </p:timing>
+</p:sld>
+</file>
+
+<file path=ppt/slides/slide12.xml><?xml version="1.0" encoding="utf-8"?>
+<p:sld xmlns:a="http://schemas.openxmlformats.org/drawingml/2006/main" xmlns:r="http://schemas.openxmlformats.org/officeDocument/2006/relationships" xmlns:p="http://schemas.openxmlformats.org/presentationml/2006/main">
+  <p:cSld>
+    <p:spTree>
+      <p:nvGrpSpPr>
+        <p:cNvPr id="1" name=""/>
+        <p:cNvGrpSpPr/>
+        <p:nvPr/>
+      </p:nvGrpSpPr>
+      <p:grpSpPr>
+        <a:xfrm>
+          <a:off x="0" y="0"/>
+          <a:ext cx="0" cy="0"/>
+          <a:chOff x="0" y="0"/>
+          <a:chExt cx="0" cy="0"/>
+        </a:xfrm>
+      </p:grpSpPr>
+      <p:sp>
+        <p:nvSpPr>
+          <p:cNvPr id="2" name="矩形 1"/>
+          <p:cNvSpPr/>
+          <p:nvPr/>
+        </p:nvSpPr>
+        <p:spPr>
+          <a:xfrm>
+            <a:off x="47624" y="1597826"/>
+            <a:ext cx="7215188" cy="113617"/>
+          </a:xfrm>
+          <a:prstGeom prst="rect">
+            <a:avLst/>
+          </a:prstGeom>
+          <a:gradFill flip="none" rotWithShape="1">
+            <a:gsLst>
+              <a:gs pos="0">
+                <a:srgbClr val="3F619D"/>
+              </a:gs>
+              <a:gs pos="0">
+                <a:schemeClr val="accent1">
+                  <a:lumMod val="75000"/>
+                </a:schemeClr>
+              </a:gs>
+              <a:gs pos="83000">
+                <a:schemeClr val="accent3">
+                  <a:lumMod val="45000"/>
+                  <a:lumOff val="55000"/>
+                </a:schemeClr>
+              </a:gs>
+              <a:gs pos="100000">
+                <a:schemeClr val="accent3">
+                  <a:lumMod val="30000"/>
+                  <a:lumOff val="70000"/>
+                </a:schemeClr>
+              </a:gs>
+            </a:gsLst>
+            <a:path path="circle">
+              <a:fillToRect t="100000" r="100000"/>
+            </a:path>
+            <a:tileRect l="-100000" b="-100000"/>
+          </a:gradFill>
+          <a:ln>
+            <a:noFill/>
+          </a:ln>
+          <a:effectLst/>
+        </p:spPr>
+        <p:style>
+          <a:lnRef idx="2">
+            <a:schemeClr val="accent1">
+              <a:shade val="50000"/>
+            </a:schemeClr>
+          </a:lnRef>
+          <a:fillRef idx="1">
+            <a:schemeClr val="accent1"/>
+          </a:fillRef>
+          <a:effectRef idx="0">
+            <a:schemeClr val="accent1"/>
+          </a:effectRef>
+          <a:fontRef idx="minor">
+            <a:schemeClr val="lt1"/>
+          </a:fontRef>
+        </p:style>
+        <p:txBody>
+          <a:bodyPr rtlCol="0" anchor="ctr"/>
+          <a:lstStyle/>
+          <a:p>
+            <a:pPr algn="ctr"/>
+            <a:endParaRPr kumimoji="1" lang="zh-CN" altLang="en-US"/>
+          </a:p>
+        </p:txBody>
+      </p:sp>
+      <p:pic>
+        <p:nvPicPr>
+          <p:cNvPr id="3" name="图片 2"/>
+          <p:cNvPicPr>
+            <a:picLocks noChangeAspect="1"/>
+          </p:cNvPicPr>
+          <p:nvPr/>
+        </p:nvPicPr>
+        <p:blipFill>
+          <a:blip r:embed="rId2">
+            <a:extLst>
+              <a:ext uri="{28A0092B-C50C-407E-A947-70E740481C1C}">
+                <a14:useLocalDpi xmlns:a14="http://schemas.microsoft.com/office/drawing/2010/main" val="0"/>
+              </a:ext>
+            </a:extLst>
+          </a:blip>
+          <a:stretch>
+            <a:fillRect/>
+          </a:stretch>
+        </p:blipFill>
+        <p:spPr>
+          <a:xfrm>
+            <a:off x="0" y="0"/>
+            <a:ext cx="4364720" cy="1580448"/>
+          </a:xfrm>
+          <a:prstGeom prst="rect">
+            <a:avLst/>
+          </a:prstGeom>
+        </p:spPr>
+      </p:pic>
+      <p:sp>
+        <p:nvSpPr>
+          <p:cNvPr id="4" name="矩形 3"/>
+          <p:cNvSpPr/>
+          <p:nvPr/>
+        </p:nvSpPr>
+        <p:spPr>
+          <a:xfrm>
+            <a:off x="2182360" y="3031730"/>
+            <a:ext cx="7610252" cy="1323439"/>
+          </a:xfrm>
+          <a:prstGeom prst="rect">
+            <a:avLst/>
+          </a:prstGeom>
+          <a:noFill/>
+        </p:spPr>
+        <p:txBody>
+          <a:bodyPr wrap="square" lIns="91440" tIns="45720" rIns="91440" bIns="45720">
+            <a:spAutoFit/>
+          </a:bodyPr>
+          <a:lstStyle/>
+          <a:p>
+            <a:pPr algn="ctr"/>
+            <a:r>
+              <a:rPr lang="en-US" altLang="zh-CN" sz="8000" b="0" cap="none" spc="0" dirty="0" smtClean="0">
+                <a:ln w="0"/>
+                <a:solidFill>
+                  <a:schemeClr val="accent1"/>
+                </a:solidFill>
+                <a:effectLst>
+                  <a:outerShdw blurRad="38100" dist="25400" dir="5400000" algn="ctr" rotWithShape="0">
+                    <a:srgbClr val="6E747A">
+                      <a:alpha val="43000"/>
+                    </a:srgbClr>
+                  </a:outerShdw>
+                </a:effectLst>
+                <a:latin typeface="Times New Roman" charset="0"/>
+                <a:ea typeface="Times New Roman" charset="0"/>
+                <a:cs typeface="Times New Roman" charset="0"/>
+              </a:rPr>
+              <a:t>THANK</a:t>
+            </a:r>
+            <a:r>
+              <a:rPr lang="zh-CN" altLang="en-US" sz="8000" b="0" cap="none" spc="0" dirty="0" smtClean="0">
+                <a:ln w="0"/>
+                <a:solidFill>
+                  <a:schemeClr val="accent1"/>
+                </a:solidFill>
+                <a:effectLst>
+                  <a:outerShdw blurRad="38100" dist="25400" dir="5400000" algn="ctr" rotWithShape="0">
+                    <a:srgbClr val="6E747A">
+                      <a:alpha val="43000"/>
+                    </a:srgbClr>
+                  </a:outerShdw>
+                </a:effectLst>
+                <a:latin typeface="Times New Roman" charset="0"/>
+                <a:ea typeface="Times New Roman" charset="0"/>
+                <a:cs typeface="Times New Roman" charset="0"/>
+              </a:rPr>
+              <a:t> </a:t>
+            </a:r>
+            <a:r>
+              <a:rPr lang="en-US" altLang="zh-CN" sz="8000" b="0" cap="none" spc="0" dirty="0" smtClean="0">
+                <a:ln w="0"/>
+                <a:solidFill>
+                  <a:schemeClr val="accent1"/>
+                </a:solidFill>
+                <a:effectLst>
+                  <a:outerShdw blurRad="38100" dist="25400" dir="5400000" algn="ctr" rotWithShape="0">
+                    <a:srgbClr val="6E747A">
+                      <a:alpha val="43000"/>
+                    </a:srgbClr>
+                  </a:outerShdw>
+                </a:effectLst>
+                <a:latin typeface="Times New Roman" charset="0"/>
+                <a:ea typeface="Times New Roman" charset="0"/>
+                <a:cs typeface="Times New Roman" charset="0"/>
+              </a:rPr>
+              <a:t>YOU</a:t>
+            </a:r>
+            <a:endParaRPr lang="zh-CN" altLang="en-US" sz="8000" b="0" cap="none" spc="0" dirty="0">
+              <a:ln w="0"/>
+              <a:solidFill>
+                <a:schemeClr val="accent1"/>
+              </a:solidFill>
+              <a:effectLst>
+                <a:outerShdw blurRad="38100" dist="25400" dir="5400000" algn="ctr" rotWithShape="0">
+                  <a:srgbClr val="6E747A">
+                    <a:alpha val="43000"/>
+                  </a:srgbClr>
+                </a:outerShdw>
+              </a:effectLst>
+              <a:latin typeface="Times New Roman" charset="0"/>
+              <a:ea typeface="Times New Roman" charset="0"/>
+              <a:cs typeface="Times New Roman" charset="0"/>
+            </a:endParaRPr>
+          </a:p>
+        </p:txBody>
+      </p:sp>
+    </p:spTree>
+    <p:extLst>
+      <p:ext uri="{BB962C8B-B14F-4D97-AF65-F5344CB8AC3E}">
+        <p14:creationId xmlns:p14="http://schemas.microsoft.com/office/powerpoint/2010/main" val="1723085627"/>
       </p:ext>
     </p:extLst>
   </p:cSld>
@@ -4113,342 +6059,514 @@
           </a:p>
         </p:txBody>
       </p:sp>
-      <p:grpSp>
-        <p:nvGrpSpPr>
-          <p:cNvPr id="20" name="组 19"/>
-          <p:cNvGrpSpPr/>
+      <p:sp>
+        <p:nvSpPr>
+          <p:cNvPr id="23" name="文本框 22"/>
+          <p:cNvSpPr txBox="1"/>
           <p:nvPr/>
-        </p:nvGrpSpPr>
-        <p:grpSpPr>
-          <a:xfrm>
-            <a:off x="1021976" y="2544389"/>
-            <a:ext cx="10488706" cy="954662"/>
-            <a:chOff x="995083" y="2137235"/>
-            <a:chExt cx="10488706" cy="954662"/>
-          </a:xfrm>
-        </p:grpSpPr>
-        <p:sp>
-          <p:nvSpPr>
-            <p:cNvPr id="5" name="右箭头 4"/>
-            <p:cNvSpPr/>
-            <p:nvPr/>
-          </p:nvSpPr>
-          <p:spPr>
-            <a:xfrm>
-              <a:off x="995083" y="2299447"/>
-              <a:ext cx="10488706" cy="753035"/>
-            </a:xfrm>
-            <a:prstGeom prst="rightArrow">
-              <a:avLst/>
-            </a:prstGeom>
-          </p:spPr>
-          <p:style>
-            <a:lnRef idx="2">
-              <a:schemeClr val="accent1">
-                <a:shade val="50000"/>
-              </a:schemeClr>
-            </a:lnRef>
-            <a:fillRef idx="1">
-              <a:schemeClr val="accent1"/>
-            </a:fillRef>
-            <a:effectRef idx="0">
-              <a:schemeClr val="accent1"/>
-            </a:effectRef>
-            <a:fontRef idx="minor">
-              <a:schemeClr val="lt1"/>
-            </a:fontRef>
-          </p:style>
-          <p:txBody>
-            <a:bodyPr rtlCol="0" anchor="ctr"/>
-            <a:lstStyle/>
-            <a:p>
-              <a:pPr algn="ctr"/>
-              <a:endParaRPr kumimoji="1" lang="zh-CN" altLang="en-US"/>
-            </a:p>
-          </p:txBody>
-        </p:sp>
-        <p:sp>
-          <p:nvSpPr>
-            <p:cNvPr id="6" name="椭圆 5"/>
-            <p:cNvSpPr/>
-            <p:nvPr/>
-          </p:nvSpPr>
-          <p:spPr>
-            <a:xfrm>
-              <a:off x="2112461" y="2177497"/>
-              <a:ext cx="887505" cy="914400"/>
-            </a:xfrm>
-            <a:prstGeom prst="ellipse">
-              <a:avLst/>
-            </a:prstGeom>
-            <a:ln>
-              <a:solidFill>
-                <a:schemeClr val="accent1">
-                  <a:shade val="50000"/>
-                </a:schemeClr>
-              </a:solidFill>
-            </a:ln>
-          </p:spPr>
-          <p:style>
-            <a:lnRef idx="2">
-              <a:schemeClr val="accent1">
-                <a:shade val="50000"/>
-              </a:schemeClr>
-            </a:lnRef>
-            <a:fillRef idx="1">
-              <a:schemeClr val="accent1"/>
-            </a:fillRef>
-            <a:effectRef idx="0">
-              <a:schemeClr val="accent1"/>
-            </a:effectRef>
-            <a:fontRef idx="minor">
-              <a:schemeClr val="lt1"/>
-            </a:fontRef>
-          </p:style>
-          <p:txBody>
-            <a:bodyPr rtlCol="0" anchor="ctr"/>
-            <a:lstStyle/>
-            <a:p>
-              <a:pPr algn="ctr"/>
-              <a:endParaRPr kumimoji="1" lang="zh-CN" altLang="en-US"/>
-            </a:p>
-          </p:txBody>
-        </p:sp>
-        <p:sp>
-          <p:nvSpPr>
-            <p:cNvPr id="10" name="椭圆 9"/>
-            <p:cNvSpPr/>
-            <p:nvPr/>
-          </p:nvSpPr>
-          <p:spPr>
-            <a:xfrm>
-              <a:off x="4950417" y="2155271"/>
-              <a:ext cx="887505" cy="914400"/>
-            </a:xfrm>
-            <a:prstGeom prst="ellipse">
-              <a:avLst/>
-            </a:prstGeom>
-          </p:spPr>
-          <p:style>
-            <a:lnRef idx="2">
-              <a:schemeClr val="accent1">
-                <a:shade val="50000"/>
-              </a:schemeClr>
-            </a:lnRef>
-            <a:fillRef idx="1">
-              <a:schemeClr val="accent1"/>
-            </a:fillRef>
-            <a:effectRef idx="0">
-              <a:schemeClr val="accent1"/>
-            </a:effectRef>
-            <a:fontRef idx="minor">
-              <a:schemeClr val="lt1"/>
-            </a:fontRef>
-          </p:style>
-          <p:txBody>
-            <a:bodyPr rtlCol="0" anchor="ctr"/>
-            <a:lstStyle/>
-            <a:p>
-              <a:pPr algn="ctr"/>
-              <a:endParaRPr kumimoji="1" lang="zh-CN" altLang="en-US"/>
-            </a:p>
-          </p:txBody>
-        </p:sp>
-        <p:sp>
-          <p:nvSpPr>
-            <p:cNvPr id="11" name="椭圆 10"/>
-            <p:cNvSpPr/>
-            <p:nvPr/>
-          </p:nvSpPr>
-          <p:spPr>
-            <a:xfrm>
-              <a:off x="7788373" y="2137235"/>
-              <a:ext cx="887505" cy="871543"/>
-            </a:xfrm>
-            <a:prstGeom prst="ellipse">
-              <a:avLst/>
-            </a:prstGeom>
-          </p:spPr>
-          <p:style>
-            <a:lnRef idx="2">
-              <a:schemeClr val="accent1">
-                <a:shade val="50000"/>
-              </a:schemeClr>
-            </a:lnRef>
-            <a:fillRef idx="1">
-              <a:schemeClr val="accent1"/>
-            </a:fillRef>
-            <a:effectRef idx="0">
-              <a:schemeClr val="accent1"/>
-            </a:effectRef>
-            <a:fontRef idx="minor">
-              <a:schemeClr val="lt1"/>
-            </a:fontRef>
-          </p:style>
-          <p:txBody>
-            <a:bodyPr rtlCol="0" anchor="ctr"/>
-            <a:lstStyle/>
-            <a:p>
-              <a:pPr algn="ctr"/>
-              <a:endParaRPr kumimoji="1" lang="zh-CN" altLang="en-US"/>
-            </a:p>
-          </p:txBody>
-        </p:sp>
-        <p:sp>
-          <p:nvSpPr>
-            <p:cNvPr id="13" name="椭圆 12"/>
-            <p:cNvSpPr/>
-            <p:nvPr/>
-          </p:nvSpPr>
-          <p:spPr>
-            <a:xfrm>
-              <a:off x="2252183" y="2299447"/>
-              <a:ext cx="608060" cy="665631"/>
-            </a:xfrm>
-            <a:prstGeom prst="ellipse">
-              <a:avLst/>
-            </a:prstGeom>
-            <a:solidFill>
-              <a:schemeClr val="bg1"/>
-            </a:solidFill>
-          </p:spPr>
-          <p:style>
-            <a:lnRef idx="2">
-              <a:schemeClr val="accent1">
-                <a:shade val="50000"/>
-              </a:schemeClr>
-            </a:lnRef>
-            <a:fillRef idx="1">
-              <a:schemeClr val="accent1"/>
-            </a:fillRef>
-            <a:effectRef idx="0">
-              <a:schemeClr val="accent1"/>
-            </a:effectRef>
-            <a:fontRef idx="minor">
-              <a:schemeClr val="lt1"/>
-            </a:fontRef>
-          </p:style>
-          <p:txBody>
-            <a:bodyPr rtlCol="0" anchor="ctr"/>
-            <a:lstStyle/>
-            <a:p>
-              <a:pPr algn="ctr"/>
-              <a:endParaRPr kumimoji="1" lang="zh-CN" altLang="en-US"/>
-            </a:p>
-          </p:txBody>
-        </p:sp>
-        <p:sp>
-          <p:nvSpPr>
-            <p:cNvPr id="17" name="椭圆 16"/>
-            <p:cNvSpPr/>
-            <p:nvPr/>
-          </p:nvSpPr>
-          <p:spPr>
-            <a:xfrm>
-              <a:off x="5076692" y="2292638"/>
-              <a:ext cx="608060" cy="665631"/>
-            </a:xfrm>
-            <a:prstGeom prst="ellipse">
-              <a:avLst/>
-            </a:prstGeom>
-            <a:solidFill>
-              <a:schemeClr val="bg1"/>
-            </a:solidFill>
-          </p:spPr>
-          <p:style>
-            <a:lnRef idx="2">
-              <a:schemeClr val="accent1">
-                <a:shade val="50000"/>
-              </a:schemeClr>
-            </a:lnRef>
-            <a:fillRef idx="1">
-              <a:schemeClr val="accent1"/>
-            </a:fillRef>
-            <a:effectRef idx="0">
-              <a:schemeClr val="accent1"/>
-            </a:effectRef>
-            <a:fontRef idx="minor">
-              <a:schemeClr val="lt1"/>
-            </a:fontRef>
-          </p:style>
-          <p:txBody>
-            <a:bodyPr rtlCol="0" anchor="ctr"/>
-            <a:lstStyle/>
-            <a:p>
-              <a:pPr algn="ctr"/>
-              <a:endParaRPr kumimoji="1" lang="zh-CN" altLang="en-US"/>
-            </a:p>
-          </p:txBody>
-        </p:sp>
-        <p:sp>
-          <p:nvSpPr>
-            <p:cNvPr id="18" name="椭圆 17"/>
-            <p:cNvSpPr/>
-            <p:nvPr/>
-          </p:nvSpPr>
-          <p:spPr>
-            <a:xfrm>
-              <a:off x="7935662" y="2246585"/>
-              <a:ext cx="608060" cy="665631"/>
-            </a:xfrm>
-            <a:prstGeom prst="ellipse">
-              <a:avLst/>
-            </a:prstGeom>
-            <a:solidFill>
-              <a:schemeClr val="bg1"/>
-            </a:solidFill>
-          </p:spPr>
-          <p:style>
-            <a:lnRef idx="2">
-              <a:schemeClr val="accent1">
-                <a:shade val="50000"/>
-              </a:schemeClr>
-            </a:lnRef>
-            <a:fillRef idx="1">
-              <a:schemeClr val="accent1"/>
-            </a:fillRef>
-            <a:effectRef idx="0">
-              <a:schemeClr val="accent1"/>
-            </a:effectRef>
-            <a:fontRef idx="minor">
-              <a:schemeClr val="lt1"/>
-            </a:fontRef>
-          </p:style>
-          <p:txBody>
-            <a:bodyPr rtlCol="0" anchor="ctr"/>
-            <a:lstStyle/>
-            <a:p>
-              <a:pPr algn="ctr"/>
-              <a:endParaRPr kumimoji="1" lang="zh-CN" altLang="en-US"/>
-            </a:p>
-          </p:txBody>
-        </p:sp>
-      </p:grpSp>
-      <p:sp>
-        <p:nvSpPr>
-          <p:cNvPr id="22" name="圆角矩形标注 21"/>
+        </p:nvSpPr>
+        <p:spPr>
+          <a:xfrm>
+            <a:off x="1196788" y="4908176"/>
+            <a:ext cx="184731" cy="369332"/>
+          </a:xfrm>
+          <a:prstGeom prst="rect">
+            <a:avLst/>
+          </a:prstGeom>
+          <a:noFill/>
+        </p:spPr>
+        <p:txBody>
+          <a:bodyPr wrap="none" rtlCol="0">
+            <a:spAutoFit/>
+          </a:bodyPr>
+          <a:lstStyle/>
+          <a:p>
+            <a:endParaRPr kumimoji="1" lang="zh-CN" altLang="en-US" dirty="0"/>
+          </a:p>
+        </p:txBody>
+      </p:sp>
+      <p:sp>
+        <p:nvSpPr>
+          <p:cNvPr id="24" name="文本框 23"/>
+          <p:cNvSpPr txBox="1"/>
+          <p:nvPr/>
+        </p:nvSpPr>
+        <p:spPr>
+          <a:xfrm>
+            <a:off x="1381519" y="1474848"/>
+            <a:ext cx="4182154" cy="1338828"/>
+          </a:xfrm>
+          <a:prstGeom prst="rect">
+            <a:avLst/>
+          </a:prstGeom>
+          <a:noFill/>
+        </p:spPr>
+        <p:txBody>
+          <a:bodyPr wrap="square" rtlCol="0">
+            <a:spAutoFit/>
+          </a:bodyPr>
+          <a:lstStyle/>
+          <a:p>
+            <a:pPr>
+              <a:lnSpc>
+                <a:spcPct val="150000"/>
+              </a:lnSpc>
+            </a:pPr>
+            <a:r>
+              <a:rPr kumimoji="1" lang="zh-CN" altLang="en-US" dirty="0" smtClean="0"/>
+              <a:t>  </a:t>
+            </a:r>
+            <a:r>
+              <a:rPr kumimoji="1" lang="zh-CN" altLang="en-US" dirty="0" smtClean="0">
+                <a:latin typeface="SimHei" charset="-122"/>
+                <a:ea typeface="SimHei" charset="-122"/>
+                <a:cs typeface="SimHei" charset="-122"/>
+              </a:rPr>
+              <a:t>早期</a:t>
+            </a:r>
+            <a:r>
+              <a:rPr kumimoji="1" lang="zh-CN" altLang="en-US" dirty="0" smtClean="0">
+                <a:latin typeface="SimHei" charset="-122"/>
+                <a:ea typeface="SimHei" charset="-122"/>
+                <a:cs typeface="SimHei" charset="-122"/>
+              </a:rPr>
+              <a:t>，为每个多音字匹配一个频度最高的读音</a:t>
+            </a:r>
+            <a:endParaRPr kumimoji="1" lang="en-US" altLang="zh-CN" dirty="0" smtClean="0">
+              <a:latin typeface="SimHei" charset="-122"/>
+              <a:ea typeface="SimHei" charset="-122"/>
+              <a:cs typeface="SimHei" charset="-122"/>
+            </a:endParaRPr>
+          </a:p>
+          <a:p>
+            <a:pPr>
+              <a:lnSpc>
+                <a:spcPct val="150000"/>
+              </a:lnSpc>
+            </a:pPr>
+            <a:r>
+              <a:rPr kumimoji="1" lang="zh-CN" altLang="en-US" dirty="0" smtClean="0">
+                <a:latin typeface="SimHei" charset="-122"/>
+                <a:ea typeface="SimHei" charset="-122"/>
+                <a:cs typeface="SimHei" charset="-122"/>
+              </a:rPr>
+              <a:t> </a:t>
+            </a:r>
+            <a:r>
+              <a:rPr kumimoji="1" lang="zh-CN" altLang="en-US" dirty="0" smtClean="0">
+                <a:latin typeface="SimHei" charset="-122"/>
+                <a:ea typeface="SimHei" charset="-122"/>
+                <a:cs typeface="SimHei" charset="-122"/>
+              </a:rPr>
+              <a:t>错误率</a:t>
+            </a:r>
+            <a:r>
+              <a:rPr kumimoji="1" lang="zh-CN" altLang="en-US" dirty="0" smtClean="0">
+                <a:latin typeface="SimHei" charset="-122"/>
+                <a:ea typeface="SimHei" charset="-122"/>
+                <a:cs typeface="SimHei" charset="-122"/>
+              </a:rPr>
+              <a:t>高</a:t>
+            </a:r>
+            <a:endParaRPr kumimoji="1" lang="zh-CN" altLang="en-US" dirty="0">
+              <a:latin typeface="SimHei" charset="-122"/>
+              <a:ea typeface="SimHei" charset="-122"/>
+              <a:cs typeface="SimHei" charset="-122"/>
+            </a:endParaRPr>
+          </a:p>
+        </p:txBody>
+      </p:sp>
+      <p:sp>
+        <p:nvSpPr>
+          <p:cNvPr id="27" name="文本框 26"/>
+          <p:cNvSpPr txBox="1"/>
+          <p:nvPr/>
+        </p:nvSpPr>
+        <p:spPr>
+          <a:xfrm>
+            <a:off x="1381519" y="3900084"/>
+            <a:ext cx="4689562" cy="2585323"/>
+          </a:xfrm>
+          <a:prstGeom prst="rect">
+            <a:avLst/>
+          </a:prstGeom>
+          <a:noFill/>
+        </p:spPr>
+        <p:txBody>
+          <a:bodyPr wrap="square" rtlCol="0">
+            <a:spAutoFit/>
+          </a:bodyPr>
+          <a:lstStyle/>
+          <a:p>
+            <a:pPr>
+              <a:lnSpc>
+                <a:spcPct val="150000"/>
+              </a:lnSpc>
+            </a:pPr>
+            <a:r>
+              <a:rPr kumimoji="1" lang="zh-CN" altLang="en-US" dirty="0">
+                <a:latin typeface="SimHei" charset="-122"/>
+                <a:ea typeface="SimHei" charset="-122"/>
+                <a:cs typeface="SimHei" charset="-122"/>
+              </a:rPr>
+              <a:t> </a:t>
+            </a:r>
+            <a:r>
+              <a:rPr kumimoji="1" lang="zh-CN" altLang="en-US" dirty="0" smtClean="0">
+                <a:latin typeface="SimHei" charset="-122"/>
+                <a:ea typeface="SimHei" charset="-122"/>
+                <a:cs typeface="SimHei" charset="-122"/>
+              </a:rPr>
+              <a:t> 统计法，通过机器学习进行分类</a:t>
+            </a:r>
+            <a:endParaRPr kumimoji="1" lang="en-US" altLang="zh-CN" dirty="0" smtClean="0">
+              <a:latin typeface="SimHei" charset="-122"/>
+              <a:ea typeface="SimHei" charset="-122"/>
+              <a:cs typeface="SimHei" charset="-122"/>
+            </a:endParaRPr>
+          </a:p>
+          <a:p>
+            <a:pPr marL="285750" indent="-285750">
+              <a:lnSpc>
+                <a:spcPct val="150000"/>
+              </a:lnSpc>
+              <a:buFont typeface="Arial" charset="0"/>
+              <a:buChar char="•"/>
+            </a:pPr>
+            <a:r>
+              <a:rPr kumimoji="1" lang="zh-CN" altLang="en-US" dirty="0" smtClean="0">
+                <a:latin typeface="SimHei" charset="-122"/>
+                <a:ea typeface="SimHei" charset="-122"/>
+                <a:cs typeface="SimHei" charset="-122"/>
+              </a:rPr>
+              <a:t>决策树</a:t>
+            </a:r>
+            <a:endParaRPr kumimoji="1" lang="en-US" altLang="zh-CN" dirty="0" smtClean="0">
+              <a:latin typeface="SimHei" charset="-122"/>
+              <a:ea typeface="SimHei" charset="-122"/>
+              <a:cs typeface="SimHei" charset="-122"/>
+            </a:endParaRPr>
+          </a:p>
+          <a:p>
+            <a:pPr marL="285750" indent="-285750">
+              <a:lnSpc>
+                <a:spcPct val="150000"/>
+              </a:lnSpc>
+              <a:buFont typeface="Arial" charset="0"/>
+              <a:buChar char="•"/>
+            </a:pPr>
+            <a:r>
+              <a:rPr kumimoji="1" lang="zh-CN" altLang="en-US" dirty="0" smtClean="0">
+                <a:latin typeface="SimHei" charset="-122"/>
+                <a:ea typeface="SimHei" charset="-122"/>
+                <a:cs typeface="SimHei" charset="-122"/>
+              </a:rPr>
+              <a:t>决策列表</a:t>
+            </a:r>
+            <a:endParaRPr kumimoji="1" lang="en-US" altLang="zh-CN" dirty="0" smtClean="0">
+              <a:latin typeface="SimHei" charset="-122"/>
+              <a:ea typeface="SimHei" charset="-122"/>
+              <a:cs typeface="SimHei" charset="-122"/>
+            </a:endParaRPr>
+          </a:p>
+          <a:p>
+            <a:pPr marL="285750" indent="-285750">
+              <a:lnSpc>
+                <a:spcPct val="150000"/>
+              </a:lnSpc>
+              <a:buFont typeface="Arial" charset="0"/>
+              <a:buChar char="•"/>
+            </a:pPr>
+            <a:r>
+              <a:rPr kumimoji="1" lang="zh-CN" altLang="en-US" dirty="0" smtClean="0">
+                <a:latin typeface="SimHei" charset="-122"/>
+                <a:ea typeface="SimHei" charset="-122"/>
+                <a:cs typeface="SimHei" charset="-122"/>
+              </a:rPr>
+              <a:t>错误驱动的基于转换的规则学习法（</a:t>
+            </a:r>
+            <a:r>
+              <a:rPr kumimoji="1" lang="en-US" altLang="zh-CN" dirty="0" smtClean="0">
+                <a:latin typeface="SimHei" charset="-122"/>
+                <a:ea typeface="SimHei" charset="-122"/>
+                <a:cs typeface="SimHei" charset="-122"/>
+              </a:rPr>
+              <a:t>TBL</a:t>
+            </a:r>
+            <a:r>
+              <a:rPr kumimoji="1" lang="zh-CN" altLang="en-US" dirty="0" smtClean="0">
+                <a:latin typeface="SimHei" charset="-122"/>
+                <a:ea typeface="SimHei" charset="-122"/>
+                <a:cs typeface="SimHei" charset="-122"/>
+              </a:rPr>
+              <a:t>）</a:t>
+            </a:r>
+            <a:endParaRPr kumimoji="1" lang="en-US" altLang="zh-CN" dirty="0" smtClean="0">
+              <a:latin typeface="SimHei" charset="-122"/>
+              <a:ea typeface="SimHei" charset="-122"/>
+              <a:cs typeface="SimHei" charset="-122"/>
+            </a:endParaRPr>
+          </a:p>
+          <a:p>
+            <a:pPr marL="285750" indent="-285750">
+              <a:lnSpc>
+                <a:spcPct val="150000"/>
+              </a:lnSpc>
+              <a:buFont typeface="Arial" charset="0"/>
+              <a:buChar char="•"/>
+            </a:pPr>
+            <a:r>
+              <a:rPr kumimoji="1" lang="zh-CN" altLang="en-US" dirty="0" smtClean="0">
+                <a:latin typeface="SimHei" charset="-122"/>
+                <a:ea typeface="SimHei" charset="-122"/>
+                <a:cs typeface="SimHei" charset="-122"/>
+              </a:rPr>
+              <a:t>最大熵模型</a:t>
+            </a:r>
+            <a:endParaRPr kumimoji="1" lang="en-US" altLang="zh-CN" dirty="0" smtClean="0">
+              <a:latin typeface="SimHei" charset="-122"/>
+              <a:ea typeface="SimHei" charset="-122"/>
+              <a:cs typeface="SimHei" charset="-122"/>
+            </a:endParaRPr>
+          </a:p>
+          <a:p>
+            <a:pPr>
+              <a:lnSpc>
+                <a:spcPct val="150000"/>
+              </a:lnSpc>
+            </a:pPr>
+            <a:r>
+              <a:rPr kumimoji="1" lang="zh-CN" altLang="en-US" dirty="0" smtClean="0">
+                <a:latin typeface="SimHei" charset="-122"/>
+                <a:ea typeface="SimHei" charset="-122"/>
+                <a:cs typeface="SimHei" charset="-122"/>
+              </a:rPr>
+              <a:t> </a:t>
+            </a:r>
+            <a:endParaRPr kumimoji="1" lang="zh-CN" altLang="en-US" dirty="0">
+              <a:latin typeface="SimHei" charset="-122"/>
+              <a:ea typeface="SimHei" charset="-122"/>
+              <a:cs typeface="SimHei" charset="-122"/>
+            </a:endParaRPr>
+          </a:p>
+        </p:txBody>
+      </p:sp>
+      <p:sp>
+        <p:nvSpPr>
+          <p:cNvPr id="4" name="文本框 3"/>
+          <p:cNvSpPr txBox="1"/>
+          <p:nvPr/>
+        </p:nvSpPr>
+        <p:spPr>
+          <a:xfrm>
+            <a:off x="7938825" y="1189681"/>
+            <a:ext cx="4081138" cy="1754326"/>
+          </a:xfrm>
+          <a:prstGeom prst="rect">
+            <a:avLst/>
+          </a:prstGeom>
+          <a:noFill/>
+        </p:spPr>
+        <p:txBody>
+          <a:bodyPr wrap="square" rtlCol="0">
+            <a:spAutoFit/>
+          </a:bodyPr>
+          <a:lstStyle/>
+          <a:p>
+            <a:pPr>
+              <a:lnSpc>
+                <a:spcPct val="150000"/>
+              </a:lnSpc>
+            </a:pPr>
+            <a:r>
+              <a:rPr kumimoji="1" lang="zh-CN" altLang="en-US" dirty="0" smtClean="0">
+                <a:latin typeface="SimHei" charset="-122"/>
+                <a:ea typeface="SimHei" charset="-122"/>
+                <a:cs typeface="SimHei" charset="-122"/>
+              </a:rPr>
+              <a:t>人为根据每个多音字的特征建立规则</a:t>
+            </a:r>
+            <a:endParaRPr kumimoji="1" lang="en-US" altLang="zh-CN" dirty="0" smtClean="0">
+              <a:latin typeface="SimHei" charset="-122"/>
+              <a:ea typeface="SimHei" charset="-122"/>
+              <a:cs typeface="SimHei" charset="-122"/>
+            </a:endParaRPr>
+          </a:p>
+          <a:p>
+            <a:pPr>
+              <a:lnSpc>
+                <a:spcPct val="150000"/>
+              </a:lnSpc>
+            </a:pPr>
+            <a:r>
+              <a:rPr kumimoji="1" lang="zh-CN" altLang="en-US" dirty="0" smtClean="0">
+                <a:latin typeface="SimHei" charset="-122"/>
+                <a:ea typeface="SimHei" charset="-122"/>
+                <a:cs typeface="SimHei" charset="-122"/>
+              </a:rPr>
+              <a:t>无法建立完备的规则集</a:t>
+            </a:r>
+            <a:endParaRPr kumimoji="1" lang="en-US" altLang="zh-CN" dirty="0" smtClean="0">
+              <a:latin typeface="SimHei" charset="-122"/>
+              <a:ea typeface="SimHei" charset="-122"/>
+              <a:cs typeface="SimHei" charset="-122"/>
+            </a:endParaRPr>
+          </a:p>
+          <a:p>
+            <a:pPr>
+              <a:lnSpc>
+                <a:spcPct val="150000"/>
+              </a:lnSpc>
+            </a:pPr>
+            <a:r>
+              <a:rPr kumimoji="1" lang="zh-CN" altLang="en-US" dirty="0" smtClean="0">
+                <a:latin typeface="SimHei" charset="-122"/>
+                <a:ea typeface="SimHei" charset="-122"/>
+                <a:cs typeface="SimHei" charset="-122"/>
+              </a:rPr>
+              <a:t>规则之间容易冲突</a:t>
+            </a:r>
+            <a:endParaRPr kumimoji="1" lang="en-US" altLang="zh-CN" dirty="0" smtClean="0">
+              <a:latin typeface="SimHei" charset="-122"/>
+              <a:ea typeface="SimHei" charset="-122"/>
+              <a:cs typeface="SimHei" charset="-122"/>
+            </a:endParaRPr>
+          </a:p>
+          <a:p>
+            <a:pPr>
+              <a:lnSpc>
+                <a:spcPct val="150000"/>
+              </a:lnSpc>
+            </a:pPr>
+            <a:r>
+              <a:rPr kumimoji="1" lang="zh-CN" altLang="en-US" dirty="0" smtClean="0">
+                <a:latin typeface="SimHei" charset="-122"/>
+                <a:ea typeface="SimHei" charset="-122"/>
+                <a:cs typeface="SimHei" charset="-122"/>
+              </a:rPr>
+              <a:t>无法适应复杂的语言环境</a:t>
+            </a:r>
+            <a:endParaRPr kumimoji="1" lang="zh-CN" altLang="en-US" dirty="0">
+              <a:latin typeface="SimHei" charset="-122"/>
+              <a:ea typeface="SimHei" charset="-122"/>
+              <a:cs typeface="SimHei" charset="-122"/>
+            </a:endParaRPr>
+          </a:p>
+        </p:txBody>
+      </p:sp>
+      <p:sp>
+        <p:nvSpPr>
+          <p:cNvPr id="7" name="文本框 6"/>
+          <p:cNvSpPr txBox="1"/>
+          <p:nvPr/>
+        </p:nvSpPr>
+        <p:spPr>
+          <a:xfrm>
+            <a:off x="7938825" y="4446510"/>
+            <a:ext cx="3576212" cy="1338828"/>
+          </a:xfrm>
+          <a:prstGeom prst="rect">
+            <a:avLst/>
+          </a:prstGeom>
+          <a:noFill/>
+        </p:spPr>
+        <p:txBody>
+          <a:bodyPr wrap="square" rtlCol="0">
+            <a:spAutoFit/>
+          </a:bodyPr>
+          <a:lstStyle/>
+          <a:p>
+            <a:pPr>
+              <a:lnSpc>
+                <a:spcPct val="150000"/>
+              </a:lnSpc>
+            </a:pPr>
+            <a:r>
+              <a:rPr kumimoji="1" lang="zh-CN" altLang="en-US" dirty="0" smtClean="0">
+                <a:latin typeface="SimHei" charset="-122"/>
+                <a:ea typeface="SimHei" charset="-122"/>
+                <a:cs typeface="SimHei" charset="-122"/>
+              </a:rPr>
+              <a:t>采用神经</a:t>
+            </a:r>
+            <a:r>
+              <a:rPr kumimoji="1" lang="zh-CN" altLang="en-US" dirty="0" smtClean="0">
+                <a:latin typeface="SimHei" charset="-122"/>
+                <a:ea typeface="SimHei" charset="-122"/>
+                <a:cs typeface="SimHei" charset="-122"/>
+              </a:rPr>
+              <a:t>网络</a:t>
+            </a:r>
+            <a:endParaRPr kumimoji="1" lang="en-US" altLang="zh-CN" dirty="0" smtClean="0">
+              <a:latin typeface="SimHei" charset="-122"/>
+              <a:ea typeface="SimHei" charset="-122"/>
+              <a:cs typeface="SimHei" charset="-122"/>
+            </a:endParaRPr>
+          </a:p>
+          <a:p>
+            <a:pPr>
+              <a:lnSpc>
+                <a:spcPct val="150000"/>
+              </a:lnSpc>
+            </a:pPr>
+            <a:r>
+              <a:rPr kumimoji="1" lang="zh-CN" altLang="en-US" dirty="0" smtClean="0">
+                <a:latin typeface="SimHei" charset="-122"/>
+                <a:ea typeface="SimHei" charset="-122"/>
+                <a:cs typeface="SimHei" charset="-122"/>
+              </a:rPr>
+              <a:t>主要采用</a:t>
+            </a:r>
+            <a:r>
+              <a:rPr kumimoji="1" lang="en-US" altLang="zh-CN" dirty="0" smtClean="0">
+                <a:latin typeface="SimHei" charset="-122"/>
+                <a:ea typeface="SimHei" charset="-122"/>
+                <a:cs typeface="SimHei" charset="-122"/>
+              </a:rPr>
+              <a:t>LSTM</a:t>
+            </a:r>
+            <a:endParaRPr kumimoji="1" lang="en-US" altLang="zh-CN" dirty="0" smtClean="0">
+              <a:latin typeface="SimHei" charset="-122"/>
+              <a:ea typeface="SimHei" charset="-122"/>
+              <a:cs typeface="SimHei" charset="-122"/>
+            </a:endParaRPr>
+          </a:p>
+          <a:p>
+            <a:pPr>
+              <a:lnSpc>
+                <a:spcPct val="150000"/>
+              </a:lnSpc>
+            </a:pPr>
+            <a:r>
+              <a:rPr kumimoji="1" lang="zh-CN" altLang="en-US" dirty="0" smtClean="0">
+                <a:latin typeface="SimHei" charset="-122"/>
+                <a:ea typeface="SimHei" charset="-122"/>
+                <a:cs typeface="SimHei" charset="-122"/>
+              </a:rPr>
+              <a:t>目前使用比较广泛</a:t>
+            </a:r>
+            <a:endParaRPr kumimoji="1" lang="en-US" altLang="zh-CN" dirty="0" smtClean="0">
+              <a:latin typeface="SimHei" charset="-122"/>
+              <a:ea typeface="SimHei" charset="-122"/>
+              <a:cs typeface="SimHei" charset="-122"/>
+            </a:endParaRPr>
+          </a:p>
+        </p:txBody>
+      </p:sp>
+      <p:sp>
+        <p:nvSpPr>
+          <p:cNvPr id="8" name="椭圆 7"/>
           <p:cNvSpPr/>
           <p:nvPr/>
         </p:nvSpPr>
         <p:spPr>
           <a:xfrm>
-            <a:off x="568707" y="3649784"/>
-            <a:ext cx="2889648" cy="1546411"/>
-          </a:xfrm>
-          <a:prstGeom prst="wedgeRoundRectCallout">
-            <a:avLst>
-              <a:gd name="adj1" fmla="val -19902"/>
-              <a:gd name="adj2" fmla="val 84239"/>
-              <a:gd name="adj3" fmla="val 16667"/>
-            </a:avLst>
+            <a:off x="641181" y="1608376"/>
+            <a:ext cx="387183" cy="458468"/>
+          </a:xfrm>
+          <a:prstGeom prst="ellipse">
+            <a:avLst/>
           </a:prstGeom>
-          <a:noFill/>
-          <a:scene3d>
-            <a:camera prst="orthographicFront">
-              <a:rot lat="0" lon="21299996" rev="10799999"/>
-            </a:camera>
-            <a:lightRig rig="threePt" dir="t"/>
-          </a:scene3d>
         </p:spPr>
         <p:style>
           <a:lnRef idx="2">
@@ -4471,108 +6589,28 @@
           <a:lstStyle/>
           <a:p>
             <a:pPr algn="ctr"/>
-            <a:endParaRPr kumimoji="1" lang="zh-CN" altLang="en-US"/>
-          </a:p>
-        </p:txBody>
-      </p:sp>
-      <p:sp>
-        <p:nvSpPr>
-          <p:cNvPr id="23" name="文本框 22"/>
-          <p:cNvSpPr txBox="1"/>
+            <a:r>
+              <a:rPr kumimoji="1" lang="en-US" altLang="zh-CN" dirty="0" smtClean="0"/>
+              <a:t>1</a:t>
+            </a:r>
+            <a:endParaRPr kumimoji="1" lang="zh-CN" altLang="en-US" dirty="0"/>
+          </a:p>
+        </p:txBody>
+      </p:sp>
+      <p:sp>
+        <p:nvSpPr>
+          <p:cNvPr id="29" name="椭圆 28"/>
+          <p:cNvSpPr/>
           <p:nvPr/>
         </p:nvSpPr>
         <p:spPr>
           <a:xfrm>
-            <a:off x="1196788" y="4908176"/>
-            <a:ext cx="184731" cy="369332"/>
-          </a:xfrm>
-          <a:prstGeom prst="rect">
+            <a:off x="6948700" y="4678942"/>
+            <a:ext cx="387183" cy="458468"/>
+          </a:xfrm>
+          <a:prstGeom prst="ellipse">
             <a:avLst/>
           </a:prstGeom>
-          <a:noFill/>
-        </p:spPr>
-        <p:txBody>
-          <a:bodyPr wrap="none" rtlCol="0">
-            <a:spAutoFit/>
-          </a:bodyPr>
-          <a:lstStyle/>
-          <a:p>
-            <a:endParaRPr kumimoji="1" lang="zh-CN" altLang="en-US" dirty="0"/>
-          </a:p>
-        </p:txBody>
-      </p:sp>
-      <p:sp>
-        <p:nvSpPr>
-          <p:cNvPr id="24" name="文本框 23"/>
-          <p:cNvSpPr txBox="1"/>
-          <p:nvPr/>
-        </p:nvSpPr>
-        <p:spPr>
-          <a:xfrm>
-            <a:off x="568707" y="4238762"/>
-            <a:ext cx="2971876" cy="1338828"/>
-          </a:xfrm>
-          <a:prstGeom prst="rect">
-            <a:avLst/>
-          </a:prstGeom>
-          <a:noFill/>
-        </p:spPr>
-        <p:txBody>
-          <a:bodyPr wrap="square" rtlCol="0">
-            <a:spAutoFit/>
-          </a:bodyPr>
-          <a:lstStyle/>
-          <a:p>
-            <a:pPr>
-              <a:lnSpc>
-                <a:spcPct val="150000"/>
-              </a:lnSpc>
-            </a:pPr>
-            <a:r>
-              <a:rPr kumimoji="1" lang="zh-CN" altLang="en-US" dirty="0" smtClean="0"/>
-              <a:t>  早期，为每个多音字匹配一个频度最高的读音</a:t>
-            </a:r>
-            <a:endParaRPr kumimoji="1" lang="en-US" altLang="zh-CN" dirty="0" smtClean="0"/>
-          </a:p>
-          <a:p>
-            <a:pPr>
-              <a:lnSpc>
-                <a:spcPct val="150000"/>
-              </a:lnSpc>
-            </a:pPr>
-            <a:r>
-              <a:rPr kumimoji="1" lang="zh-CN" altLang="en-US" dirty="0" smtClean="0"/>
-              <a:t>  错误率高</a:t>
-            </a:r>
-            <a:endParaRPr kumimoji="1" lang="zh-CN" altLang="en-US" dirty="0"/>
-          </a:p>
-        </p:txBody>
-      </p:sp>
-      <p:sp>
-        <p:nvSpPr>
-          <p:cNvPr id="25" name="圆角矩形标注 24"/>
-          <p:cNvSpPr/>
-          <p:nvPr/>
-        </p:nvSpPr>
-        <p:spPr>
-          <a:xfrm>
-            <a:off x="6370442" y="3466445"/>
-            <a:ext cx="2889648" cy="1546411"/>
-          </a:xfrm>
-          <a:prstGeom prst="wedgeRoundRectCallout">
-            <a:avLst>
-              <a:gd name="adj1" fmla="val -19902"/>
-              <a:gd name="adj2" fmla="val 84239"/>
-              <a:gd name="adj3" fmla="val 16667"/>
-            </a:avLst>
-          </a:prstGeom>
-          <a:noFill/>
-          <a:scene3d>
-            <a:camera prst="orthographicFront">
-              <a:rot lat="0" lon="21299996" rev="10799999"/>
-            </a:camera>
-            <a:lightRig rig="threePt" dir="t"/>
-          </a:scene3d>
         </p:spPr>
         <p:style>
           <a:lnRef idx="2">
@@ -4595,35 +6633,28 @@
           <a:lstStyle/>
           <a:p>
             <a:pPr algn="ctr"/>
-            <a:endParaRPr kumimoji="1" lang="zh-CN" altLang="en-US"/>
-          </a:p>
-        </p:txBody>
-      </p:sp>
-      <p:sp>
-        <p:nvSpPr>
-          <p:cNvPr id="26" name="圆角矩形标注 25"/>
+            <a:r>
+              <a:rPr kumimoji="1" lang="en-US" altLang="zh-CN" dirty="0"/>
+              <a:t>4</a:t>
+            </a:r>
+            <a:endParaRPr kumimoji="1" lang="zh-CN" altLang="en-US" dirty="0"/>
+          </a:p>
+        </p:txBody>
+      </p:sp>
+      <p:sp>
+        <p:nvSpPr>
+          <p:cNvPr id="30" name="椭圆 29"/>
           <p:cNvSpPr/>
           <p:nvPr/>
         </p:nvSpPr>
         <p:spPr>
           <a:xfrm>
-            <a:off x="4541014" y="381064"/>
-            <a:ext cx="2889648" cy="1546411"/>
-          </a:xfrm>
-          <a:prstGeom prst="wedgeRoundRectCallout">
-            <a:avLst>
-              <a:gd name="adj1" fmla="val -19902"/>
-              <a:gd name="adj2" fmla="val 84239"/>
-              <a:gd name="adj3" fmla="val 16667"/>
-            </a:avLst>
+            <a:off x="6948700" y="1608376"/>
+            <a:ext cx="387183" cy="458468"/>
+          </a:xfrm>
+          <a:prstGeom prst="ellipse">
+            <a:avLst/>
           </a:prstGeom>
-          <a:noFill/>
-          <a:scene3d>
-            <a:camera prst="orthographicFront">
-              <a:rot lat="0" lon="21299996" rev="0"/>
-            </a:camera>
-            <a:lightRig rig="threePt" dir="t"/>
-          </a:scene3d>
         </p:spPr>
         <p:style>
           <a:lnRef idx="2">
@@ -4646,20 +6677,173 @@
           <a:lstStyle/>
           <a:p>
             <a:pPr algn="ctr"/>
-            <a:endParaRPr kumimoji="1" lang="zh-CN" altLang="en-US"/>
-          </a:p>
-        </p:txBody>
-      </p:sp>
-      <p:sp>
-        <p:nvSpPr>
-          <p:cNvPr id="27" name="文本框 26"/>
+            <a:r>
+              <a:rPr kumimoji="1" lang="en-US" altLang="zh-CN" dirty="0" smtClean="0"/>
+              <a:t>2</a:t>
+            </a:r>
+            <a:endParaRPr kumimoji="1" lang="zh-CN" altLang="en-US" dirty="0"/>
+          </a:p>
+        </p:txBody>
+      </p:sp>
+      <p:sp>
+        <p:nvSpPr>
+          <p:cNvPr id="31" name="椭圆 30"/>
+          <p:cNvSpPr/>
+          <p:nvPr/>
+        </p:nvSpPr>
+        <p:spPr>
+          <a:xfrm>
+            <a:off x="641181" y="4678942"/>
+            <a:ext cx="387183" cy="458468"/>
+          </a:xfrm>
+          <a:prstGeom prst="ellipse">
+            <a:avLst/>
+          </a:prstGeom>
+        </p:spPr>
+        <p:style>
+          <a:lnRef idx="2">
+            <a:schemeClr val="accent1">
+              <a:shade val="50000"/>
+            </a:schemeClr>
+          </a:lnRef>
+          <a:fillRef idx="1">
+            <a:schemeClr val="accent1"/>
+          </a:fillRef>
+          <a:effectRef idx="0">
+            <a:schemeClr val="accent1"/>
+          </a:effectRef>
+          <a:fontRef idx="minor">
+            <a:schemeClr val="lt1"/>
+          </a:fontRef>
+        </p:style>
+        <p:txBody>
+          <a:bodyPr rtlCol="0" anchor="ctr"/>
+          <a:lstStyle/>
+          <a:p>
+            <a:pPr algn="ctr"/>
+            <a:r>
+              <a:rPr kumimoji="1" lang="en-US" altLang="zh-CN" dirty="0" smtClean="0"/>
+              <a:t>3</a:t>
+            </a:r>
+            <a:endParaRPr kumimoji="1" lang="zh-CN" altLang="en-US" dirty="0"/>
+          </a:p>
+        </p:txBody>
+      </p:sp>
+    </p:spTree>
+    <p:extLst>
+      <p:ext uri="{BB962C8B-B14F-4D97-AF65-F5344CB8AC3E}">
+        <p14:creationId xmlns:p14="http://schemas.microsoft.com/office/powerpoint/2010/main" val="2032141244"/>
+      </p:ext>
+    </p:extLst>
+  </p:cSld>
+  <p:clrMapOvr>
+    <a:masterClrMapping/>
+  </p:clrMapOvr>
+  <p:timing>
+    <p:tnLst>
+      <p:par>
+        <p:cTn id="1" dur="indefinite" restart="never" nodeType="tmRoot"/>
+      </p:par>
+    </p:tnLst>
+  </p:timing>
+</p:sld>
+</file>
+
+<file path=ppt/slides/slide4.xml><?xml version="1.0" encoding="utf-8"?>
+<p:sld xmlns:a="http://schemas.openxmlformats.org/drawingml/2006/main" xmlns:r="http://schemas.openxmlformats.org/officeDocument/2006/relationships" xmlns:p="http://schemas.openxmlformats.org/presentationml/2006/main">
+  <p:cSld>
+    <p:spTree>
+      <p:nvGrpSpPr>
+        <p:cNvPr id="1" name=""/>
+        <p:cNvGrpSpPr/>
+        <p:nvPr/>
+      </p:nvGrpSpPr>
+      <p:grpSpPr>
+        <a:xfrm>
+          <a:off x="0" y="0"/>
+          <a:ext cx="0" cy="0"/>
+          <a:chOff x="0" y="0"/>
+          <a:chExt cx="0" cy="0"/>
+        </a:xfrm>
+      </p:grpSpPr>
+      <p:sp>
+        <p:nvSpPr>
+          <p:cNvPr id="3" name="矩形 2"/>
+          <p:cNvSpPr/>
+          <p:nvPr/>
+        </p:nvSpPr>
+        <p:spPr>
+          <a:xfrm>
+            <a:off x="136151" y="136151"/>
+            <a:ext cx="3561790" cy="751356"/>
+          </a:xfrm>
+          <a:prstGeom prst="rect">
+            <a:avLst/>
+          </a:prstGeom>
+        </p:spPr>
+        <p:style>
+          <a:lnRef idx="2">
+            <a:schemeClr val="accent1">
+              <a:shade val="50000"/>
+            </a:schemeClr>
+          </a:lnRef>
+          <a:fillRef idx="1">
+            <a:schemeClr val="accent1"/>
+          </a:fillRef>
+          <a:effectRef idx="0">
+            <a:schemeClr val="accent1"/>
+          </a:effectRef>
+          <a:fontRef idx="minor">
+            <a:schemeClr val="lt1"/>
+          </a:fontRef>
+        </p:style>
+        <p:txBody>
+          <a:bodyPr rtlCol="0" anchor="ctr"/>
+          <a:lstStyle/>
+          <a:p>
+            <a:pPr algn="ctr"/>
+            <a:r>
+              <a:rPr kumimoji="1" lang="en-US" altLang="zh-CN" sz="4000" dirty="0" smtClean="0">
+                <a:latin typeface="SimHei" charset="-122"/>
+                <a:ea typeface="SimHei" charset="-122"/>
+                <a:cs typeface="SimHei" charset="-122"/>
+              </a:rPr>
+              <a:t>2</a:t>
+            </a:r>
+            <a:r>
+              <a:rPr kumimoji="1" lang="en-US" altLang="zh-CN" sz="4000" dirty="0">
+                <a:latin typeface="SimHei" charset="-122"/>
+                <a:ea typeface="SimHei" charset="-122"/>
+                <a:cs typeface="SimHei" charset="-122"/>
+              </a:rPr>
+              <a:t> </a:t>
+            </a:r>
+            <a:r>
+              <a:rPr kumimoji="1" lang="zh-CN" altLang="en-US" sz="4000" dirty="0" smtClean="0">
+                <a:latin typeface="SimHei" charset="-122"/>
+                <a:ea typeface="SimHei" charset="-122"/>
+                <a:cs typeface="SimHei" charset="-122"/>
+              </a:rPr>
+              <a:t>方法描述</a:t>
+            </a:r>
+            <a:endParaRPr kumimoji="1" lang="zh-CN" altLang="en-US" sz="4000" dirty="0">
+              <a:latin typeface="SimHei" charset="-122"/>
+              <a:ea typeface="SimHei" charset="-122"/>
+              <a:cs typeface="SimHei" charset="-122"/>
+            </a:endParaRPr>
+          </a:p>
+        </p:txBody>
+      </p:sp>
+      <p:sp>
+        <p:nvSpPr>
+          <p:cNvPr id="5" name="文本框 4"/>
           <p:cNvSpPr txBox="1"/>
           <p:nvPr/>
         </p:nvSpPr>
         <p:spPr>
           <a:xfrm>
-            <a:off x="4541014" y="445249"/>
-            <a:ext cx="2565020" cy="646331"/>
+            <a:off x="908918" y="1076276"/>
+            <a:ext cx="3057247" cy="584775"/>
           </a:xfrm>
           <a:prstGeom prst="rect">
             <a:avLst/>
@@ -4667,18 +6851,476 @@
           <a:noFill/>
         </p:spPr>
         <p:txBody>
+          <a:bodyPr wrap="none" rtlCol="0">
+            <a:spAutoFit/>
+          </a:bodyPr>
+          <a:lstStyle/>
+          <a:p>
+            <a:r>
+              <a:rPr kumimoji="1" lang="zh-CN" altLang="en-US" sz="3200" dirty="0" smtClean="0">
+                <a:latin typeface="SimHei" charset="-122"/>
+                <a:ea typeface="SimHei" charset="-122"/>
+                <a:cs typeface="SimHei" charset="-122"/>
+              </a:rPr>
+              <a:t>基于规则的方法</a:t>
+            </a:r>
+            <a:endParaRPr kumimoji="1" lang="zh-CN" altLang="en-US" sz="3200" dirty="0">
+              <a:latin typeface="SimHei" charset="-122"/>
+              <a:ea typeface="SimHei" charset="-122"/>
+              <a:cs typeface="SimHei" charset="-122"/>
+            </a:endParaRPr>
+          </a:p>
+        </p:txBody>
+      </p:sp>
+      <p:cxnSp>
+        <p:nvCxnSpPr>
+          <p:cNvPr id="9" name="直线连接符 8"/>
+          <p:cNvCxnSpPr/>
+          <p:nvPr/>
+        </p:nvCxnSpPr>
+        <p:spPr>
+          <a:xfrm>
+            <a:off x="0" y="1661051"/>
+            <a:ext cx="5675586" cy="0"/>
+          </a:xfrm>
+          <a:prstGeom prst="line">
+            <a:avLst/>
+          </a:prstGeom>
+        </p:spPr>
+        <p:style>
+          <a:lnRef idx="1">
+            <a:schemeClr val="accent1"/>
+          </a:lnRef>
+          <a:fillRef idx="0">
+            <a:schemeClr val="accent1"/>
+          </a:fillRef>
+          <a:effectRef idx="0">
+            <a:schemeClr val="accent1"/>
+          </a:effectRef>
+          <a:fontRef idx="minor">
+            <a:schemeClr val="tx1"/>
+          </a:fontRef>
+        </p:style>
+      </p:cxnSp>
+      <p:sp>
+        <p:nvSpPr>
+          <p:cNvPr id="16" name="文本框 15"/>
+          <p:cNvSpPr txBox="1"/>
+          <p:nvPr/>
+        </p:nvSpPr>
+        <p:spPr>
+          <a:xfrm>
+            <a:off x="3892593" y="276547"/>
+            <a:ext cx="6190593" cy="369332"/>
+          </a:xfrm>
+          <a:prstGeom prst="rect">
+            <a:avLst/>
+          </a:prstGeom>
+          <a:noFill/>
+        </p:spPr>
+        <p:txBody>
           <a:bodyPr wrap="square" rtlCol="0">
             <a:spAutoFit/>
           </a:bodyPr>
           <a:lstStyle/>
           <a:p>
             <a:r>
-              <a:rPr kumimoji="1" lang="zh-CN" altLang="en-US" smtClean="0"/>
-              <a:t>  构建</a:t>
-            </a:r>
+              <a:rPr kumimoji="1" lang="en-US" altLang="zh-CN" dirty="0" smtClean="0">
+                <a:latin typeface="SimHei" charset="-122"/>
+                <a:ea typeface="SimHei" charset="-122"/>
+                <a:cs typeface="SimHei" charset="-122"/>
+              </a:rPr>
+              <a:t>《</a:t>
+            </a:r>
+            <a:r>
+              <a:rPr kumimoji="1" lang="zh-CN" altLang="en-US" dirty="0" smtClean="0">
+                <a:latin typeface="SimHei" charset="-122"/>
+                <a:ea typeface="SimHei" charset="-122"/>
+                <a:cs typeface="SimHei" charset="-122"/>
+              </a:rPr>
+              <a:t>一</a:t>
+            </a:r>
+            <a:r>
+              <a:rPr kumimoji="1" lang="zh-CN" altLang="en-US" dirty="0">
+                <a:latin typeface="SimHei" charset="-122"/>
+                <a:ea typeface="SimHei" charset="-122"/>
+                <a:cs typeface="SimHei" charset="-122"/>
+              </a:rPr>
+              <a:t>种新的基于规则的多音字自动注音</a:t>
+            </a:r>
+            <a:r>
+              <a:rPr kumimoji="1" lang="zh-CN" altLang="en-US" dirty="0" smtClean="0">
+                <a:latin typeface="SimHei" charset="-122"/>
+                <a:ea typeface="SimHei" charset="-122"/>
+                <a:cs typeface="SimHei" charset="-122"/>
+              </a:rPr>
+              <a:t>方法</a:t>
+            </a:r>
+            <a:r>
+              <a:rPr kumimoji="1" lang="en-US" altLang="zh-CN" dirty="0" smtClean="0">
+                <a:latin typeface="SimHei" charset="-122"/>
+                <a:ea typeface="SimHei" charset="-122"/>
+                <a:cs typeface="SimHei" charset="-122"/>
+              </a:rPr>
+              <a:t>》</a:t>
+            </a:r>
+            <a:r>
+              <a:rPr kumimoji="1" lang="zh-CN" altLang="en-US" dirty="0" smtClean="0">
+                <a:latin typeface="SimHei" charset="-122"/>
+                <a:ea typeface="SimHei" charset="-122"/>
+                <a:cs typeface="SimHei" charset="-122"/>
+              </a:rPr>
+              <a:t> 郑敏 蔡莲红</a:t>
+            </a:r>
+            <a:endParaRPr kumimoji="1" lang="zh-CN" altLang="en-US" dirty="0">
+              <a:latin typeface="SimHei" charset="-122"/>
+              <a:ea typeface="SimHei" charset="-122"/>
+              <a:cs typeface="SimHei" charset="-122"/>
+            </a:endParaRPr>
+          </a:p>
+        </p:txBody>
+      </p:sp>
+      <p:sp>
+        <p:nvSpPr>
+          <p:cNvPr id="17" name="文本框 16"/>
+          <p:cNvSpPr txBox="1"/>
+          <p:nvPr/>
+        </p:nvSpPr>
+        <p:spPr>
+          <a:xfrm>
+            <a:off x="430924" y="2039007"/>
+            <a:ext cx="5023945" cy="369332"/>
+          </a:xfrm>
+          <a:prstGeom prst="rect">
+            <a:avLst/>
+          </a:prstGeom>
+          <a:noFill/>
+        </p:spPr>
+        <p:txBody>
+          <a:bodyPr wrap="square" rtlCol="0">
+            <a:spAutoFit/>
+          </a:bodyPr>
+          <a:lstStyle/>
+          <a:p>
+            <a:pPr marL="285750" indent="-285750">
+              <a:buFont typeface="Arial" charset="0"/>
+              <a:buChar char="•"/>
+            </a:pPr>
+            <a:endParaRPr kumimoji="1" lang="zh-CN" altLang="en-US" dirty="0"/>
+          </a:p>
+        </p:txBody>
+      </p:sp>
+      <p:sp>
+        <p:nvSpPr>
+          <p:cNvPr id="2" name="文本框 1"/>
+          <p:cNvSpPr txBox="1"/>
+          <p:nvPr/>
+        </p:nvSpPr>
+        <p:spPr>
+          <a:xfrm>
+            <a:off x="475479" y="2039006"/>
+            <a:ext cx="4934834" cy="4182363"/>
+          </a:xfrm>
+          <a:prstGeom prst="rect">
+            <a:avLst/>
+          </a:prstGeom>
+          <a:noFill/>
+        </p:spPr>
+        <p:txBody>
+          <a:bodyPr wrap="square" rtlCol="0">
+            <a:spAutoFit/>
+          </a:bodyPr>
+          <a:lstStyle/>
+          <a:p>
+            <a:pPr marL="285750" indent="-285750">
+              <a:lnSpc>
+                <a:spcPct val="150000"/>
+              </a:lnSpc>
+              <a:buFont typeface="Arial" charset="0"/>
+              <a:buChar char="•"/>
+            </a:pPr>
+            <a:r>
+              <a:rPr kumimoji="1" lang="zh-CN" altLang="en-US" dirty="0" smtClean="0">
+                <a:latin typeface="SimHei" charset="-122"/>
+                <a:ea typeface="SimHei" charset="-122"/>
+                <a:cs typeface="SimHei" charset="-122"/>
+              </a:rPr>
+              <a:t>多音字所在语法词和前后若干语法词的词性</a:t>
+            </a:r>
+            <a:endParaRPr kumimoji="1" lang="en-US" altLang="zh-CN" dirty="0" smtClean="0">
+              <a:latin typeface="SimHei" charset="-122"/>
+              <a:ea typeface="SimHei" charset="-122"/>
+              <a:cs typeface="SimHei" charset="-122"/>
+            </a:endParaRPr>
+          </a:p>
+          <a:p>
+            <a:pPr marL="285750" indent="-285750">
+              <a:lnSpc>
+                <a:spcPct val="150000"/>
+              </a:lnSpc>
+              <a:buFont typeface="Arial" charset="0"/>
+              <a:buChar char="•"/>
+            </a:pPr>
+            <a:r>
+              <a:rPr kumimoji="1" lang="zh-CN" altLang="en-US" dirty="0" smtClean="0">
+                <a:latin typeface="SimHei" charset="-122"/>
+                <a:ea typeface="SimHei" charset="-122"/>
+                <a:cs typeface="SimHei" charset="-122"/>
+              </a:rPr>
+              <a:t>多音字所在的前后若干语法词中，是否存在特殊的语法词</a:t>
+            </a:r>
+            <a:endParaRPr kumimoji="1" lang="en-US" altLang="zh-CN" dirty="0" smtClean="0">
+              <a:latin typeface="SimHei" charset="-122"/>
+              <a:ea typeface="SimHei" charset="-122"/>
+              <a:cs typeface="SimHei" charset="-122"/>
+            </a:endParaRPr>
+          </a:p>
+          <a:p>
+            <a:pPr marL="285750" indent="-285750">
+              <a:lnSpc>
+                <a:spcPct val="150000"/>
+              </a:lnSpc>
+              <a:buFont typeface="Arial" charset="0"/>
+              <a:buChar char="•"/>
+            </a:pPr>
+            <a:r>
+              <a:rPr kumimoji="1" lang="zh-CN" altLang="en-US" dirty="0">
+                <a:latin typeface="SimHei" charset="-122"/>
+                <a:ea typeface="SimHei" charset="-122"/>
+                <a:cs typeface="SimHei" charset="-122"/>
+              </a:rPr>
+              <a:t>多音字所在的</a:t>
+            </a:r>
+            <a:r>
+              <a:rPr kumimoji="1" lang="zh-CN" altLang="en-US" dirty="0" smtClean="0">
+                <a:latin typeface="SimHei" charset="-122"/>
+                <a:ea typeface="SimHei" charset="-122"/>
+                <a:cs typeface="SimHei" charset="-122"/>
+              </a:rPr>
+              <a:t>前后若干字中</a:t>
+            </a:r>
+            <a:r>
+              <a:rPr kumimoji="1" lang="zh-CN" altLang="en-US" dirty="0">
+                <a:latin typeface="SimHei" charset="-122"/>
+                <a:ea typeface="SimHei" charset="-122"/>
+                <a:cs typeface="SimHei" charset="-122"/>
+              </a:rPr>
+              <a:t>，是否存在特殊</a:t>
+            </a:r>
+            <a:r>
+              <a:rPr kumimoji="1" lang="zh-CN" altLang="en-US" dirty="0" smtClean="0">
+                <a:latin typeface="SimHei" charset="-122"/>
+                <a:ea typeface="SimHei" charset="-122"/>
+                <a:cs typeface="SimHei" charset="-122"/>
+              </a:rPr>
+              <a:t>的字</a:t>
+            </a:r>
+            <a:endParaRPr kumimoji="1" lang="en-US" altLang="zh-CN" dirty="0">
+              <a:latin typeface="SimHei" charset="-122"/>
+              <a:ea typeface="SimHei" charset="-122"/>
+              <a:cs typeface="SimHei" charset="-122"/>
+            </a:endParaRPr>
+          </a:p>
+          <a:p>
+            <a:pPr marL="285750" indent="-285750">
+              <a:lnSpc>
+                <a:spcPct val="150000"/>
+              </a:lnSpc>
+              <a:buFont typeface="Arial" charset="0"/>
+              <a:buChar char="•"/>
+            </a:pPr>
+            <a:r>
+              <a:rPr kumimoji="1" lang="zh-CN" altLang="en-US" dirty="0">
+                <a:latin typeface="SimHei" charset="-122"/>
+                <a:ea typeface="SimHei" charset="-122"/>
+                <a:cs typeface="SimHei" charset="-122"/>
+              </a:rPr>
+              <a:t>多音字所在语法词和前后若干语法词</a:t>
+            </a:r>
+            <a:r>
+              <a:rPr kumimoji="1" lang="zh-CN" altLang="en-US" dirty="0" smtClean="0">
+                <a:latin typeface="SimHei" charset="-122"/>
+                <a:ea typeface="SimHei" charset="-122"/>
+                <a:cs typeface="SimHei" charset="-122"/>
+              </a:rPr>
+              <a:t>的长度</a:t>
+            </a:r>
+            <a:endParaRPr kumimoji="1" lang="en-US" altLang="zh-CN" dirty="0">
+              <a:latin typeface="SimHei" charset="-122"/>
+              <a:ea typeface="SimHei" charset="-122"/>
+              <a:cs typeface="SimHei" charset="-122"/>
+            </a:endParaRPr>
+          </a:p>
+          <a:p>
+            <a:pPr marL="285750" indent="-285750">
+              <a:lnSpc>
+                <a:spcPct val="150000"/>
+              </a:lnSpc>
+              <a:buFont typeface="Arial" charset="0"/>
+              <a:buChar char="•"/>
+            </a:pPr>
+            <a:r>
+              <a:rPr kumimoji="1" lang="zh-CN" altLang="en-US" dirty="0" smtClean="0">
+                <a:latin typeface="SimHei" charset="-122"/>
+                <a:ea typeface="SimHei" charset="-122"/>
+                <a:cs typeface="SimHei" charset="-122"/>
+              </a:rPr>
+              <a:t>多音字所在语法词的位置</a:t>
+            </a:r>
+            <a:endParaRPr kumimoji="1" lang="en-US" altLang="zh-CN" dirty="0" smtClean="0">
+              <a:latin typeface="SimHei" charset="-122"/>
+              <a:ea typeface="SimHei" charset="-122"/>
+              <a:cs typeface="SimHei" charset="-122"/>
+            </a:endParaRPr>
+          </a:p>
+          <a:p>
+            <a:pPr marL="285750" indent="-285750">
+              <a:lnSpc>
+                <a:spcPct val="150000"/>
+              </a:lnSpc>
+              <a:buFont typeface="Arial" charset="0"/>
+              <a:buChar char="•"/>
+            </a:pPr>
+            <a:r>
+              <a:rPr kumimoji="1" lang="zh-CN" altLang="en-US" dirty="0" smtClean="0">
+                <a:latin typeface="SimHei" charset="-122"/>
+                <a:ea typeface="SimHei" charset="-122"/>
+                <a:cs typeface="SimHei" charset="-122"/>
+              </a:rPr>
+              <a:t>多音字所在句中的位置</a:t>
+            </a:r>
+            <a:endParaRPr kumimoji="1" lang="en-US" altLang="zh-CN" dirty="0" smtClean="0">
+              <a:latin typeface="SimHei" charset="-122"/>
+              <a:ea typeface="SimHei" charset="-122"/>
+              <a:cs typeface="SimHei" charset="-122"/>
+            </a:endParaRPr>
+          </a:p>
+          <a:p>
+            <a:pPr marL="285750" indent="-285750">
+              <a:lnSpc>
+                <a:spcPct val="150000"/>
+              </a:lnSpc>
+              <a:buFont typeface="Arial" charset="0"/>
+              <a:buChar char="•"/>
+            </a:pPr>
+            <a:r>
+              <a:rPr kumimoji="1" lang="zh-CN" altLang="en-US" dirty="0" smtClean="0">
+                <a:latin typeface="SimHei" charset="-122"/>
+                <a:ea typeface="SimHei" charset="-122"/>
+                <a:cs typeface="SimHei" charset="-122"/>
+              </a:rPr>
+              <a:t>多音字所在句子的句末语法词及其词性</a:t>
+            </a:r>
+            <a:endParaRPr kumimoji="1" lang="en-US" altLang="zh-CN" dirty="0" smtClean="0">
+              <a:latin typeface="SimHei" charset="-122"/>
+              <a:ea typeface="SimHei" charset="-122"/>
+              <a:cs typeface="SimHei" charset="-122"/>
+            </a:endParaRPr>
+          </a:p>
+          <a:p>
+            <a:pPr marL="285750" indent="-285750">
+              <a:lnSpc>
+                <a:spcPct val="150000"/>
+              </a:lnSpc>
+              <a:buFont typeface="Arial" charset="0"/>
+              <a:buChar char="•"/>
+            </a:pPr>
+            <a:r>
+              <a:rPr kumimoji="1" lang="zh-CN" altLang="en-US" dirty="0" smtClean="0">
+                <a:latin typeface="SimHei" charset="-122"/>
+                <a:ea typeface="SimHei" charset="-122"/>
+                <a:cs typeface="SimHei" charset="-122"/>
+              </a:rPr>
+              <a:t>多音字所在句子的句末的标点符号</a:t>
+            </a:r>
+            <a:endParaRPr kumimoji="1" lang="zh-CN" altLang="en-US" dirty="0">
+              <a:latin typeface="SimHei" charset="-122"/>
+              <a:ea typeface="SimHei" charset="-122"/>
+              <a:cs typeface="SimHei" charset="-122"/>
+            </a:endParaRPr>
+          </a:p>
+        </p:txBody>
+      </p:sp>
+      <p:pic>
+        <p:nvPicPr>
+          <p:cNvPr id="4" name="图片 3"/>
+          <p:cNvPicPr>
+            <a:picLocks noChangeAspect="1"/>
+          </p:cNvPicPr>
+          <p:nvPr/>
+        </p:nvPicPr>
+        <p:blipFill>
+          <a:blip r:embed="rId2">
+            <a:extLst>
+              <a:ext uri="{28A0092B-C50C-407E-A947-70E740481C1C}">
+                <a14:useLocalDpi xmlns:a14="http://schemas.microsoft.com/office/drawing/2010/main" val="0"/>
+              </a:ext>
+            </a:extLst>
+          </a:blip>
+          <a:stretch>
+            <a:fillRect/>
+          </a:stretch>
+        </p:blipFill>
+        <p:spPr>
+          <a:xfrm>
+            <a:off x="5917325" y="1853159"/>
+            <a:ext cx="5108027" cy="4248121"/>
+          </a:xfrm>
+          <a:prstGeom prst="rect">
+            <a:avLst/>
+          </a:prstGeom>
+        </p:spPr>
+      </p:pic>
+      <p:sp>
+        <p:nvSpPr>
+          <p:cNvPr id="7" name="矩形标注 6"/>
+          <p:cNvSpPr/>
+          <p:nvPr/>
+        </p:nvSpPr>
+        <p:spPr>
+          <a:xfrm>
+            <a:off x="3649604" y="370146"/>
+            <a:ext cx="5546947" cy="1608082"/>
+          </a:xfrm>
+          <a:prstGeom prst="wedgeRectCallout">
+            <a:avLst/>
+          </a:prstGeom>
+          <a:ln>
+            <a:solidFill>
+              <a:schemeClr val="accent1"/>
+            </a:solidFill>
+          </a:ln>
+        </p:spPr>
+        <p:style>
+          <a:lnRef idx="2">
+            <a:schemeClr val="accent6"/>
+          </a:lnRef>
+          <a:fillRef idx="1">
+            <a:schemeClr val="lt1"/>
+          </a:fillRef>
+          <a:effectRef idx="0">
+            <a:schemeClr val="accent6"/>
+          </a:effectRef>
+          <a:fontRef idx="minor">
+            <a:schemeClr val="dk1"/>
+          </a:fontRef>
+        </p:style>
+        <p:txBody>
+          <a:bodyPr rtlCol="0" anchor="ctr"/>
+          <a:lstStyle/>
+          <a:p>
+            <a:pPr algn="ctr"/>
             <a:r>
               <a:rPr kumimoji="1" lang="zh-CN" altLang="en-US" dirty="0" smtClean="0"/>
-              <a:t>词库，遇到多音字时在词库中匹配</a:t>
+              <a:t>针对规则可能有冲突的情况，有人提出了为每条规则赋予权值，采用支持向量机</a:t>
+            </a:r>
+            <a:r>
+              <a:rPr kumimoji="1" lang="en-US" altLang="zh-CN" dirty="0" smtClean="0"/>
+              <a:t>(SVM)</a:t>
+            </a:r>
+            <a:r>
+              <a:rPr kumimoji="1" lang="zh-CN" altLang="en-US" dirty="0" smtClean="0"/>
+              <a:t>自动调整权值</a:t>
             </a:r>
             <a:endParaRPr kumimoji="1" lang="zh-CN" altLang="en-US" dirty="0"/>
           </a:p>
@@ -4687,7 +7329,3076 @@
     </p:spTree>
     <p:extLst>
       <p:ext uri="{BB962C8B-B14F-4D97-AF65-F5344CB8AC3E}">
-        <p14:creationId xmlns:p14="http://schemas.microsoft.com/office/powerpoint/2010/main" val="2032141244"/>
+        <p14:creationId xmlns:p14="http://schemas.microsoft.com/office/powerpoint/2010/main" val="1963756395"/>
+      </p:ext>
+    </p:extLst>
+  </p:cSld>
+  <p:clrMapOvr>
+    <a:masterClrMapping/>
+  </p:clrMapOvr>
+  <p:timing>
+    <p:tnLst>
+      <p:par>
+        <p:cTn id="1" dur="indefinite" restart="never" nodeType="tmRoot">
+          <p:childTnLst>
+            <p:seq concurrent="1" nextAc="seek">
+              <p:cTn id="2" dur="indefinite" nodeType="mainSeq">
+                <p:childTnLst>
+                  <p:par>
+                    <p:cTn id="3" fill="hold">
+                      <p:stCondLst>
+                        <p:cond delay="indefinite"/>
+                      </p:stCondLst>
+                      <p:childTnLst>
+                        <p:par>
+                          <p:cTn id="4" fill="hold">
+                            <p:stCondLst>
+                              <p:cond delay="0"/>
+                            </p:stCondLst>
+                            <p:childTnLst>
+                              <p:par>
+                                <p:cTn id="5" presetID="1" presetClass="entr" presetSubtype="0" fill="hold" grpId="0" nodeType="clickEffect">
+                                  <p:stCondLst>
+                                    <p:cond delay="0"/>
+                                  </p:stCondLst>
+                                  <p:childTnLst>
+                                    <p:set>
+                                      <p:cBhvr>
+                                        <p:cTn id="6" dur="1" fill="hold">
+                                          <p:stCondLst>
+                                            <p:cond delay="0"/>
+                                          </p:stCondLst>
+                                        </p:cTn>
+                                        <p:tgtEl>
+                                          <p:spTgt spid="16"/>
+                                        </p:tgtEl>
+                                        <p:attrNameLst>
+                                          <p:attrName>style.visibility</p:attrName>
+                                        </p:attrNameLst>
+                                      </p:cBhvr>
+                                      <p:to>
+                                        <p:strVal val="visible"/>
+                                      </p:to>
+                                    </p:set>
+                                  </p:childTnLst>
+                                </p:cTn>
+                              </p:par>
+                            </p:childTnLst>
+                          </p:cTn>
+                        </p:par>
+                      </p:childTnLst>
+                    </p:cTn>
+                  </p:par>
+                  <p:par>
+                    <p:cTn id="7" fill="hold">
+                      <p:stCondLst>
+                        <p:cond delay="indefinite"/>
+                      </p:stCondLst>
+                      <p:childTnLst>
+                        <p:par>
+                          <p:cTn id="8" fill="hold">
+                            <p:stCondLst>
+                              <p:cond delay="0"/>
+                            </p:stCondLst>
+                            <p:childTnLst>
+                              <p:par>
+                                <p:cTn id="9" presetID="1" presetClass="entr" presetSubtype="0" fill="hold" grpId="0" nodeType="clickEffect">
+                                  <p:stCondLst>
+                                    <p:cond delay="0"/>
+                                  </p:stCondLst>
+                                  <p:childTnLst>
+                                    <p:set>
+                                      <p:cBhvr>
+                                        <p:cTn id="10" dur="1" fill="hold">
+                                          <p:stCondLst>
+                                            <p:cond delay="0"/>
+                                          </p:stCondLst>
+                                        </p:cTn>
+                                        <p:tgtEl>
+                                          <p:spTgt spid="2"/>
+                                        </p:tgtEl>
+                                        <p:attrNameLst>
+                                          <p:attrName>style.visibility</p:attrName>
+                                        </p:attrNameLst>
+                                      </p:cBhvr>
+                                      <p:to>
+                                        <p:strVal val="visible"/>
+                                      </p:to>
+                                    </p:set>
+                                  </p:childTnLst>
+                                </p:cTn>
+                              </p:par>
+                            </p:childTnLst>
+                          </p:cTn>
+                        </p:par>
+                      </p:childTnLst>
+                    </p:cTn>
+                  </p:par>
+                  <p:par>
+                    <p:cTn id="11" fill="hold">
+                      <p:stCondLst>
+                        <p:cond delay="indefinite"/>
+                      </p:stCondLst>
+                      <p:childTnLst>
+                        <p:par>
+                          <p:cTn id="12" fill="hold">
+                            <p:stCondLst>
+                              <p:cond delay="0"/>
+                            </p:stCondLst>
+                            <p:childTnLst>
+                              <p:par>
+                                <p:cTn id="13" presetID="1" presetClass="entr" presetSubtype="0" fill="hold" nodeType="clickEffect">
+                                  <p:stCondLst>
+                                    <p:cond delay="0"/>
+                                  </p:stCondLst>
+                                  <p:childTnLst>
+                                    <p:set>
+                                      <p:cBhvr>
+                                        <p:cTn id="14" dur="1" fill="hold">
+                                          <p:stCondLst>
+                                            <p:cond delay="0"/>
+                                          </p:stCondLst>
+                                        </p:cTn>
+                                        <p:tgtEl>
+                                          <p:spTgt spid="4"/>
+                                        </p:tgtEl>
+                                        <p:attrNameLst>
+                                          <p:attrName>style.visibility</p:attrName>
+                                        </p:attrNameLst>
+                                      </p:cBhvr>
+                                      <p:to>
+                                        <p:strVal val="visible"/>
+                                      </p:to>
+                                    </p:set>
+                                  </p:childTnLst>
+                                </p:cTn>
+                              </p:par>
+                            </p:childTnLst>
+                          </p:cTn>
+                        </p:par>
+                      </p:childTnLst>
+                    </p:cTn>
+                  </p:par>
+                  <p:par>
+                    <p:cTn id="15" fill="hold">
+                      <p:stCondLst>
+                        <p:cond delay="indefinite"/>
+                      </p:stCondLst>
+                      <p:childTnLst>
+                        <p:par>
+                          <p:cTn id="16" fill="hold">
+                            <p:stCondLst>
+                              <p:cond delay="0"/>
+                            </p:stCondLst>
+                            <p:childTnLst>
+                              <p:par>
+                                <p:cTn id="17" presetID="1" presetClass="entr" presetSubtype="0" fill="hold" grpId="0" nodeType="clickEffect">
+                                  <p:stCondLst>
+                                    <p:cond delay="0"/>
+                                  </p:stCondLst>
+                                  <p:childTnLst>
+                                    <p:set>
+                                      <p:cBhvr>
+                                        <p:cTn id="18" dur="1" fill="hold">
+                                          <p:stCondLst>
+                                            <p:cond delay="0"/>
+                                          </p:stCondLst>
+                                        </p:cTn>
+                                        <p:tgtEl>
+                                          <p:spTgt spid="7"/>
+                                        </p:tgtEl>
+                                        <p:attrNameLst>
+                                          <p:attrName>style.visibility</p:attrName>
+                                        </p:attrNameLst>
+                                      </p:cBhvr>
+                                      <p:to>
+                                        <p:strVal val="visible"/>
+                                      </p:to>
+                                    </p:set>
+                                  </p:childTnLst>
+                                </p:cTn>
+                              </p:par>
+                            </p:childTnLst>
+                          </p:cTn>
+                        </p:par>
+                      </p:childTnLst>
+                    </p:cTn>
+                  </p:par>
+                </p:childTnLst>
+              </p:cTn>
+              <p:prevCondLst>
+                <p:cond evt="onPrev" delay="0">
+                  <p:tgtEl>
+                    <p:sldTgt/>
+                  </p:tgtEl>
+                </p:cond>
+              </p:prevCondLst>
+              <p:nextCondLst>
+                <p:cond evt="onNext" delay="0">
+                  <p:tgtEl>
+                    <p:sldTgt/>
+                  </p:tgtEl>
+                </p:cond>
+              </p:nextCondLst>
+            </p:seq>
+          </p:childTnLst>
+        </p:cTn>
+      </p:par>
+    </p:tnLst>
+    <p:bldLst>
+      <p:bldP spid="16" grpId="0"/>
+      <p:bldP spid="2" grpId="0"/>
+      <p:bldP spid="7" grpId="0" animBg="1"/>
+    </p:bldLst>
+  </p:timing>
+</p:sld>
+</file>
+
+<file path=ppt/slides/slide5.xml><?xml version="1.0" encoding="utf-8"?>
+<p:sld xmlns:a="http://schemas.openxmlformats.org/drawingml/2006/main" xmlns:r="http://schemas.openxmlformats.org/officeDocument/2006/relationships" xmlns:p="http://schemas.openxmlformats.org/presentationml/2006/main">
+  <p:cSld>
+    <p:spTree>
+      <p:nvGrpSpPr>
+        <p:cNvPr id="1" name=""/>
+        <p:cNvGrpSpPr/>
+        <p:nvPr/>
+      </p:nvGrpSpPr>
+      <p:grpSpPr>
+        <a:xfrm>
+          <a:off x="0" y="0"/>
+          <a:ext cx="0" cy="0"/>
+          <a:chOff x="0" y="0"/>
+          <a:chExt cx="0" cy="0"/>
+        </a:xfrm>
+      </p:grpSpPr>
+      <p:sp>
+        <p:nvSpPr>
+          <p:cNvPr id="2" name="矩形 1"/>
+          <p:cNvSpPr/>
+          <p:nvPr/>
+        </p:nvSpPr>
+        <p:spPr>
+          <a:xfrm>
+            <a:off x="136151" y="136151"/>
+            <a:ext cx="3561790" cy="751356"/>
+          </a:xfrm>
+          <a:prstGeom prst="rect">
+            <a:avLst/>
+          </a:prstGeom>
+        </p:spPr>
+        <p:style>
+          <a:lnRef idx="2">
+            <a:schemeClr val="accent1">
+              <a:shade val="50000"/>
+            </a:schemeClr>
+          </a:lnRef>
+          <a:fillRef idx="1">
+            <a:schemeClr val="accent1"/>
+          </a:fillRef>
+          <a:effectRef idx="0">
+            <a:schemeClr val="accent1"/>
+          </a:effectRef>
+          <a:fontRef idx="minor">
+            <a:schemeClr val="lt1"/>
+          </a:fontRef>
+        </p:style>
+        <p:txBody>
+          <a:bodyPr rtlCol="0" anchor="ctr"/>
+          <a:lstStyle/>
+          <a:p>
+            <a:pPr algn="ctr"/>
+            <a:r>
+              <a:rPr kumimoji="1" lang="en-US" altLang="zh-CN" sz="4000" dirty="0" smtClean="0">
+                <a:latin typeface="SimHei" charset="-122"/>
+                <a:ea typeface="SimHei" charset="-122"/>
+                <a:cs typeface="SimHei" charset="-122"/>
+              </a:rPr>
+              <a:t>2</a:t>
+            </a:r>
+            <a:r>
+              <a:rPr kumimoji="1" lang="en-US" altLang="zh-CN" sz="4000" dirty="0">
+                <a:latin typeface="SimHei" charset="-122"/>
+                <a:ea typeface="SimHei" charset="-122"/>
+                <a:cs typeface="SimHei" charset="-122"/>
+              </a:rPr>
+              <a:t> </a:t>
+            </a:r>
+            <a:r>
+              <a:rPr kumimoji="1" lang="zh-CN" altLang="en-US" sz="4000" dirty="0" smtClean="0">
+                <a:latin typeface="SimHei" charset="-122"/>
+                <a:ea typeface="SimHei" charset="-122"/>
+                <a:cs typeface="SimHei" charset="-122"/>
+              </a:rPr>
+              <a:t>方法描述</a:t>
+            </a:r>
+            <a:endParaRPr kumimoji="1" lang="zh-CN" altLang="en-US" sz="4000" dirty="0">
+              <a:latin typeface="SimHei" charset="-122"/>
+              <a:ea typeface="SimHei" charset="-122"/>
+              <a:cs typeface="SimHei" charset="-122"/>
+            </a:endParaRPr>
+          </a:p>
+        </p:txBody>
+      </p:sp>
+      <p:sp>
+        <p:nvSpPr>
+          <p:cNvPr id="3" name="文本框 2"/>
+          <p:cNvSpPr txBox="1"/>
+          <p:nvPr/>
+        </p:nvSpPr>
+        <p:spPr>
+          <a:xfrm>
+            <a:off x="908918" y="1076276"/>
+            <a:ext cx="3057247" cy="584775"/>
+          </a:xfrm>
+          <a:prstGeom prst="rect">
+            <a:avLst/>
+          </a:prstGeom>
+          <a:noFill/>
+        </p:spPr>
+        <p:txBody>
+          <a:bodyPr wrap="none" rtlCol="0">
+            <a:spAutoFit/>
+          </a:bodyPr>
+          <a:lstStyle/>
+          <a:p>
+            <a:r>
+              <a:rPr kumimoji="1" lang="zh-CN" altLang="en-US" sz="3200" dirty="0" smtClean="0">
+                <a:latin typeface="SimHei" charset="-122"/>
+                <a:ea typeface="SimHei" charset="-122"/>
+                <a:cs typeface="SimHei" charset="-122"/>
+              </a:rPr>
+              <a:t>基于统计的方法</a:t>
+            </a:r>
+            <a:endParaRPr kumimoji="1" lang="zh-CN" altLang="en-US" sz="3200" dirty="0">
+              <a:latin typeface="SimHei" charset="-122"/>
+              <a:ea typeface="SimHei" charset="-122"/>
+              <a:cs typeface="SimHei" charset="-122"/>
+            </a:endParaRPr>
+          </a:p>
+        </p:txBody>
+      </p:sp>
+      <p:cxnSp>
+        <p:nvCxnSpPr>
+          <p:cNvPr id="4" name="直线连接符 3"/>
+          <p:cNvCxnSpPr/>
+          <p:nvPr/>
+        </p:nvCxnSpPr>
+        <p:spPr>
+          <a:xfrm>
+            <a:off x="0" y="1661051"/>
+            <a:ext cx="5675586" cy="0"/>
+          </a:xfrm>
+          <a:prstGeom prst="line">
+            <a:avLst/>
+          </a:prstGeom>
+        </p:spPr>
+        <p:style>
+          <a:lnRef idx="1">
+            <a:schemeClr val="accent1"/>
+          </a:lnRef>
+          <a:fillRef idx="0">
+            <a:schemeClr val="accent1"/>
+          </a:fillRef>
+          <a:effectRef idx="0">
+            <a:schemeClr val="accent1"/>
+          </a:effectRef>
+          <a:fontRef idx="minor">
+            <a:schemeClr val="tx1"/>
+          </a:fontRef>
+        </p:style>
+      </p:cxnSp>
+      <p:sp>
+        <p:nvSpPr>
+          <p:cNvPr id="5" name="圆角矩形 4"/>
+          <p:cNvSpPr/>
+          <p:nvPr/>
+        </p:nvSpPr>
+        <p:spPr>
+          <a:xfrm>
+            <a:off x="698711" y="2448909"/>
+            <a:ext cx="2789023" cy="4109545"/>
+          </a:xfrm>
+          <a:prstGeom prst="roundRect">
+            <a:avLst/>
+          </a:prstGeom>
+          <a:ln>
+            <a:solidFill>
+              <a:schemeClr val="accent1"/>
+            </a:solidFill>
+          </a:ln>
+        </p:spPr>
+        <p:style>
+          <a:lnRef idx="2">
+            <a:schemeClr val="accent6"/>
+          </a:lnRef>
+          <a:fillRef idx="1">
+            <a:schemeClr val="lt1"/>
+          </a:fillRef>
+          <a:effectRef idx="0">
+            <a:schemeClr val="accent6"/>
+          </a:effectRef>
+          <a:fontRef idx="minor">
+            <a:schemeClr val="dk1"/>
+          </a:fontRef>
+        </p:style>
+        <p:txBody>
+          <a:bodyPr rtlCol="0" anchor="ctr"/>
+          <a:lstStyle/>
+          <a:p>
+            <a:pPr>
+              <a:lnSpc>
+                <a:spcPct val="150000"/>
+              </a:lnSpc>
+            </a:pPr>
+            <a:r>
+              <a:rPr kumimoji="1" lang="zh-CN" altLang="en-US" dirty="0" smtClean="0">
+                <a:latin typeface="SimHei" charset="-122"/>
+                <a:ea typeface="SimHei" charset="-122"/>
+                <a:cs typeface="SimHei" charset="-122"/>
+              </a:rPr>
+              <a:t>  </a:t>
+            </a:r>
+            <a:r>
+              <a:rPr kumimoji="1" lang="zh-CN" altLang="en-US" sz="1600" dirty="0" smtClean="0">
+                <a:latin typeface="SimHei" charset="-122"/>
+                <a:ea typeface="SimHei" charset="-122"/>
+                <a:cs typeface="SimHei" charset="-122"/>
+              </a:rPr>
+              <a:t>选取具有</a:t>
+            </a:r>
+            <a:r>
+              <a:rPr kumimoji="1" lang="zh-CN" altLang="en-US" sz="1600" dirty="0" smtClean="0">
+                <a:solidFill>
+                  <a:srgbClr val="FF0000"/>
+                </a:solidFill>
+                <a:latin typeface="SimHei" charset="-122"/>
+                <a:ea typeface="SimHei" charset="-122"/>
+                <a:cs typeface="SimHei" charset="-122"/>
+              </a:rPr>
+              <a:t>最优分类性能</a:t>
+            </a:r>
+            <a:r>
+              <a:rPr kumimoji="1" lang="zh-CN" altLang="en-US" sz="1600" dirty="0" smtClean="0">
+                <a:latin typeface="SimHei" charset="-122"/>
+                <a:ea typeface="SimHei" charset="-122"/>
+                <a:cs typeface="SimHei" charset="-122"/>
+              </a:rPr>
+              <a:t>的词的位置作为根节点的测试，根据相应位置的词性或位置信息将不同样本分支到不同节点，然后递归地选择当前的最优分类词位置作为本节点的测试。</a:t>
+            </a:r>
+            <a:endParaRPr kumimoji="1" lang="en-US" altLang="zh-CN" sz="1600" dirty="0">
+              <a:latin typeface="SimHei" charset="-122"/>
+              <a:ea typeface="SimHei" charset="-122"/>
+              <a:cs typeface="SimHei" charset="-122"/>
+            </a:endParaRPr>
+          </a:p>
+          <a:p>
+            <a:pPr>
+              <a:lnSpc>
+                <a:spcPct val="150000"/>
+              </a:lnSpc>
+            </a:pPr>
+            <a:r>
+              <a:rPr kumimoji="1" lang="zh-CN" altLang="en-US" sz="1600" dirty="0" smtClean="0">
+                <a:latin typeface="SimHei" charset="-122"/>
+                <a:ea typeface="SimHei" charset="-122"/>
+                <a:cs typeface="SimHei" charset="-122"/>
+              </a:rPr>
+              <a:t>主要不足：容易产生碎片，通常要进行剪枝</a:t>
+            </a:r>
+            <a:endParaRPr kumimoji="1" lang="en-US" altLang="zh-CN" sz="1600" dirty="0">
+              <a:latin typeface="SimHei" charset="-122"/>
+              <a:ea typeface="SimHei" charset="-122"/>
+              <a:cs typeface="SimHei" charset="-122"/>
+            </a:endParaRPr>
+          </a:p>
+        </p:txBody>
+      </p:sp>
+      <p:sp>
+        <p:nvSpPr>
+          <p:cNvPr id="6" name="圆角矩形 5"/>
+          <p:cNvSpPr/>
+          <p:nvPr/>
+        </p:nvSpPr>
+        <p:spPr>
+          <a:xfrm>
+            <a:off x="4515630" y="2448909"/>
+            <a:ext cx="2789023" cy="4109545"/>
+          </a:xfrm>
+          <a:prstGeom prst="roundRect">
+            <a:avLst/>
+          </a:prstGeom>
+          <a:ln>
+            <a:solidFill>
+              <a:schemeClr val="accent1"/>
+            </a:solidFill>
+          </a:ln>
+        </p:spPr>
+        <p:style>
+          <a:lnRef idx="2">
+            <a:schemeClr val="accent6"/>
+          </a:lnRef>
+          <a:fillRef idx="1">
+            <a:schemeClr val="lt1"/>
+          </a:fillRef>
+          <a:effectRef idx="0">
+            <a:schemeClr val="accent6"/>
+          </a:effectRef>
+          <a:fontRef idx="minor">
+            <a:schemeClr val="dk1"/>
+          </a:fontRef>
+        </p:style>
+        <p:txBody>
+          <a:bodyPr rtlCol="0" anchor="ctr"/>
+          <a:lstStyle/>
+          <a:p>
+            <a:pPr>
+              <a:lnSpc>
+                <a:spcPct val="150000"/>
+              </a:lnSpc>
+            </a:pPr>
+            <a:r>
+              <a:rPr kumimoji="1" lang="zh-CN" altLang="en-US" dirty="0" smtClean="0">
+                <a:latin typeface="SimHei" charset="-122"/>
+                <a:ea typeface="SimHei" charset="-122"/>
+                <a:cs typeface="SimHei" charset="-122"/>
+              </a:rPr>
+              <a:t>  </a:t>
+            </a:r>
+            <a:r>
+              <a:rPr kumimoji="1" lang="zh-CN" altLang="en-US" sz="1400" dirty="0" smtClean="0">
+                <a:latin typeface="SimHei" charset="-122"/>
+                <a:ea typeface="SimHei" charset="-122"/>
+                <a:cs typeface="SimHei" charset="-122"/>
+              </a:rPr>
+              <a:t>初始时为每个多音字标注</a:t>
+            </a:r>
+            <a:r>
+              <a:rPr kumimoji="1" lang="zh-CN" altLang="en-US" sz="1400" dirty="0" smtClean="0">
+                <a:solidFill>
+                  <a:srgbClr val="FF0000"/>
+                </a:solidFill>
+                <a:latin typeface="SimHei" charset="-122"/>
+                <a:ea typeface="SimHei" charset="-122"/>
+                <a:cs typeface="SimHei" charset="-122"/>
+              </a:rPr>
+              <a:t>频率最高</a:t>
+            </a:r>
+            <a:r>
+              <a:rPr kumimoji="1" lang="zh-CN" altLang="en-US" sz="1400" dirty="0" smtClean="0">
+                <a:latin typeface="SimHei" charset="-122"/>
+                <a:ea typeface="SimHei" charset="-122"/>
+                <a:cs typeface="SimHei" charset="-122"/>
+              </a:rPr>
+              <a:t>的读音，如果读音不正确，</a:t>
+            </a:r>
+            <a:r>
+              <a:rPr kumimoji="1" lang="en-US" altLang="zh-CN" sz="1400" dirty="0" smtClean="0">
+                <a:latin typeface="SimHei" charset="-122"/>
+                <a:ea typeface="SimHei" charset="-122"/>
+                <a:cs typeface="SimHei" charset="-122"/>
+              </a:rPr>
+              <a:t>TBL</a:t>
+            </a:r>
+            <a:r>
+              <a:rPr kumimoji="1" lang="zh-CN" altLang="en-US" sz="1400" dirty="0" smtClean="0">
+                <a:latin typeface="SimHei" charset="-122"/>
+                <a:ea typeface="SimHei" charset="-122"/>
+                <a:cs typeface="SimHei" charset="-122"/>
+              </a:rPr>
+              <a:t>会生成一些用于纠错的候选规则，该候选规则在</a:t>
+            </a:r>
+            <a:r>
+              <a:rPr kumimoji="1" lang="zh-CN" altLang="en-US" sz="1400" dirty="0" smtClean="0">
+                <a:solidFill>
+                  <a:srgbClr val="FF0000"/>
+                </a:solidFill>
+                <a:latin typeface="SimHei" charset="-122"/>
+                <a:ea typeface="SimHei" charset="-122"/>
+                <a:cs typeface="SimHei" charset="-122"/>
+              </a:rPr>
+              <a:t>纠正现有样本</a:t>
+            </a:r>
+            <a:r>
+              <a:rPr kumimoji="1" lang="zh-CN" altLang="en-US" sz="1400" dirty="0" smtClean="0">
+                <a:latin typeface="SimHei" charset="-122"/>
+                <a:ea typeface="SimHei" charset="-122"/>
+                <a:cs typeface="SimHei" charset="-122"/>
+              </a:rPr>
+              <a:t>的同时可能</a:t>
+            </a:r>
+            <a:r>
+              <a:rPr kumimoji="1" lang="zh-CN" altLang="en-US" sz="1400" dirty="0" smtClean="0">
+                <a:solidFill>
+                  <a:srgbClr val="FF0000"/>
+                </a:solidFill>
+                <a:latin typeface="SimHei" charset="-122"/>
+                <a:ea typeface="SimHei" charset="-122"/>
+                <a:cs typeface="SimHei" charset="-122"/>
+              </a:rPr>
+              <a:t>改错其他的样本</a:t>
+            </a:r>
+            <a:r>
+              <a:rPr kumimoji="1" lang="zh-CN" altLang="en-US" sz="1400" dirty="0" smtClean="0">
+                <a:latin typeface="SimHei" charset="-122"/>
+                <a:ea typeface="SimHei" charset="-122"/>
+                <a:cs typeface="SimHei" charset="-122"/>
+              </a:rPr>
+              <a:t>，此时需要评分函数来进行判定，选择评分最高的规则输出，作为注音时使用的规则。</a:t>
+            </a:r>
+            <a:endParaRPr kumimoji="1" lang="en-US" altLang="zh-CN" sz="1400" dirty="0">
+              <a:latin typeface="SimHei" charset="-122"/>
+              <a:ea typeface="SimHei" charset="-122"/>
+              <a:cs typeface="SimHei" charset="-122"/>
+            </a:endParaRPr>
+          </a:p>
+          <a:p>
+            <a:pPr>
+              <a:lnSpc>
+                <a:spcPct val="150000"/>
+              </a:lnSpc>
+            </a:pPr>
+            <a:r>
+              <a:rPr kumimoji="1" lang="zh-CN" altLang="en-US" sz="1400" dirty="0" smtClean="0">
+                <a:latin typeface="SimHei" charset="-122"/>
+                <a:ea typeface="SimHei" charset="-122"/>
+                <a:cs typeface="SimHei" charset="-122"/>
+              </a:rPr>
+              <a:t>  可以将决策树产生的规则作为</a:t>
+            </a:r>
+            <a:r>
+              <a:rPr kumimoji="1" lang="en-US" altLang="zh-CN" sz="1400" dirty="0" smtClean="0">
+                <a:latin typeface="SimHei" charset="-122"/>
+                <a:ea typeface="SimHei" charset="-122"/>
+                <a:cs typeface="SimHei" charset="-122"/>
+              </a:rPr>
+              <a:t>TBL</a:t>
+            </a:r>
+            <a:r>
+              <a:rPr kumimoji="1" lang="zh-CN" altLang="en-US" sz="1400" dirty="0" smtClean="0">
+                <a:latin typeface="SimHei" charset="-122"/>
+                <a:ea typeface="SimHei" charset="-122"/>
+                <a:cs typeface="SimHei" charset="-122"/>
+              </a:rPr>
+              <a:t>输入的模板</a:t>
+            </a:r>
+            <a:endParaRPr kumimoji="1" lang="zh-CN" altLang="en-US" sz="1400" dirty="0">
+              <a:latin typeface="SimHei" charset="-122"/>
+              <a:ea typeface="SimHei" charset="-122"/>
+              <a:cs typeface="SimHei" charset="-122"/>
+            </a:endParaRPr>
+          </a:p>
+        </p:txBody>
+      </p:sp>
+      <p:sp>
+        <p:nvSpPr>
+          <p:cNvPr id="7" name="圆角矩形 6"/>
+          <p:cNvSpPr/>
+          <p:nvPr/>
+        </p:nvSpPr>
+        <p:spPr>
+          <a:xfrm>
+            <a:off x="8332549" y="2448909"/>
+            <a:ext cx="2789023" cy="4109545"/>
+          </a:xfrm>
+          <a:prstGeom prst="roundRect">
+            <a:avLst/>
+          </a:prstGeom>
+          <a:ln>
+            <a:solidFill>
+              <a:schemeClr val="accent1"/>
+            </a:solidFill>
+          </a:ln>
+        </p:spPr>
+        <p:style>
+          <a:lnRef idx="2">
+            <a:schemeClr val="accent6"/>
+          </a:lnRef>
+          <a:fillRef idx="1">
+            <a:schemeClr val="lt1"/>
+          </a:fillRef>
+          <a:effectRef idx="0">
+            <a:schemeClr val="accent6"/>
+          </a:effectRef>
+          <a:fontRef idx="minor">
+            <a:schemeClr val="dk1"/>
+          </a:fontRef>
+        </p:style>
+        <p:txBody>
+          <a:bodyPr rtlCol="0" anchor="ctr"/>
+          <a:lstStyle/>
+          <a:p>
+            <a:pPr>
+              <a:lnSpc>
+                <a:spcPct val="150000"/>
+              </a:lnSpc>
+            </a:pPr>
+            <a:r>
+              <a:rPr kumimoji="1" lang="zh-CN" altLang="en-US" dirty="0" smtClean="0">
+                <a:latin typeface="SimHei" charset="-122"/>
+                <a:ea typeface="SimHei" charset="-122"/>
+                <a:cs typeface="SimHei" charset="-122"/>
+              </a:rPr>
+              <a:t>  将消岐问题看做是某个</a:t>
+            </a:r>
+            <a:r>
+              <a:rPr kumimoji="1" lang="zh-CN" altLang="en-US" dirty="0" smtClean="0">
+                <a:solidFill>
+                  <a:srgbClr val="FF0000"/>
+                </a:solidFill>
+                <a:latin typeface="SimHei" charset="-122"/>
+                <a:ea typeface="SimHei" charset="-122"/>
+                <a:cs typeface="SimHei" charset="-122"/>
+              </a:rPr>
+              <a:t>读音</a:t>
+            </a:r>
+            <a:r>
+              <a:rPr kumimoji="1" lang="en-US" altLang="zh-CN" dirty="0" smtClean="0">
+                <a:solidFill>
+                  <a:srgbClr val="FF0000"/>
+                </a:solidFill>
+                <a:latin typeface="SimHei" charset="-122"/>
+                <a:ea typeface="SimHei" charset="-122"/>
+                <a:cs typeface="SimHei" charset="-122"/>
+              </a:rPr>
+              <a:t>y</a:t>
+            </a:r>
+            <a:r>
+              <a:rPr kumimoji="1" lang="zh-CN" altLang="en-US" dirty="0" smtClean="0">
+                <a:solidFill>
+                  <a:srgbClr val="FF0000"/>
+                </a:solidFill>
+                <a:latin typeface="SimHei" charset="-122"/>
+                <a:ea typeface="SimHei" charset="-122"/>
+                <a:cs typeface="SimHei" charset="-122"/>
+              </a:rPr>
+              <a:t>在上下文</a:t>
+            </a:r>
+            <a:r>
+              <a:rPr kumimoji="1" lang="en-US" altLang="zh-CN" dirty="0" smtClean="0">
+                <a:solidFill>
+                  <a:srgbClr val="FF0000"/>
+                </a:solidFill>
+                <a:latin typeface="SimHei" charset="-122"/>
+                <a:ea typeface="SimHei" charset="-122"/>
+                <a:cs typeface="SimHei" charset="-122"/>
+              </a:rPr>
+              <a:t>x</a:t>
+            </a:r>
+            <a:r>
+              <a:rPr kumimoji="1" lang="zh-CN" altLang="en-US" dirty="0" smtClean="0">
+                <a:solidFill>
+                  <a:srgbClr val="FF0000"/>
+                </a:solidFill>
+                <a:latin typeface="SimHei" charset="-122"/>
+                <a:ea typeface="SimHei" charset="-122"/>
+                <a:cs typeface="SimHei" charset="-122"/>
+              </a:rPr>
+              <a:t>中</a:t>
+            </a:r>
+            <a:r>
+              <a:rPr kumimoji="1" lang="zh-CN" altLang="en-US" dirty="0" smtClean="0">
+                <a:latin typeface="SimHei" charset="-122"/>
+                <a:ea typeface="SimHei" charset="-122"/>
+                <a:cs typeface="SimHei" charset="-122"/>
+              </a:rPr>
+              <a:t>的发生概率</a:t>
+            </a:r>
+            <a:endParaRPr kumimoji="1" lang="en-US" altLang="zh-CN" dirty="0" smtClean="0">
+              <a:latin typeface="SimHei" charset="-122"/>
+              <a:ea typeface="SimHei" charset="-122"/>
+              <a:cs typeface="SimHei" charset="-122"/>
+            </a:endParaRPr>
+          </a:p>
+          <a:p>
+            <a:pPr>
+              <a:lnSpc>
+                <a:spcPct val="150000"/>
+              </a:lnSpc>
+            </a:pPr>
+            <a:r>
+              <a:rPr kumimoji="1" lang="zh-CN" altLang="en-US" dirty="0" smtClean="0">
+                <a:latin typeface="SimHei" charset="-122"/>
+                <a:ea typeface="SimHei" charset="-122"/>
+                <a:cs typeface="SimHei" charset="-122"/>
+              </a:rPr>
+              <a:t>  在估算概率分布时，所有特征组成一个集合，用特定公式计算出熵，选择熵最大的概率分布</a:t>
+            </a:r>
+            <a:endParaRPr kumimoji="1" lang="en-US" altLang="zh-CN" dirty="0" smtClean="0">
+              <a:latin typeface="SimHei" charset="-122"/>
+              <a:ea typeface="SimHei" charset="-122"/>
+              <a:cs typeface="SimHei" charset="-122"/>
+            </a:endParaRPr>
+          </a:p>
+          <a:p>
+            <a:pPr>
+              <a:lnSpc>
+                <a:spcPct val="150000"/>
+              </a:lnSpc>
+            </a:pPr>
+            <a:r>
+              <a:rPr kumimoji="1" lang="zh-CN" altLang="en-US" dirty="0" smtClean="0">
+                <a:latin typeface="SimHei" charset="-122"/>
+                <a:ea typeface="SimHei" charset="-122"/>
+                <a:cs typeface="SimHei" charset="-122"/>
+              </a:rPr>
+              <a:t>  可被看做一个带权重的规则系统</a:t>
+            </a:r>
+            <a:endParaRPr kumimoji="1" lang="zh-CN" altLang="en-US" dirty="0">
+              <a:latin typeface="SimHei" charset="-122"/>
+              <a:ea typeface="SimHei" charset="-122"/>
+              <a:cs typeface="SimHei" charset="-122"/>
+            </a:endParaRPr>
+          </a:p>
+        </p:txBody>
+      </p:sp>
+      <p:sp>
+        <p:nvSpPr>
+          <p:cNvPr id="8" name="矩形 7"/>
+          <p:cNvSpPr/>
+          <p:nvPr/>
+        </p:nvSpPr>
+        <p:spPr>
+          <a:xfrm>
+            <a:off x="1331222" y="2224803"/>
+            <a:ext cx="1524000" cy="486864"/>
+          </a:xfrm>
+          <a:prstGeom prst="rect">
+            <a:avLst/>
+          </a:prstGeom>
+        </p:spPr>
+        <p:style>
+          <a:lnRef idx="2">
+            <a:schemeClr val="accent1">
+              <a:shade val="50000"/>
+            </a:schemeClr>
+          </a:lnRef>
+          <a:fillRef idx="1">
+            <a:schemeClr val="accent1"/>
+          </a:fillRef>
+          <a:effectRef idx="0">
+            <a:schemeClr val="accent1"/>
+          </a:effectRef>
+          <a:fontRef idx="minor">
+            <a:schemeClr val="lt1"/>
+          </a:fontRef>
+        </p:style>
+        <p:txBody>
+          <a:bodyPr rtlCol="0" anchor="ctr"/>
+          <a:lstStyle/>
+          <a:p>
+            <a:pPr algn="ctr"/>
+            <a:r>
+              <a:rPr kumimoji="1" lang="zh-CN" altLang="en-US" dirty="0" smtClean="0">
+                <a:latin typeface="SimHei" charset="-122"/>
+                <a:ea typeface="SimHei" charset="-122"/>
+                <a:cs typeface="SimHei" charset="-122"/>
+              </a:rPr>
+              <a:t>决策树法</a:t>
+            </a:r>
+            <a:endParaRPr kumimoji="1" lang="zh-CN" altLang="en-US" dirty="0">
+              <a:latin typeface="SimHei" charset="-122"/>
+              <a:ea typeface="SimHei" charset="-122"/>
+              <a:cs typeface="SimHei" charset="-122"/>
+            </a:endParaRPr>
+          </a:p>
+        </p:txBody>
+      </p:sp>
+      <p:sp>
+        <p:nvSpPr>
+          <p:cNvPr id="9" name="矩形 8"/>
+          <p:cNvSpPr/>
+          <p:nvPr/>
+        </p:nvSpPr>
+        <p:spPr>
+          <a:xfrm>
+            <a:off x="5148141" y="2205477"/>
+            <a:ext cx="1524000" cy="486864"/>
+          </a:xfrm>
+          <a:prstGeom prst="rect">
+            <a:avLst/>
+          </a:prstGeom>
+        </p:spPr>
+        <p:style>
+          <a:lnRef idx="2">
+            <a:schemeClr val="accent1">
+              <a:shade val="50000"/>
+            </a:schemeClr>
+          </a:lnRef>
+          <a:fillRef idx="1">
+            <a:schemeClr val="accent1"/>
+          </a:fillRef>
+          <a:effectRef idx="0">
+            <a:schemeClr val="accent1"/>
+          </a:effectRef>
+          <a:fontRef idx="minor">
+            <a:schemeClr val="lt1"/>
+          </a:fontRef>
+        </p:style>
+        <p:txBody>
+          <a:bodyPr rtlCol="0" anchor="ctr"/>
+          <a:lstStyle/>
+          <a:p>
+            <a:pPr algn="ctr"/>
+            <a:r>
+              <a:rPr kumimoji="1" lang="en-US" altLang="zh-CN" dirty="0" smtClean="0">
+                <a:latin typeface="SimHei" charset="-122"/>
+                <a:ea typeface="SimHei" charset="-122"/>
+                <a:cs typeface="SimHei" charset="-122"/>
+              </a:rPr>
+              <a:t>TBL</a:t>
+            </a:r>
+            <a:r>
+              <a:rPr kumimoji="1" lang="zh-CN" altLang="en-US" dirty="0" smtClean="0">
+                <a:latin typeface="SimHei" charset="-122"/>
+                <a:ea typeface="SimHei" charset="-122"/>
+                <a:cs typeface="SimHei" charset="-122"/>
+              </a:rPr>
+              <a:t>法</a:t>
+            </a:r>
+            <a:endParaRPr kumimoji="1" lang="zh-CN" altLang="en-US" dirty="0">
+              <a:latin typeface="SimHei" charset="-122"/>
+              <a:ea typeface="SimHei" charset="-122"/>
+              <a:cs typeface="SimHei" charset="-122"/>
+            </a:endParaRPr>
+          </a:p>
+        </p:txBody>
+      </p:sp>
+      <p:sp>
+        <p:nvSpPr>
+          <p:cNvPr id="10" name="矩形 9"/>
+          <p:cNvSpPr/>
+          <p:nvPr/>
+        </p:nvSpPr>
+        <p:spPr>
+          <a:xfrm>
+            <a:off x="8965060" y="2224803"/>
+            <a:ext cx="1569858" cy="486864"/>
+          </a:xfrm>
+          <a:prstGeom prst="rect">
+            <a:avLst/>
+          </a:prstGeom>
+        </p:spPr>
+        <p:style>
+          <a:lnRef idx="2">
+            <a:schemeClr val="accent1">
+              <a:shade val="50000"/>
+            </a:schemeClr>
+          </a:lnRef>
+          <a:fillRef idx="1">
+            <a:schemeClr val="accent1"/>
+          </a:fillRef>
+          <a:effectRef idx="0">
+            <a:schemeClr val="accent1"/>
+          </a:effectRef>
+          <a:fontRef idx="minor">
+            <a:schemeClr val="lt1"/>
+          </a:fontRef>
+        </p:style>
+        <p:txBody>
+          <a:bodyPr rtlCol="0" anchor="ctr"/>
+          <a:lstStyle/>
+          <a:p>
+            <a:pPr algn="ctr"/>
+            <a:r>
+              <a:rPr kumimoji="1" lang="zh-CN" altLang="en-US" dirty="0" smtClean="0">
+                <a:latin typeface="SimHei" charset="-122"/>
+                <a:ea typeface="SimHei" charset="-122"/>
+                <a:cs typeface="SimHei" charset="-122"/>
+              </a:rPr>
+              <a:t>最大熵模型法</a:t>
+            </a:r>
+            <a:endParaRPr kumimoji="1" lang="zh-CN" altLang="en-US" dirty="0">
+              <a:latin typeface="SimHei" charset="-122"/>
+              <a:ea typeface="SimHei" charset="-122"/>
+              <a:cs typeface="SimHei" charset="-122"/>
+            </a:endParaRPr>
+          </a:p>
+        </p:txBody>
+      </p:sp>
+      <p:sp>
+        <p:nvSpPr>
+          <p:cNvPr id="12" name="矩形标注 11"/>
+          <p:cNvSpPr/>
+          <p:nvPr/>
+        </p:nvSpPr>
+        <p:spPr>
+          <a:xfrm>
+            <a:off x="4875083" y="687581"/>
+            <a:ext cx="3163614" cy="851754"/>
+          </a:xfrm>
+          <a:prstGeom prst="wedgeRectCallout">
+            <a:avLst/>
+          </a:prstGeom>
+          <a:ln>
+            <a:solidFill>
+              <a:schemeClr val="accent1"/>
+            </a:solidFill>
+          </a:ln>
+        </p:spPr>
+        <p:style>
+          <a:lnRef idx="2">
+            <a:schemeClr val="accent6"/>
+          </a:lnRef>
+          <a:fillRef idx="1">
+            <a:schemeClr val="lt1"/>
+          </a:fillRef>
+          <a:effectRef idx="0">
+            <a:schemeClr val="accent6"/>
+          </a:effectRef>
+          <a:fontRef idx="minor">
+            <a:schemeClr val="dk1"/>
+          </a:fontRef>
+        </p:style>
+        <p:txBody>
+          <a:bodyPr rtlCol="0" anchor="ctr"/>
+          <a:lstStyle/>
+          <a:p>
+            <a:pPr algn="ctr"/>
+            <a:r>
+              <a:rPr kumimoji="1" lang="zh-CN" altLang="en-US" dirty="0" smtClean="0">
+                <a:latin typeface="SimHei" charset="-122"/>
+                <a:ea typeface="SimHei" charset="-122"/>
+                <a:cs typeface="SimHei" charset="-122"/>
+              </a:rPr>
+              <a:t>准确率依次递增</a:t>
+            </a:r>
+            <a:endParaRPr kumimoji="1" lang="zh-CN" altLang="en-US" dirty="0">
+              <a:latin typeface="SimHei" charset="-122"/>
+              <a:ea typeface="SimHei" charset="-122"/>
+              <a:cs typeface="SimHei" charset="-122"/>
+            </a:endParaRPr>
+          </a:p>
+        </p:txBody>
+      </p:sp>
+    </p:spTree>
+    <p:extLst>
+      <p:ext uri="{BB962C8B-B14F-4D97-AF65-F5344CB8AC3E}">
+        <p14:creationId xmlns:p14="http://schemas.microsoft.com/office/powerpoint/2010/main" val="933220815"/>
+      </p:ext>
+    </p:extLst>
+  </p:cSld>
+  <p:clrMapOvr>
+    <a:masterClrMapping/>
+  </p:clrMapOvr>
+  <p:timing>
+    <p:tnLst>
+      <p:par>
+        <p:cTn id="1" dur="indefinite" restart="never" nodeType="tmRoot">
+          <p:childTnLst>
+            <p:seq concurrent="1" nextAc="seek">
+              <p:cTn id="2" dur="indefinite" nodeType="mainSeq">
+                <p:childTnLst>
+                  <p:par>
+                    <p:cTn id="3" fill="hold">
+                      <p:stCondLst>
+                        <p:cond delay="indefinite"/>
+                      </p:stCondLst>
+                      <p:childTnLst>
+                        <p:par>
+                          <p:cTn id="4" fill="hold">
+                            <p:stCondLst>
+                              <p:cond delay="0"/>
+                            </p:stCondLst>
+                            <p:childTnLst>
+                              <p:par>
+                                <p:cTn id="5" presetID="1" presetClass="entr" presetSubtype="0" fill="hold" grpId="0" nodeType="clickEffect">
+                                  <p:stCondLst>
+                                    <p:cond delay="0"/>
+                                  </p:stCondLst>
+                                  <p:childTnLst>
+                                    <p:set>
+                                      <p:cBhvr>
+                                        <p:cTn id="6" dur="1" fill="hold">
+                                          <p:stCondLst>
+                                            <p:cond delay="0"/>
+                                          </p:stCondLst>
+                                        </p:cTn>
+                                        <p:tgtEl>
+                                          <p:spTgt spid="8"/>
+                                        </p:tgtEl>
+                                        <p:attrNameLst>
+                                          <p:attrName>style.visibility</p:attrName>
+                                        </p:attrNameLst>
+                                      </p:cBhvr>
+                                      <p:to>
+                                        <p:strVal val="visible"/>
+                                      </p:to>
+                                    </p:set>
+                                  </p:childTnLst>
+                                </p:cTn>
+                              </p:par>
+                              <p:par>
+                                <p:cTn id="7" presetID="1" presetClass="entr" presetSubtype="0" fill="hold" grpId="0" nodeType="withEffect">
+                                  <p:stCondLst>
+                                    <p:cond delay="0"/>
+                                  </p:stCondLst>
+                                  <p:childTnLst>
+                                    <p:set>
+                                      <p:cBhvr>
+                                        <p:cTn id="8" dur="1" fill="hold">
+                                          <p:stCondLst>
+                                            <p:cond delay="0"/>
+                                          </p:stCondLst>
+                                        </p:cTn>
+                                        <p:tgtEl>
+                                          <p:spTgt spid="5"/>
+                                        </p:tgtEl>
+                                        <p:attrNameLst>
+                                          <p:attrName>style.visibility</p:attrName>
+                                        </p:attrNameLst>
+                                      </p:cBhvr>
+                                      <p:to>
+                                        <p:strVal val="visible"/>
+                                      </p:to>
+                                    </p:set>
+                                  </p:childTnLst>
+                                </p:cTn>
+                              </p:par>
+                            </p:childTnLst>
+                          </p:cTn>
+                        </p:par>
+                      </p:childTnLst>
+                    </p:cTn>
+                  </p:par>
+                  <p:par>
+                    <p:cTn id="9" fill="hold">
+                      <p:stCondLst>
+                        <p:cond delay="indefinite"/>
+                      </p:stCondLst>
+                      <p:childTnLst>
+                        <p:par>
+                          <p:cTn id="10" fill="hold">
+                            <p:stCondLst>
+                              <p:cond delay="0"/>
+                            </p:stCondLst>
+                            <p:childTnLst>
+                              <p:par>
+                                <p:cTn id="11" presetID="1" presetClass="entr" presetSubtype="0" fill="hold" grpId="0" nodeType="clickEffect">
+                                  <p:stCondLst>
+                                    <p:cond delay="0"/>
+                                  </p:stCondLst>
+                                  <p:childTnLst>
+                                    <p:set>
+                                      <p:cBhvr>
+                                        <p:cTn id="12" dur="1" fill="hold">
+                                          <p:stCondLst>
+                                            <p:cond delay="0"/>
+                                          </p:stCondLst>
+                                        </p:cTn>
+                                        <p:tgtEl>
+                                          <p:spTgt spid="9"/>
+                                        </p:tgtEl>
+                                        <p:attrNameLst>
+                                          <p:attrName>style.visibility</p:attrName>
+                                        </p:attrNameLst>
+                                      </p:cBhvr>
+                                      <p:to>
+                                        <p:strVal val="visible"/>
+                                      </p:to>
+                                    </p:set>
+                                  </p:childTnLst>
+                                </p:cTn>
+                              </p:par>
+                              <p:par>
+                                <p:cTn id="13" presetID="1" presetClass="entr" presetSubtype="0" fill="hold" grpId="0" nodeType="withEffect">
+                                  <p:stCondLst>
+                                    <p:cond delay="0"/>
+                                  </p:stCondLst>
+                                  <p:childTnLst>
+                                    <p:set>
+                                      <p:cBhvr>
+                                        <p:cTn id="14" dur="1" fill="hold">
+                                          <p:stCondLst>
+                                            <p:cond delay="0"/>
+                                          </p:stCondLst>
+                                        </p:cTn>
+                                        <p:tgtEl>
+                                          <p:spTgt spid="6"/>
+                                        </p:tgtEl>
+                                        <p:attrNameLst>
+                                          <p:attrName>style.visibility</p:attrName>
+                                        </p:attrNameLst>
+                                      </p:cBhvr>
+                                      <p:to>
+                                        <p:strVal val="visible"/>
+                                      </p:to>
+                                    </p:set>
+                                  </p:childTnLst>
+                                </p:cTn>
+                              </p:par>
+                            </p:childTnLst>
+                          </p:cTn>
+                        </p:par>
+                      </p:childTnLst>
+                    </p:cTn>
+                  </p:par>
+                  <p:par>
+                    <p:cTn id="15" fill="hold">
+                      <p:stCondLst>
+                        <p:cond delay="indefinite"/>
+                      </p:stCondLst>
+                      <p:childTnLst>
+                        <p:par>
+                          <p:cTn id="16" fill="hold">
+                            <p:stCondLst>
+                              <p:cond delay="0"/>
+                            </p:stCondLst>
+                            <p:childTnLst>
+                              <p:par>
+                                <p:cTn id="17" presetID="1" presetClass="entr" presetSubtype="0" fill="hold" grpId="0" nodeType="clickEffect">
+                                  <p:stCondLst>
+                                    <p:cond delay="0"/>
+                                  </p:stCondLst>
+                                  <p:childTnLst>
+                                    <p:set>
+                                      <p:cBhvr>
+                                        <p:cTn id="18" dur="1" fill="hold">
+                                          <p:stCondLst>
+                                            <p:cond delay="0"/>
+                                          </p:stCondLst>
+                                        </p:cTn>
+                                        <p:tgtEl>
+                                          <p:spTgt spid="10"/>
+                                        </p:tgtEl>
+                                        <p:attrNameLst>
+                                          <p:attrName>style.visibility</p:attrName>
+                                        </p:attrNameLst>
+                                      </p:cBhvr>
+                                      <p:to>
+                                        <p:strVal val="visible"/>
+                                      </p:to>
+                                    </p:set>
+                                  </p:childTnLst>
+                                </p:cTn>
+                              </p:par>
+                              <p:par>
+                                <p:cTn id="19" presetID="1" presetClass="entr" presetSubtype="0" fill="hold" grpId="0" nodeType="withEffect">
+                                  <p:stCondLst>
+                                    <p:cond delay="0"/>
+                                  </p:stCondLst>
+                                  <p:childTnLst>
+                                    <p:set>
+                                      <p:cBhvr>
+                                        <p:cTn id="20" dur="1" fill="hold">
+                                          <p:stCondLst>
+                                            <p:cond delay="0"/>
+                                          </p:stCondLst>
+                                        </p:cTn>
+                                        <p:tgtEl>
+                                          <p:spTgt spid="7"/>
+                                        </p:tgtEl>
+                                        <p:attrNameLst>
+                                          <p:attrName>style.visibility</p:attrName>
+                                        </p:attrNameLst>
+                                      </p:cBhvr>
+                                      <p:to>
+                                        <p:strVal val="visible"/>
+                                      </p:to>
+                                    </p:set>
+                                  </p:childTnLst>
+                                </p:cTn>
+                              </p:par>
+                            </p:childTnLst>
+                          </p:cTn>
+                        </p:par>
+                      </p:childTnLst>
+                    </p:cTn>
+                  </p:par>
+                  <p:par>
+                    <p:cTn id="21" fill="hold">
+                      <p:stCondLst>
+                        <p:cond delay="indefinite"/>
+                      </p:stCondLst>
+                      <p:childTnLst>
+                        <p:par>
+                          <p:cTn id="22" fill="hold">
+                            <p:stCondLst>
+                              <p:cond delay="0"/>
+                            </p:stCondLst>
+                            <p:childTnLst>
+                              <p:par>
+                                <p:cTn id="23" presetID="1" presetClass="entr" presetSubtype="0" fill="hold" grpId="0" nodeType="clickEffect">
+                                  <p:stCondLst>
+                                    <p:cond delay="0"/>
+                                  </p:stCondLst>
+                                  <p:childTnLst>
+                                    <p:set>
+                                      <p:cBhvr>
+                                        <p:cTn id="24" dur="1" fill="hold">
+                                          <p:stCondLst>
+                                            <p:cond delay="0"/>
+                                          </p:stCondLst>
+                                        </p:cTn>
+                                        <p:tgtEl>
+                                          <p:spTgt spid="12"/>
+                                        </p:tgtEl>
+                                        <p:attrNameLst>
+                                          <p:attrName>style.visibility</p:attrName>
+                                        </p:attrNameLst>
+                                      </p:cBhvr>
+                                      <p:to>
+                                        <p:strVal val="visible"/>
+                                      </p:to>
+                                    </p:set>
+                                  </p:childTnLst>
+                                </p:cTn>
+                              </p:par>
+                            </p:childTnLst>
+                          </p:cTn>
+                        </p:par>
+                      </p:childTnLst>
+                    </p:cTn>
+                  </p:par>
+                </p:childTnLst>
+              </p:cTn>
+              <p:prevCondLst>
+                <p:cond evt="onPrev" delay="0">
+                  <p:tgtEl>
+                    <p:sldTgt/>
+                  </p:tgtEl>
+                </p:cond>
+              </p:prevCondLst>
+              <p:nextCondLst>
+                <p:cond evt="onNext" delay="0">
+                  <p:tgtEl>
+                    <p:sldTgt/>
+                  </p:tgtEl>
+                </p:cond>
+              </p:nextCondLst>
+            </p:seq>
+          </p:childTnLst>
+        </p:cTn>
+      </p:par>
+    </p:tnLst>
+    <p:bldLst>
+      <p:bldP spid="5" grpId="0" animBg="1"/>
+      <p:bldP spid="6" grpId="0" animBg="1"/>
+      <p:bldP spid="7" grpId="0" animBg="1"/>
+      <p:bldP spid="8" grpId="0" animBg="1"/>
+      <p:bldP spid="9" grpId="0" animBg="1"/>
+      <p:bldP spid="10" grpId="0" animBg="1"/>
+      <p:bldP spid="12" grpId="0" animBg="1"/>
+    </p:bldLst>
+  </p:timing>
+</p:sld>
+</file>
+
+<file path=ppt/slides/slide6.xml><?xml version="1.0" encoding="utf-8"?>
+<p:sld xmlns:a="http://schemas.openxmlformats.org/drawingml/2006/main" xmlns:r="http://schemas.openxmlformats.org/officeDocument/2006/relationships" xmlns:p="http://schemas.openxmlformats.org/presentationml/2006/main">
+  <p:cSld>
+    <p:spTree>
+      <p:nvGrpSpPr>
+        <p:cNvPr id="1" name=""/>
+        <p:cNvGrpSpPr/>
+        <p:nvPr/>
+      </p:nvGrpSpPr>
+      <p:grpSpPr>
+        <a:xfrm>
+          <a:off x="0" y="0"/>
+          <a:ext cx="0" cy="0"/>
+          <a:chOff x="0" y="0"/>
+          <a:chExt cx="0" cy="0"/>
+        </a:xfrm>
+      </p:grpSpPr>
+      <p:sp>
+        <p:nvSpPr>
+          <p:cNvPr id="2" name="矩形 1"/>
+          <p:cNvSpPr/>
+          <p:nvPr/>
+        </p:nvSpPr>
+        <p:spPr>
+          <a:xfrm>
+            <a:off x="136151" y="136151"/>
+            <a:ext cx="3561790" cy="751356"/>
+          </a:xfrm>
+          <a:prstGeom prst="rect">
+            <a:avLst/>
+          </a:prstGeom>
+        </p:spPr>
+        <p:style>
+          <a:lnRef idx="2">
+            <a:schemeClr val="accent1">
+              <a:shade val="50000"/>
+            </a:schemeClr>
+          </a:lnRef>
+          <a:fillRef idx="1">
+            <a:schemeClr val="accent1"/>
+          </a:fillRef>
+          <a:effectRef idx="0">
+            <a:schemeClr val="accent1"/>
+          </a:effectRef>
+          <a:fontRef idx="minor">
+            <a:schemeClr val="lt1"/>
+          </a:fontRef>
+        </p:style>
+        <p:txBody>
+          <a:bodyPr rtlCol="0" anchor="ctr"/>
+          <a:lstStyle/>
+          <a:p>
+            <a:pPr algn="ctr"/>
+            <a:r>
+              <a:rPr kumimoji="1" lang="en-US" altLang="zh-CN" sz="4000" dirty="0" smtClean="0">
+                <a:latin typeface="SimHei" charset="-122"/>
+                <a:ea typeface="SimHei" charset="-122"/>
+                <a:cs typeface="SimHei" charset="-122"/>
+              </a:rPr>
+              <a:t>2</a:t>
+            </a:r>
+            <a:r>
+              <a:rPr kumimoji="1" lang="en-US" altLang="zh-CN" sz="4000" dirty="0">
+                <a:latin typeface="SimHei" charset="-122"/>
+                <a:ea typeface="SimHei" charset="-122"/>
+                <a:cs typeface="SimHei" charset="-122"/>
+              </a:rPr>
+              <a:t> </a:t>
+            </a:r>
+            <a:r>
+              <a:rPr kumimoji="1" lang="zh-CN" altLang="en-US" sz="4000" dirty="0" smtClean="0">
+                <a:latin typeface="SimHei" charset="-122"/>
+                <a:ea typeface="SimHei" charset="-122"/>
+                <a:cs typeface="SimHei" charset="-122"/>
+              </a:rPr>
+              <a:t>方法描述</a:t>
+            </a:r>
+            <a:endParaRPr kumimoji="1" lang="zh-CN" altLang="en-US" sz="4000" dirty="0">
+              <a:latin typeface="SimHei" charset="-122"/>
+              <a:ea typeface="SimHei" charset="-122"/>
+              <a:cs typeface="SimHei" charset="-122"/>
+            </a:endParaRPr>
+          </a:p>
+        </p:txBody>
+      </p:sp>
+      <p:sp>
+        <p:nvSpPr>
+          <p:cNvPr id="3" name="文本框 2"/>
+          <p:cNvSpPr txBox="1"/>
+          <p:nvPr/>
+        </p:nvSpPr>
+        <p:spPr>
+          <a:xfrm>
+            <a:off x="908918" y="1076276"/>
+            <a:ext cx="3877985" cy="584775"/>
+          </a:xfrm>
+          <a:prstGeom prst="rect">
+            <a:avLst/>
+          </a:prstGeom>
+          <a:noFill/>
+        </p:spPr>
+        <p:txBody>
+          <a:bodyPr wrap="none" rtlCol="0">
+            <a:spAutoFit/>
+          </a:bodyPr>
+          <a:lstStyle/>
+          <a:p>
+            <a:r>
+              <a:rPr kumimoji="1" lang="zh-CN" altLang="en-US" sz="3200" dirty="0" smtClean="0">
+                <a:latin typeface="SimHei" charset="-122"/>
+                <a:ea typeface="SimHei" charset="-122"/>
+                <a:cs typeface="SimHei" charset="-122"/>
+              </a:rPr>
+              <a:t>基于神经网络的方法</a:t>
+            </a:r>
+            <a:endParaRPr kumimoji="1" lang="zh-CN" altLang="en-US" sz="3200" dirty="0">
+              <a:latin typeface="SimHei" charset="-122"/>
+              <a:ea typeface="SimHei" charset="-122"/>
+              <a:cs typeface="SimHei" charset="-122"/>
+            </a:endParaRPr>
+          </a:p>
+        </p:txBody>
+      </p:sp>
+      <p:cxnSp>
+        <p:nvCxnSpPr>
+          <p:cNvPr id="4" name="直线连接符 3"/>
+          <p:cNvCxnSpPr/>
+          <p:nvPr/>
+        </p:nvCxnSpPr>
+        <p:spPr>
+          <a:xfrm>
+            <a:off x="0" y="1661051"/>
+            <a:ext cx="5675586" cy="0"/>
+          </a:xfrm>
+          <a:prstGeom prst="line">
+            <a:avLst/>
+          </a:prstGeom>
+        </p:spPr>
+        <p:style>
+          <a:lnRef idx="1">
+            <a:schemeClr val="accent1"/>
+          </a:lnRef>
+          <a:fillRef idx="0">
+            <a:schemeClr val="accent1"/>
+          </a:fillRef>
+          <a:effectRef idx="0">
+            <a:schemeClr val="accent1"/>
+          </a:effectRef>
+          <a:fontRef idx="minor">
+            <a:schemeClr val="tx1"/>
+          </a:fontRef>
+        </p:style>
+      </p:cxnSp>
+      <p:sp>
+        <p:nvSpPr>
+          <p:cNvPr id="8" name="文本框 7"/>
+          <p:cNvSpPr txBox="1"/>
+          <p:nvPr/>
+        </p:nvSpPr>
+        <p:spPr>
+          <a:xfrm>
+            <a:off x="387846" y="3047555"/>
+            <a:ext cx="6894786" cy="1477328"/>
+          </a:xfrm>
+          <a:prstGeom prst="rect">
+            <a:avLst/>
+          </a:prstGeom>
+          <a:noFill/>
+        </p:spPr>
+        <p:txBody>
+          <a:bodyPr wrap="square" rtlCol="0">
+            <a:spAutoFit/>
+          </a:bodyPr>
+          <a:lstStyle/>
+          <a:p>
+            <a:pPr marL="285750" indent="-285750">
+              <a:buFont typeface="Arial" charset="0"/>
+              <a:buChar char="•"/>
+            </a:pPr>
+            <a:r>
+              <a:rPr kumimoji="1" lang="zh-CN" altLang="en-US" sz="3600" dirty="0" smtClean="0">
+                <a:latin typeface="SimHei" charset="-122"/>
+                <a:ea typeface="SimHei" charset="-122"/>
+                <a:cs typeface="SimHei" charset="-122"/>
+              </a:rPr>
+              <a:t>循环神经网络</a:t>
+            </a:r>
+            <a:r>
+              <a:rPr kumimoji="1" lang="en-US" altLang="zh-CN" sz="3600" dirty="0" smtClean="0">
+                <a:latin typeface="SimHei" charset="-122"/>
+                <a:ea typeface="SimHei" charset="-122"/>
+                <a:cs typeface="SimHei" charset="-122"/>
+              </a:rPr>
+              <a:t>(RNN)</a:t>
+            </a:r>
+          </a:p>
+          <a:p>
+            <a:r>
+              <a:rPr kumimoji="1" lang="en-US" altLang="zh-CN" dirty="0"/>
+              <a:t>	</a:t>
+            </a:r>
+            <a:endParaRPr kumimoji="1" lang="en-US" altLang="zh-CN" dirty="0" smtClean="0"/>
+          </a:p>
+          <a:p>
+            <a:endParaRPr kumimoji="1" lang="en-US" altLang="zh-CN" dirty="0"/>
+          </a:p>
+          <a:p>
+            <a:r>
+              <a:rPr kumimoji="1" lang="zh-CN" altLang="en-US" dirty="0" smtClean="0">
+                <a:latin typeface="SimHei" charset="-122"/>
+                <a:ea typeface="SimHei" charset="-122"/>
+                <a:cs typeface="SimHei" charset="-122"/>
+              </a:rPr>
+              <a:t>用于处理序列数据，能处理序列变化的数据</a:t>
+            </a:r>
+            <a:endParaRPr kumimoji="1" lang="zh-CN" altLang="en-US" dirty="0">
+              <a:latin typeface="SimHei" charset="-122"/>
+              <a:ea typeface="SimHei" charset="-122"/>
+              <a:cs typeface="SimHei" charset="-122"/>
+            </a:endParaRPr>
+          </a:p>
+        </p:txBody>
+      </p:sp>
+      <p:pic>
+        <p:nvPicPr>
+          <p:cNvPr id="9" name="图片 8"/>
+          <p:cNvPicPr>
+            <a:picLocks noChangeAspect="1"/>
+          </p:cNvPicPr>
+          <p:nvPr/>
+        </p:nvPicPr>
+        <p:blipFill>
+          <a:blip r:embed="rId2">
+            <a:extLst>
+              <a:ext uri="{28A0092B-C50C-407E-A947-70E740481C1C}">
+                <a14:useLocalDpi xmlns:a14="http://schemas.microsoft.com/office/drawing/2010/main" val="0"/>
+              </a:ext>
+            </a:extLst>
+          </a:blip>
+          <a:stretch>
+            <a:fillRect/>
+          </a:stretch>
+        </p:blipFill>
+        <p:spPr>
+          <a:xfrm>
+            <a:off x="5924212" y="1450428"/>
+            <a:ext cx="4662874" cy="3478924"/>
+          </a:xfrm>
+          <a:prstGeom prst="rect">
+            <a:avLst/>
+          </a:prstGeom>
+        </p:spPr>
+      </p:pic>
+      <p:sp>
+        <p:nvSpPr>
+          <p:cNvPr id="11" name="文本框 10"/>
+          <p:cNvSpPr txBox="1"/>
+          <p:nvPr/>
+        </p:nvSpPr>
+        <p:spPr>
+          <a:xfrm>
+            <a:off x="6355136" y="5016540"/>
+            <a:ext cx="5111650" cy="1273875"/>
+          </a:xfrm>
+          <a:prstGeom prst="rect">
+            <a:avLst/>
+          </a:prstGeom>
+          <a:noFill/>
+        </p:spPr>
+        <p:txBody>
+          <a:bodyPr wrap="square" rtlCol="0">
+            <a:spAutoFit/>
+          </a:bodyPr>
+          <a:lstStyle/>
+          <a:p>
+            <a:pPr>
+              <a:lnSpc>
+                <a:spcPct val="150000"/>
+              </a:lnSpc>
+            </a:pPr>
+            <a:r>
+              <a:rPr kumimoji="1" lang="en-US" altLang="zh-CN" dirty="0" smtClean="0">
+                <a:latin typeface="SimHei" charset="-122"/>
+                <a:ea typeface="SimHei" charset="-122"/>
+                <a:cs typeface="SimHei" charset="-122"/>
+              </a:rPr>
+              <a:t>x</a:t>
+            </a:r>
+            <a:r>
+              <a:rPr kumimoji="1" lang="zh-CN" altLang="en-US" dirty="0" smtClean="0">
+                <a:latin typeface="SimHei" charset="-122"/>
+                <a:ea typeface="SimHei" charset="-122"/>
+                <a:cs typeface="SimHei" charset="-122"/>
+              </a:rPr>
+              <a:t>为输入</a:t>
+            </a:r>
+            <a:endParaRPr kumimoji="1" lang="en-US" altLang="zh-CN" dirty="0" smtClean="0">
+              <a:latin typeface="SimHei" charset="-122"/>
+              <a:ea typeface="SimHei" charset="-122"/>
+              <a:cs typeface="SimHei" charset="-122"/>
+            </a:endParaRPr>
+          </a:p>
+          <a:p>
+            <a:pPr>
+              <a:lnSpc>
+                <a:spcPct val="150000"/>
+              </a:lnSpc>
+            </a:pPr>
+            <a:r>
+              <a:rPr kumimoji="1" lang="en-US" altLang="zh-CN" dirty="0" smtClean="0">
+                <a:latin typeface="SimHei" charset="-122"/>
+                <a:ea typeface="SimHei" charset="-122"/>
+                <a:cs typeface="SimHei" charset="-122"/>
+              </a:rPr>
+              <a:t>y</a:t>
+            </a:r>
+            <a:r>
+              <a:rPr kumimoji="1" lang="zh-CN" altLang="en-US" dirty="0" smtClean="0">
+                <a:latin typeface="SimHei" charset="-122"/>
+                <a:ea typeface="SimHei" charset="-122"/>
+                <a:cs typeface="SimHei" charset="-122"/>
+              </a:rPr>
+              <a:t>为某个结点的输出</a:t>
+            </a:r>
+            <a:endParaRPr kumimoji="1" lang="en-US" altLang="zh-CN" dirty="0" smtClean="0">
+              <a:latin typeface="SimHei" charset="-122"/>
+              <a:ea typeface="SimHei" charset="-122"/>
+              <a:cs typeface="SimHei" charset="-122"/>
+            </a:endParaRPr>
+          </a:p>
+          <a:p>
+            <a:pPr>
+              <a:lnSpc>
+                <a:spcPct val="150000"/>
+              </a:lnSpc>
+            </a:pPr>
+            <a:r>
+              <a:rPr kumimoji="1" lang="en-US" altLang="zh-CN" dirty="0" smtClean="0">
+                <a:latin typeface="SimHei" charset="-122"/>
+                <a:ea typeface="SimHei" charset="-122"/>
+                <a:cs typeface="SimHei" charset="-122"/>
+              </a:rPr>
+              <a:t>h</a:t>
+            </a:r>
+            <a:r>
+              <a:rPr kumimoji="1" lang="zh-CN" altLang="en-US" dirty="0" smtClean="0">
+                <a:latin typeface="SimHei" charset="-122"/>
+                <a:ea typeface="SimHei" charset="-122"/>
+                <a:cs typeface="SimHei" charset="-122"/>
+              </a:rPr>
+              <a:t>为传递到下一个结点的输出</a:t>
+            </a:r>
+            <a:endParaRPr kumimoji="1" lang="zh-CN" altLang="en-US" dirty="0">
+              <a:latin typeface="SimHei" charset="-122"/>
+              <a:ea typeface="SimHei" charset="-122"/>
+              <a:cs typeface="SimHei" charset="-122"/>
+            </a:endParaRPr>
+          </a:p>
+        </p:txBody>
+      </p:sp>
+    </p:spTree>
+    <p:extLst>
+      <p:ext uri="{BB962C8B-B14F-4D97-AF65-F5344CB8AC3E}">
+        <p14:creationId xmlns:p14="http://schemas.microsoft.com/office/powerpoint/2010/main" val="1803776114"/>
+      </p:ext>
+    </p:extLst>
+  </p:cSld>
+  <p:clrMapOvr>
+    <a:masterClrMapping/>
+  </p:clrMapOvr>
+  <p:timing>
+    <p:tnLst>
+      <p:par>
+        <p:cTn id="1" dur="indefinite" restart="never" nodeType="tmRoot"/>
+      </p:par>
+    </p:tnLst>
+  </p:timing>
+</p:sld>
+</file>
+
+<file path=ppt/slides/slide7.xml><?xml version="1.0" encoding="utf-8"?>
+<p:sld xmlns:a="http://schemas.openxmlformats.org/drawingml/2006/main" xmlns:r="http://schemas.openxmlformats.org/officeDocument/2006/relationships" xmlns:p="http://schemas.openxmlformats.org/presentationml/2006/main">
+  <p:cSld>
+    <p:spTree>
+      <p:nvGrpSpPr>
+        <p:cNvPr id="1" name=""/>
+        <p:cNvGrpSpPr/>
+        <p:nvPr/>
+      </p:nvGrpSpPr>
+      <p:grpSpPr>
+        <a:xfrm>
+          <a:off x="0" y="0"/>
+          <a:ext cx="0" cy="0"/>
+          <a:chOff x="0" y="0"/>
+          <a:chExt cx="0" cy="0"/>
+        </a:xfrm>
+      </p:grpSpPr>
+      <p:sp>
+        <p:nvSpPr>
+          <p:cNvPr id="2" name="矩形 1"/>
+          <p:cNvSpPr/>
+          <p:nvPr/>
+        </p:nvSpPr>
+        <p:spPr>
+          <a:xfrm>
+            <a:off x="136151" y="136151"/>
+            <a:ext cx="3561790" cy="751356"/>
+          </a:xfrm>
+          <a:prstGeom prst="rect">
+            <a:avLst/>
+          </a:prstGeom>
+        </p:spPr>
+        <p:style>
+          <a:lnRef idx="2">
+            <a:schemeClr val="accent1">
+              <a:shade val="50000"/>
+            </a:schemeClr>
+          </a:lnRef>
+          <a:fillRef idx="1">
+            <a:schemeClr val="accent1"/>
+          </a:fillRef>
+          <a:effectRef idx="0">
+            <a:schemeClr val="accent1"/>
+          </a:effectRef>
+          <a:fontRef idx="minor">
+            <a:schemeClr val="lt1"/>
+          </a:fontRef>
+        </p:style>
+        <p:txBody>
+          <a:bodyPr rtlCol="0" anchor="ctr"/>
+          <a:lstStyle/>
+          <a:p>
+            <a:pPr algn="ctr"/>
+            <a:r>
+              <a:rPr kumimoji="1" lang="en-US" altLang="zh-CN" sz="4000" dirty="0" smtClean="0">
+                <a:latin typeface="SimHei" charset="-122"/>
+                <a:ea typeface="SimHei" charset="-122"/>
+                <a:cs typeface="SimHei" charset="-122"/>
+              </a:rPr>
+              <a:t>2</a:t>
+            </a:r>
+            <a:r>
+              <a:rPr kumimoji="1" lang="en-US" altLang="zh-CN" sz="4000" dirty="0">
+                <a:latin typeface="SimHei" charset="-122"/>
+                <a:ea typeface="SimHei" charset="-122"/>
+                <a:cs typeface="SimHei" charset="-122"/>
+              </a:rPr>
+              <a:t> </a:t>
+            </a:r>
+            <a:r>
+              <a:rPr kumimoji="1" lang="zh-CN" altLang="en-US" sz="4000" dirty="0" smtClean="0">
+                <a:latin typeface="SimHei" charset="-122"/>
+                <a:ea typeface="SimHei" charset="-122"/>
+                <a:cs typeface="SimHei" charset="-122"/>
+              </a:rPr>
+              <a:t>方法描述</a:t>
+            </a:r>
+            <a:endParaRPr kumimoji="1" lang="zh-CN" altLang="en-US" sz="4000" dirty="0">
+              <a:latin typeface="SimHei" charset="-122"/>
+              <a:ea typeface="SimHei" charset="-122"/>
+              <a:cs typeface="SimHei" charset="-122"/>
+            </a:endParaRPr>
+          </a:p>
+        </p:txBody>
+      </p:sp>
+      <p:sp>
+        <p:nvSpPr>
+          <p:cNvPr id="3" name="文本框 2"/>
+          <p:cNvSpPr txBox="1"/>
+          <p:nvPr/>
+        </p:nvSpPr>
+        <p:spPr>
+          <a:xfrm>
+            <a:off x="908918" y="1076276"/>
+            <a:ext cx="3877985" cy="584775"/>
+          </a:xfrm>
+          <a:prstGeom prst="rect">
+            <a:avLst/>
+          </a:prstGeom>
+          <a:noFill/>
+        </p:spPr>
+        <p:txBody>
+          <a:bodyPr wrap="none" rtlCol="0">
+            <a:spAutoFit/>
+          </a:bodyPr>
+          <a:lstStyle/>
+          <a:p>
+            <a:r>
+              <a:rPr kumimoji="1" lang="zh-CN" altLang="en-US" sz="3200" dirty="0" smtClean="0">
+                <a:latin typeface="SimHei" charset="-122"/>
+                <a:ea typeface="SimHei" charset="-122"/>
+                <a:cs typeface="SimHei" charset="-122"/>
+              </a:rPr>
+              <a:t>基于神经网络的方法</a:t>
+            </a:r>
+            <a:endParaRPr kumimoji="1" lang="zh-CN" altLang="en-US" sz="3200" dirty="0">
+              <a:latin typeface="SimHei" charset="-122"/>
+              <a:ea typeface="SimHei" charset="-122"/>
+              <a:cs typeface="SimHei" charset="-122"/>
+            </a:endParaRPr>
+          </a:p>
+        </p:txBody>
+      </p:sp>
+      <p:cxnSp>
+        <p:nvCxnSpPr>
+          <p:cNvPr id="4" name="直线连接符 3"/>
+          <p:cNvCxnSpPr/>
+          <p:nvPr/>
+        </p:nvCxnSpPr>
+        <p:spPr>
+          <a:xfrm>
+            <a:off x="0" y="1661051"/>
+            <a:ext cx="5675586" cy="0"/>
+          </a:xfrm>
+          <a:prstGeom prst="line">
+            <a:avLst/>
+          </a:prstGeom>
+        </p:spPr>
+        <p:style>
+          <a:lnRef idx="1">
+            <a:schemeClr val="accent1"/>
+          </a:lnRef>
+          <a:fillRef idx="0">
+            <a:schemeClr val="accent1"/>
+          </a:fillRef>
+          <a:effectRef idx="0">
+            <a:schemeClr val="accent1"/>
+          </a:effectRef>
+          <a:fontRef idx="minor">
+            <a:schemeClr val="tx1"/>
+          </a:fontRef>
+        </p:style>
+      </p:cxnSp>
+      <p:sp>
+        <p:nvSpPr>
+          <p:cNvPr id="8" name="矩形 7"/>
+          <p:cNvSpPr/>
+          <p:nvPr/>
+        </p:nvSpPr>
+        <p:spPr>
+          <a:xfrm>
+            <a:off x="318419" y="3182485"/>
+            <a:ext cx="6096000" cy="1200329"/>
+          </a:xfrm>
+          <a:prstGeom prst="rect">
+            <a:avLst/>
+          </a:prstGeom>
+        </p:spPr>
+        <p:txBody>
+          <a:bodyPr>
+            <a:spAutoFit/>
+          </a:bodyPr>
+          <a:lstStyle/>
+          <a:p>
+            <a:pPr marL="285750" indent="-285750">
+              <a:buFont typeface="Arial" charset="0"/>
+              <a:buChar char="•"/>
+            </a:pPr>
+            <a:r>
+              <a:rPr kumimoji="1" lang="zh-CN" altLang="en-US" sz="3600" dirty="0" smtClean="0">
+                <a:latin typeface="SimHei" charset="-122"/>
+                <a:ea typeface="SimHei" charset="-122"/>
+                <a:cs typeface="SimHei" charset="-122"/>
+              </a:rPr>
+              <a:t>长短期记忆</a:t>
+            </a:r>
+            <a:r>
+              <a:rPr kumimoji="1" lang="en-US" altLang="zh-CN" sz="3600" dirty="0" smtClean="0">
+                <a:latin typeface="SimHei" charset="-122"/>
+                <a:ea typeface="SimHei" charset="-122"/>
+                <a:cs typeface="SimHei" charset="-122"/>
+              </a:rPr>
+              <a:t>(LSTM)</a:t>
+            </a:r>
+            <a:endParaRPr kumimoji="1" lang="en-US" altLang="zh-CN" sz="3600" dirty="0">
+              <a:latin typeface="SimHei" charset="-122"/>
+              <a:ea typeface="SimHei" charset="-122"/>
+              <a:cs typeface="SimHei" charset="-122"/>
+            </a:endParaRPr>
+          </a:p>
+          <a:p>
+            <a:r>
+              <a:rPr kumimoji="1" lang="en-US" altLang="zh-CN" dirty="0"/>
+              <a:t>	</a:t>
+            </a:r>
+          </a:p>
+          <a:p>
+            <a:r>
+              <a:rPr kumimoji="1" lang="en-US" altLang="zh-CN" dirty="0" smtClean="0">
+                <a:latin typeface="SimHei" charset="-122"/>
+                <a:ea typeface="SimHei" charset="-122"/>
+                <a:cs typeface="SimHei" charset="-122"/>
+              </a:rPr>
+              <a:t>RNN</a:t>
+            </a:r>
+            <a:r>
+              <a:rPr kumimoji="1" lang="zh-CN" altLang="en-US" dirty="0" smtClean="0">
+                <a:latin typeface="SimHei" charset="-122"/>
+                <a:ea typeface="SimHei" charset="-122"/>
+                <a:cs typeface="SimHei" charset="-122"/>
+              </a:rPr>
+              <a:t>的一种，对处理较长的序列有更好的表现</a:t>
+            </a:r>
+            <a:endParaRPr kumimoji="1" lang="en-US" altLang="zh-CN" dirty="0">
+              <a:latin typeface="SimHei" charset="-122"/>
+              <a:ea typeface="SimHei" charset="-122"/>
+              <a:cs typeface="SimHei" charset="-122"/>
+            </a:endParaRPr>
+          </a:p>
+        </p:txBody>
+      </p:sp>
+      <p:pic>
+        <p:nvPicPr>
+          <p:cNvPr id="9" name="图片 8"/>
+          <p:cNvPicPr>
+            <a:picLocks noChangeAspect="1"/>
+          </p:cNvPicPr>
+          <p:nvPr/>
+        </p:nvPicPr>
+        <p:blipFill>
+          <a:blip r:embed="rId2">
+            <a:extLst>
+              <a:ext uri="{28A0092B-C50C-407E-A947-70E740481C1C}">
+                <a14:useLocalDpi xmlns:a14="http://schemas.microsoft.com/office/drawing/2010/main" val="0"/>
+              </a:ext>
+            </a:extLst>
+          </a:blip>
+          <a:stretch>
+            <a:fillRect/>
+          </a:stretch>
+        </p:blipFill>
+        <p:spPr>
+          <a:xfrm>
+            <a:off x="5675586" y="328345"/>
+            <a:ext cx="5414353" cy="4054469"/>
+          </a:xfrm>
+          <a:prstGeom prst="rect">
+            <a:avLst/>
+          </a:prstGeom>
+        </p:spPr>
+      </p:pic>
+      <p:sp>
+        <p:nvSpPr>
+          <p:cNvPr id="10" name="文本框 9"/>
+          <p:cNvSpPr txBox="1"/>
+          <p:nvPr/>
+        </p:nvSpPr>
+        <p:spPr>
+          <a:xfrm>
+            <a:off x="6011917" y="4498428"/>
+            <a:ext cx="4948004" cy="1689373"/>
+          </a:xfrm>
+          <a:prstGeom prst="rect">
+            <a:avLst/>
+          </a:prstGeom>
+          <a:noFill/>
+        </p:spPr>
+        <p:txBody>
+          <a:bodyPr wrap="square" rtlCol="0">
+            <a:spAutoFit/>
+          </a:bodyPr>
+          <a:lstStyle/>
+          <a:p>
+            <a:pPr>
+              <a:lnSpc>
+                <a:spcPct val="150000"/>
+              </a:lnSpc>
+            </a:pPr>
+            <a:r>
+              <a:rPr kumimoji="1" lang="zh-CN" altLang="en-US" dirty="0" smtClean="0">
+                <a:latin typeface="SimHei" charset="-122"/>
+                <a:ea typeface="SimHei" charset="-122"/>
+                <a:cs typeface="SimHei" charset="-122"/>
+              </a:rPr>
+              <a:t>相比于普通</a:t>
+            </a:r>
+            <a:r>
+              <a:rPr kumimoji="1" lang="en-US" altLang="zh-CN" dirty="0" smtClean="0">
+                <a:latin typeface="SimHei" charset="-122"/>
+                <a:ea typeface="SimHei" charset="-122"/>
+                <a:cs typeface="SimHei" charset="-122"/>
+              </a:rPr>
+              <a:t>RNN</a:t>
+            </a:r>
+            <a:r>
+              <a:rPr kumimoji="1" lang="zh-CN" altLang="en-US" dirty="0" smtClean="0">
+                <a:latin typeface="SimHei" charset="-122"/>
+                <a:ea typeface="SimHei" charset="-122"/>
+                <a:cs typeface="SimHei" charset="-122"/>
+              </a:rPr>
+              <a:t>只有一个传递状态，</a:t>
+            </a:r>
+            <a:r>
+              <a:rPr kumimoji="1" lang="en-US" altLang="zh-CN" dirty="0" smtClean="0">
+                <a:latin typeface="SimHei" charset="-122"/>
+                <a:ea typeface="SimHei" charset="-122"/>
+                <a:cs typeface="SimHei" charset="-122"/>
+              </a:rPr>
+              <a:t>LSTM</a:t>
+            </a:r>
+            <a:r>
+              <a:rPr kumimoji="1" lang="zh-CN" altLang="en-US" dirty="0" smtClean="0">
+                <a:latin typeface="SimHei" charset="-122"/>
+                <a:ea typeface="SimHei" charset="-122"/>
+                <a:cs typeface="SimHei" charset="-122"/>
+              </a:rPr>
+              <a:t>有两个</a:t>
+            </a:r>
+            <a:endParaRPr kumimoji="1" lang="en-US" altLang="zh-CN" dirty="0" smtClean="0">
+              <a:latin typeface="SimHei" charset="-122"/>
+              <a:ea typeface="SimHei" charset="-122"/>
+              <a:cs typeface="SimHei" charset="-122"/>
+            </a:endParaRPr>
+          </a:p>
+          <a:p>
+            <a:pPr>
+              <a:lnSpc>
+                <a:spcPct val="150000"/>
+              </a:lnSpc>
+            </a:pPr>
+            <a:r>
+              <a:rPr kumimoji="1" lang="en-US" altLang="zh-CN" dirty="0" smtClean="0">
+                <a:latin typeface="SimHei" charset="-122"/>
+                <a:ea typeface="SimHei" charset="-122"/>
+                <a:cs typeface="SimHei" charset="-122"/>
+              </a:rPr>
+              <a:t>c</a:t>
+            </a:r>
+            <a:r>
+              <a:rPr kumimoji="1" lang="zh-CN" altLang="en-US" dirty="0" smtClean="0">
+                <a:latin typeface="SimHei" charset="-122"/>
+                <a:ea typeface="SimHei" charset="-122"/>
+                <a:cs typeface="SimHei" charset="-122"/>
+              </a:rPr>
+              <a:t> ：</a:t>
+            </a:r>
+            <a:r>
+              <a:rPr kumimoji="1" lang="en-US" altLang="zh-CN" dirty="0" smtClean="0">
+                <a:latin typeface="SimHei" charset="-122"/>
+                <a:ea typeface="SimHei" charset="-122"/>
+                <a:cs typeface="SimHei" charset="-122"/>
+              </a:rPr>
+              <a:t>cell</a:t>
+            </a:r>
+            <a:r>
+              <a:rPr kumimoji="1" lang="zh-CN" altLang="en-US" dirty="0" smtClean="0">
+                <a:latin typeface="SimHei" charset="-122"/>
+                <a:ea typeface="SimHei" charset="-122"/>
+                <a:cs typeface="SimHei" charset="-122"/>
+              </a:rPr>
+              <a:t> </a:t>
+            </a:r>
+            <a:r>
+              <a:rPr kumimoji="1" lang="en-US" altLang="zh-CN" dirty="0" smtClean="0">
+                <a:latin typeface="SimHei" charset="-122"/>
+                <a:ea typeface="SimHei" charset="-122"/>
+                <a:cs typeface="SimHei" charset="-122"/>
+              </a:rPr>
+              <a:t>state</a:t>
+            </a:r>
+          </a:p>
+          <a:p>
+            <a:pPr>
+              <a:lnSpc>
+                <a:spcPct val="150000"/>
+              </a:lnSpc>
+            </a:pPr>
+            <a:r>
+              <a:rPr kumimoji="1" lang="en-US" altLang="zh-CN" dirty="0" smtClean="0">
+                <a:latin typeface="SimHei" charset="-122"/>
+                <a:ea typeface="SimHei" charset="-122"/>
+                <a:cs typeface="SimHei" charset="-122"/>
+              </a:rPr>
+              <a:t>h</a:t>
+            </a:r>
+            <a:r>
+              <a:rPr kumimoji="1" lang="zh-CN" altLang="en-US" dirty="0" smtClean="0">
+                <a:latin typeface="SimHei" charset="-122"/>
+                <a:ea typeface="SimHei" charset="-122"/>
+                <a:cs typeface="SimHei" charset="-122"/>
+              </a:rPr>
+              <a:t>  </a:t>
+            </a:r>
+            <a:r>
+              <a:rPr kumimoji="1" lang="en-US" altLang="zh-CN" dirty="0" smtClean="0">
+                <a:latin typeface="SimHei" charset="-122"/>
+                <a:ea typeface="SimHei" charset="-122"/>
+                <a:cs typeface="SimHei" charset="-122"/>
+              </a:rPr>
+              <a:t>:</a:t>
+            </a:r>
+            <a:r>
+              <a:rPr kumimoji="1" lang="zh-CN" altLang="en-US" dirty="0" smtClean="0">
+                <a:latin typeface="SimHei" charset="-122"/>
+                <a:ea typeface="SimHei" charset="-122"/>
+                <a:cs typeface="SimHei" charset="-122"/>
+              </a:rPr>
+              <a:t>  </a:t>
+            </a:r>
+            <a:r>
+              <a:rPr kumimoji="1" lang="en-US" altLang="zh-CN" dirty="0" smtClean="0">
+                <a:latin typeface="SimHei" charset="-122"/>
+                <a:ea typeface="SimHei" charset="-122"/>
+                <a:cs typeface="SimHei" charset="-122"/>
+              </a:rPr>
+              <a:t>hidden</a:t>
+            </a:r>
+            <a:r>
+              <a:rPr kumimoji="1" lang="zh-CN" altLang="en-US" dirty="0" smtClean="0">
+                <a:latin typeface="SimHei" charset="-122"/>
+                <a:ea typeface="SimHei" charset="-122"/>
+                <a:cs typeface="SimHei" charset="-122"/>
+              </a:rPr>
+              <a:t> </a:t>
+            </a:r>
+            <a:r>
+              <a:rPr kumimoji="1" lang="en-US" altLang="zh-CN" dirty="0" smtClean="0">
+                <a:latin typeface="SimHei" charset="-122"/>
+                <a:ea typeface="SimHei" charset="-122"/>
+                <a:cs typeface="SimHei" charset="-122"/>
+              </a:rPr>
+              <a:t>state</a:t>
+            </a:r>
+          </a:p>
+          <a:p>
+            <a:pPr>
+              <a:lnSpc>
+                <a:spcPct val="150000"/>
+              </a:lnSpc>
+            </a:pPr>
+            <a:r>
+              <a:rPr kumimoji="1" lang="en-US" altLang="zh-CN" dirty="0" smtClean="0">
+                <a:latin typeface="SimHei" charset="-122"/>
+                <a:ea typeface="SimHei" charset="-122"/>
+                <a:cs typeface="SimHei" charset="-122"/>
+              </a:rPr>
+              <a:t>LSTM</a:t>
+            </a:r>
+            <a:r>
+              <a:rPr kumimoji="1" lang="zh-CN" altLang="en-US" dirty="0" smtClean="0">
+                <a:latin typeface="SimHei" charset="-122"/>
+                <a:ea typeface="SimHei" charset="-122"/>
+                <a:cs typeface="SimHei" charset="-122"/>
+              </a:rPr>
+              <a:t>中的</a:t>
+            </a:r>
+            <a:r>
+              <a:rPr kumimoji="1" lang="en-US" altLang="zh-CN" dirty="0" smtClean="0">
+                <a:latin typeface="SimHei" charset="-122"/>
+                <a:ea typeface="SimHei" charset="-122"/>
+                <a:cs typeface="SimHei" charset="-122"/>
+              </a:rPr>
+              <a:t>c</a:t>
+            </a:r>
+            <a:r>
+              <a:rPr kumimoji="1" lang="zh-CN" altLang="en-US" dirty="0" smtClean="0">
+                <a:latin typeface="SimHei" charset="-122"/>
+                <a:ea typeface="SimHei" charset="-122"/>
+                <a:cs typeface="SimHei" charset="-122"/>
+              </a:rPr>
+              <a:t>对应于普通</a:t>
+            </a:r>
+            <a:r>
+              <a:rPr kumimoji="1" lang="en-US" altLang="zh-CN" dirty="0" smtClean="0">
+                <a:latin typeface="SimHei" charset="-122"/>
+                <a:ea typeface="SimHei" charset="-122"/>
+                <a:cs typeface="SimHei" charset="-122"/>
+              </a:rPr>
+              <a:t>RNN</a:t>
+            </a:r>
+            <a:r>
+              <a:rPr kumimoji="1" lang="zh-CN" altLang="en-US" dirty="0" smtClean="0">
+                <a:latin typeface="SimHei" charset="-122"/>
+                <a:ea typeface="SimHei" charset="-122"/>
+                <a:cs typeface="SimHei" charset="-122"/>
+              </a:rPr>
+              <a:t>中的</a:t>
+            </a:r>
+            <a:r>
+              <a:rPr kumimoji="1" lang="en-US" altLang="zh-CN" dirty="0" smtClean="0">
+                <a:latin typeface="SimHei" charset="-122"/>
+                <a:ea typeface="SimHei" charset="-122"/>
+                <a:cs typeface="SimHei" charset="-122"/>
+              </a:rPr>
+              <a:t>h</a:t>
+            </a:r>
+          </a:p>
+        </p:txBody>
+      </p:sp>
+    </p:spTree>
+    <p:extLst>
+      <p:ext uri="{BB962C8B-B14F-4D97-AF65-F5344CB8AC3E}">
+        <p14:creationId xmlns:p14="http://schemas.microsoft.com/office/powerpoint/2010/main" val="1844692850"/>
+      </p:ext>
+    </p:extLst>
+  </p:cSld>
+  <p:clrMapOvr>
+    <a:masterClrMapping/>
+  </p:clrMapOvr>
+  <p:timing>
+    <p:tnLst>
+      <p:par>
+        <p:cTn id="1" dur="indefinite" restart="never" nodeType="tmRoot"/>
+      </p:par>
+    </p:tnLst>
+  </p:timing>
+</p:sld>
+</file>
+
+<file path=ppt/slides/slide8.xml><?xml version="1.0" encoding="utf-8"?>
+<p:sld xmlns:a="http://schemas.openxmlformats.org/drawingml/2006/main" xmlns:r="http://schemas.openxmlformats.org/officeDocument/2006/relationships" xmlns:p="http://schemas.openxmlformats.org/presentationml/2006/main">
+  <p:cSld>
+    <p:spTree>
+      <p:nvGrpSpPr>
+        <p:cNvPr id="1" name=""/>
+        <p:cNvGrpSpPr/>
+        <p:nvPr/>
+      </p:nvGrpSpPr>
+      <p:grpSpPr>
+        <a:xfrm>
+          <a:off x="0" y="0"/>
+          <a:ext cx="0" cy="0"/>
+          <a:chOff x="0" y="0"/>
+          <a:chExt cx="0" cy="0"/>
+        </a:xfrm>
+      </p:grpSpPr>
+      <p:sp>
+        <p:nvSpPr>
+          <p:cNvPr id="2" name="矩形 1"/>
+          <p:cNvSpPr/>
+          <p:nvPr/>
+        </p:nvSpPr>
+        <p:spPr>
+          <a:xfrm>
+            <a:off x="136151" y="136151"/>
+            <a:ext cx="3561790" cy="751356"/>
+          </a:xfrm>
+          <a:prstGeom prst="rect">
+            <a:avLst/>
+          </a:prstGeom>
+        </p:spPr>
+        <p:style>
+          <a:lnRef idx="2">
+            <a:schemeClr val="accent1">
+              <a:shade val="50000"/>
+            </a:schemeClr>
+          </a:lnRef>
+          <a:fillRef idx="1">
+            <a:schemeClr val="accent1"/>
+          </a:fillRef>
+          <a:effectRef idx="0">
+            <a:schemeClr val="accent1"/>
+          </a:effectRef>
+          <a:fontRef idx="minor">
+            <a:schemeClr val="lt1"/>
+          </a:fontRef>
+        </p:style>
+        <p:txBody>
+          <a:bodyPr rtlCol="0" anchor="ctr"/>
+          <a:lstStyle/>
+          <a:p>
+            <a:pPr algn="ctr"/>
+            <a:r>
+              <a:rPr kumimoji="1" lang="en-US" altLang="zh-CN" sz="4000" dirty="0" smtClean="0">
+                <a:latin typeface="SimHei" charset="-122"/>
+                <a:ea typeface="SimHei" charset="-122"/>
+                <a:cs typeface="SimHei" charset="-122"/>
+              </a:rPr>
+              <a:t>2</a:t>
+            </a:r>
+            <a:r>
+              <a:rPr kumimoji="1" lang="en-US" altLang="zh-CN" sz="4000" dirty="0">
+                <a:latin typeface="SimHei" charset="-122"/>
+                <a:ea typeface="SimHei" charset="-122"/>
+                <a:cs typeface="SimHei" charset="-122"/>
+              </a:rPr>
+              <a:t> </a:t>
+            </a:r>
+            <a:r>
+              <a:rPr kumimoji="1" lang="zh-CN" altLang="en-US" sz="4000" dirty="0" smtClean="0">
+                <a:latin typeface="SimHei" charset="-122"/>
+                <a:ea typeface="SimHei" charset="-122"/>
+                <a:cs typeface="SimHei" charset="-122"/>
+              </a:rPr>
+              <a:t>方法描述</a:t>
+            </a:r>
+            <a:endParaRPr kumimoji="1" lang="zh-CN" altLang="en-US" sz="4000" dirty="0">
+              <a:latin typeface="SimHei" charset="-122"/>
+              <a:ea typeface="SimHei" charset="-122"/>
+              <a:cs typeface="SimHei" charset="-122"/>
+            </a:endParaRPr>
+          </a:p>
+        </p:txBody>
+      </p:sp>
+      <p:sp>
+        <p:nvSpPr>
+          <p:cNvPr id="3" name="文本框 2"/>
+          <p:cNvSpPr txBox="1"/>
+          <p:nvPr/>
+        </p:nvSpPr>
+        <p:spPr>
+          <a:xfrm>
+            <a:off x="908918" y="1076276"/>
+            <a:ext cx="3877985" cy="584775"/>
+          </a:xfrm>
+          <a:prstGeom prst="rect">
+            <a:avLst/>
+          </a:prstGeom>
+          <a:noFill/>
+        </p:spPr>
+        <p:txBody>
+          <a:bodyPr wrap="none" rtlCol="0">
+            <a:spAutoFit/>
+          </a:bodyPr>
+          <a:lstStyle/>
+          <a:p>
+            <a:r>
+              <a:rPr kumimoji="1" lang="zh-CN" altLang="en-US" sz="3200" dirty="0" smtClean="0">
+                <a:latin typeface="SimHei" charset="-122"/>
+                <a:ea typeface="SimHei" charset="-122"/>
+                <a:cs typeface="SimHei" charset="-122"/>
+              </a:rPr>
+              <a:t>基于神经网络的方法</a:t>
+            </a:r>
+            <a:endParaRPr kumimoji="1" lang="zh-CN" altLang="en-US" sz="3200" dirty="0">
+              <a:latin typeface="SimHei" charset="-122"/>
+              <a:ea typeface="SimHei" charset="-122"/>
+              <a:cs typeface="SimHei" charset="-122"/>
+            </a:endParaRPr>
+          </a:p>
+        </p:txBody>
+      </p:sp>
+      <p:cxnSp>
+        <p:nvCxnSpPr>
+          <p:cNvPr id="4" name="直线连接符 3"/>
+          <p:cNvCxnSpPr/>
+          <p:nvPr/>
+        </p:nvCxnSpPr>
+        <p:spPr>
+          <a:xfrm>
+            <a:off x="0" y="1661051"/>
+            <a:ext cx="5675586" cy="0"/>
+          </a:xfrm>
+          <a:prstGeom prst="line">
+            <a:avLst/>
+          </a:prstGeom>
+        </p:spPr>
+        <p:style>
+          <a:lnRef idx="1">
+            <a:schemeClr val="accent1"/>
+          </a:lnRef>
+          <a:fillRef idx="0">
+            <a:schemeClr val="accent1"/>
+          </a:fillRef>
+          <a:effectRef idx="0">
+            <a:schemeClr val="accent1"/>
+          </a:effectRef>
+          <a:fontRef idx="minor">
+            <a:schemeClr val="tx1"/>
+          </a:fontRef>
+        </p:style>
+      </p:cxnSp>
+      <p:sp>
+        <p:nvSpPr>
+          <p:cNvPr id="5" name="矩形 4"/>
+          <p:cNvSpPr/>
+          <p:nvPr/>
+        </p:nvSpPr>
+        <p:spPr>
+          <a:xfrm>
+            <a:off x="336332" y="2007475"/>
+            <a:ext cx="6096000" cy="646331"/>
+          </a:xfrm>
+          <a:prstGeom prst="rect">
+            <a:avLst/>
+          </a:prstGeom>
+        </p:spPr>
+        <p:txBody>
+          <a:bodyPr>
+            <a:spAutoFit/>
+          </a:bodyPr>
+          <a:lstStyle/>
+          <a:p>
+            <a:pPr marL="285750" indent="-285750">
+              <a:buFont typeface="Arial" charset="0"/>
+              <a:buChar char="•"/>
+            </a:pPr>
+            <a:r>
+              <a:rPr kumimoji="1" lang="zh-CN" altLang="en-US" sz="3600" dirty="0" smtClean="0">
+                <a:latin typeface="SimHei" charset="-122"/>
+                <a:ea typeface="SimHei" charset="-122"/>
+                <a:cs typeface="SimHei" charset="-122"/>
+              </a:rPr>
+              <a:t>长短期记忆</a:t>
+            </a:r>
+            <a:r>
+              <a:rPr kumimoji="1" lang="en-US" altLang="zh-CN" sz="3600" dirty="0" smtClean="0">
+                <a:latin typeface="SimHei" charset="-122"/>
+                <a:ea typeface="SimHei" charset="-122"/>
+                <a:cs typeface="SimHei" charset="-122"/>
+              </a:rPr>
+              <a:t>(LSTM)</a:t>
+            </a:r>
+            <a:endParaRPr kumimoji="1" lang="en-US" altLang="zh-CN" sz="3600" dirty="0">
+              <a:latin typeface="SimHei" charset="-122"/>
+              <a:ea typeface="SimHei" charset="-122"/>
+              <a:cs typeface="SimHei" charset="-122"/>
+            </a:endParaRPr>
+          </a:p>
+        </p:txBody>
+      </p:sp>
+      <p:sp>
+        <p:nvSpPr>
+          <p:cNvPr id="6" name="文本框 5"/>
+          <p:cNvSpPr txBox="1"/>
+          <p:nvPr/>
+        </p:nvSpPr>
+        <p:spPr>
+          <a:xfrm>
+            <a:off x="252248" y="2953407"/>
+            <a:ext cx="5423338" cy="2520370"/>
+          </a:xfrm>
+          <a:prstGeom prst="rect">
+            <a:avLst/>
+          </a:prstGeom>
+          <a:noFill/>
+        </p:spPr>
+        <p:txBody>
+          <a:bodyPr wrap="square" rtlCol="0">
+            <a:spAutoFit/>
+          </a:bodyPr>
+          <a:lstStyle/>
+          <a:p>
+            <a:pPr>
+              <a:lnSpc>
+                <a:spcPct val="150000"/>
+              </a:lnSpc>
+            </a:pPr>
+            <a:r>
+              <a:rPr kumimoji="1" lang="en-US" altLang="zh-CN" dirty="0" smtClean="0">
+                <a:latin typeface="SimHei" charset="-122"/>
+                <a:ea typeface="SimHei" charset="-122"/>
+                <a:cs typeface="SimHei" charset="-122"/>
+              </a:rPr>
+              <a:t>LSTM</a:t>
+            </a:r>
+            <a:r>
+              <a:rPr kumimoji="1" lang="zh-CN" altLang="en-US" dirty="0" smtClean="0">
+                <a:latin typeface="SimHei" charset="-122"/>
+                <a:ea typeface="SimHei" charset="-122"/>
+                <a:cs typeface="SimHei" charset="-122"/>
+              </a:rPr>
+              <a:t>有三个阶段</a:t>
+            </a:r>
+            <a:endParaRPr kumimoji="1" lang="en-US" altLang="zh-CN" dirty="0" smtClean="0">
+              <a:latin typeface="SimHei" charset="-122"/>
+              <a:ea typeface="SimHei" charset="-122"/>
+              <a:cs typeface="SimHei" charset="-122"/>
+            </a:endParaRPr>
+          </a:p>
+          <a:p>
+            <a:pPr marL="285750" indent="-285750">
+              <a:lnSpc>
+                <a:spcPct val="150000"/>
+              </a:lnSpc>
+              <a:buFont typeface="Arial" charset="0"/>
+              <a:buChar char="•"/>
+            </a:pPr>
+            <a:r>
+              <a:rPr kumimoji="1" lang="zh-CN" altLang="en-US" dirty="0" smtClean="0">
+                <a:latin typeface="SimHei" charset="-122"/>
+                <a:ea typeface="SimHei" charset="-122"/>
+                <a:cs typeface="SimHei" charset="-122"/>
+              </a:rPr>
+              <a:t>忘记阶段：对上一节点传输进来的内容进行选择性忘记</a:t>
+            </a:r>
+            <a:endParaRPr kumimoji="1" lang="en-US" altLang="zh-CN" dirty="0" smtClean="0">
+              <a:latin typeface="SimHei" charset="-122"/>
+              <a:ea typeface="SimHei" charset="-122"/>
+              <a:cs typeface="SimHei" charset="-122"/>
+            </a:endParaRPr>
+          </a:p>
+          <a:p>
+            <a:pPr marL="285750" indent="-285750">
+              <a:lnSpc>
+                <a:spcPct val="150000"/>
+              </a:lnSpc>
+              <a:buFont typeface="Arial" charset="0"/>
+              <a:buChar char="•"/>
+            </a:pPr>
+            <a:r>
+              <a:rPr kumimoji="1" lang="zh-CN" altLang="en-US" dirty="0" smtClean="0">
+                <a:latin typeface="SimHei" charset="-122"/>
+                <a:ea typeface="SimHei" charset="-122"/>
+                <a:cs typeface="SimHei" charset="-122"/>
+              </a:rPr>
+              <a:t>选择记忆阶段：对这一节点的输入进行选择性记忆</a:t>
+            </a:r>
+            <a:endParaRPr kumimoji="1" lang="en-US" altLang="zh-CN" dirty="0" smtClean="0">
+              <a:latin typeface="SimHei" charset="-122"/>
+              <a:ea typeface="SimHei" charset="-122"/>
+              <a:cs typeface="SimHei" charset="-122"/>
+            </a:endParaRPr>
+          </a:p>
+          <a:p>
+            <a:pPr marL="285750" indent="-285750">
+              <a:lnSpc>
+                <a:spcPct val="150000"/>
+              </a:lnSpc>
+              <a:buFont typeface="Arial" charset="0"/>
+              <a:buChar char="•"/>
+            </a:pPr>
+            <a:r>
+              <a:rPr kumimoji="1" lang="zh-CN" altLang="en-US" dirty="0" smtClean="0">
+                <a:latin typeface="SimHei" charset="-122"/>
+                <a:ea typeface="SimHei" charset="-122"/>
+                <a:cs typeface="SimHei" charset="-122"/>
+              </a:rPr>
+              <a:t>输出阶段：来决定哪些会被当成当前结点的输出</a:t>
+            </a:r>
+            <a:endParaRPr kumimoji="1" lang="zh-CN" altLang="en-US" dirty="0">
+              <a:latin typeface="SimHei" charset="-122"/>
+              <a:ea typeface="SimHei" charset="-122"/>
+              <a:cs typeface="SimHei" charset="-122"/>
+            </a:endParaRPr>
+          </a:p>
+        </p:txBody>
+      </p:sp>
+      <p:pic>
+        <p:nvPicPr>
+          <p:cNvPr id="7" name="图片 6"/>
+          <p:cNvPicPr>
+            <a:picLocks noChangeAspect="1"/>
+          </p:cNvPicPr>
+          <p:nvPr/>
+        </p:nvPicPr>
+        <p:blipFill>
+          <a:blip r:embed="rId2">
+            <a:extLst>
+              <a:ext uri="{28A0092B-C50C-407E-A947-70E740481C1C}">
+                <a14:useLocalDpi xmlns:a14="http://schemas.microsoft.com/office/drawing/2010/main" val="0"/>
+              </a:ext>
+            </a:extLst>
+          </a:blip>
+          <a:stretch>
+            <a:fillRect/>
+          </a:stretch>
+        </p:blipFill>
+        <p:spPr>
+          <a:xfrm>
+            <a:off x="5675586" y="4762164"/>
+            <a:ext cx="2921921" cy="2096427"/>
+          </a:xfrm>
+          <a:prstGeom prst="rect">
+            <a:avLst/>
+          </a:prstGeom>
+        </p:spPr>
+      </p:pic>
+      <p:pic>
+        <p:nvPicPr>
+          <p:cNvPr id="8" name="图片 7"/>
+          <p:cNvPicPr>
+            <a:picLocks noChangeAspect="1"/>
+          </p:cNvPicPr>
+          <p:nvPr/>
+        </p:nvPicPr>
+        <p:blipFill>
+          <a:blip r:embed="rId3">
+            <a:extLst>
+              <a:ext uri="{28A0092B-C50C-407E-A947-70E740481C1C}">
+                <a14:useLocalDpi xmlns:a14="http://schemas.microsoft.com/office/drawing/2010/main" val="0"/>
+              </a:ext>
+            </a:extLst>
+          </a:blip>
+          <a:stretch>
+            <a:fillRect/>
+          </a:stretch>
+        </p:blipFill>
+        <p:spPr>
+          <a:xfrm>
+            <a:off x="5651817" y="136151"/>
+            <a:ext cx="6276229" cy="4665001"/>
+          </a:xfrm>
+          <a:prstGeom prst="rect">
+            <a:avLst/>
+          </a:prstGeom>
+        </p:spPr>
+      </p:pic>
+      <p:pic>
+        <p:nvPicPr>
+          <p:cNvPr id="9" name="图片 8"/>
+          <p:cNvPicPr>
+            <a:picLocks noChangeAspect="1"/>
+          </p:cNvPicPr>
+          <p:nvPr/>
+        </p:nvPicPr>
+        <p:blipFill>
+          <a:blip r:embed="rId4">
+            <a:extLst>
+              <a:ext uri="{28A0092B-C50C-407E-A947-70E740481C1C}">
+                <a14:useLocalDpi xmlns:a14="http://schemas.microsoft.com/office/drawing/2010/main" val="0"/>
+              </a:ext>
+            </a:extLst>
+          </a:blip>
+          <a:stretch>
+            <a:fillRect/>
+          </a:stretch>
+        </p:blipFill>
+        <p:spPr>
+          <a:xfrm>
+            <a:off x="8597507" y="4840141"/>
+            <a:ext cx="3027137" cy="1940472"/>
+          </a:xfrm>
+          <a:prstGeom prst="rect">
+            <a:avLst/>
+          </a:prstGeom>
+        </p:spPr>
+      </p:pic>
+    </p:spTree>
+    <p:extLst>
+      <p:ext uri="{BB962C8B-B14F-4D97-AF65-F5344CB8AC3E}">
+        <p14:creationId xmlns:p14="http://schemas.microsoft.com/office/powerpoint/2010/main" val="1550234603"/>
+      </p:ext>
+    </p:extLst>
+  </p:cSld>
+  <p:clrMapOvr>
+    <a:masterClrMapping/>
+  </p:clrMapOvr>
+  <p:timing>
+    <p:tnLst>
+      <p:par>
+        <p:cTn id="1" dur="indefinite" restart="never" nodeType="tmRoot"/>
+      </p:par>
+    </p:tnLst>
+  </p:timing>
+</p:sld>
+</file>
+
+<file path=ppt/slides/slide9.xml><?xml version="1.0" encoding="utf-8"?>
+<p:sld xmlns:a="http://schemas.openxmlformats.org/drawingml/2006/main" xmlns:r="http://schemas.openxmlformats.org/officeDocument/2006/relationships" xmlns:p="http://schemas.openxmlformats.org/presentationml/2006/main">
+  <p:cSld>
+    <p:spTree>
+      <p:nvGrpSpPr>
+        <p:cNvPr id="1" name=""/>
+        <p:cNvGrpSpPr/>
+        <p:nvPr/>
+      </p:nvGrpSpPr>
+      <p:grpSpPr>
+        <a:xfrm>
+          <a:off x="0" y="0"/>
+          <a:ext cx="0" cy="0"/>
+          <a:chOff x="0" y="0"/>
+          <a:chExt cx="0" cy="0"/>
+        </a:xfrm>
+      </p:grpSpPr>
+      <p:pic>
+        <p:nvPicPr>
+          <p:cNvPr id="12" name="图片 11"/>
+          <p:cNvPicPr>
+            <a:picLocks noChangeAspect="1"/>
+          </p:cNvPicPr>
+          <p:nvPr/>
+        </p:nvPicPr>
+        <p:blipFill>
+          <a:blip r:embed="rId2">
+            <a:extLst>
+              <a:ext uri="{28A0092B-C50C-407E-A947-70E740481C1C}">
+                <a14:useLocalDpi xmlns:a14="http://schemas.microsoft.com/office/drawing/2010/main" val="0"/>
+              </a:ext>
+            </a:extLst>
+          </a:blip>
+          <a:stretch>
+            <a:fillRect/>
+          </a:stretch>
+        </p:blipFill>
+        <p:spPr>
+          <a:xfrm>
+            <a:off x="5675586" y="887507"/>
+            <a:ext cx="6301766" cy="5062532"/>
+          </a:xfrm>
+          <a:prstGeom prst="rect">
+            <a:avLst/>
+          </a:prstGeom>
+        </p:spPr>
+      </p:pic>
+      <p:sp>
+        <p:nvSpPr>
+          <p:cNvPr id="2" name="矩形 1"/>
+          <p:cNvSpPr/>
+          <p:nvPr/>
+        </p:nvSpPr>
+        <p:spPr>
+          <a:xfrm>
+            <a:off x="136151" y="136151"/>
+            <a:ext cx="3561790" cy="751356"/>
+          </a:xfrm>
+          <a:prstGeom prst="rect">
+            <a:avLst/>
+          </a:prstGeom>
+        </p:spPr>
+        <p:style>
+          <a:lnRef idx="2">
+            <a:schemeClr val="accent1">
+              <a:shade val="50000"/>
+            </a:schemeClr>
+          </a:lnRef>
+          <a:fillRef idx="1">
+            <a:schemeClr val="accent1"/>
+          </a:fillRef>
+          <a:effectRef idx="0">
+            <a:schemeClr val="accent1"/>
+          </a:effectRef>
+          <a:fontRef idx="minor">
+            <a:schemeClr val="lt1"/>
+          </a:fontRef>
+        </p:style>
+        <p:txBody>
+          <a:bodyPr rtlCol="0" anchor="ctr"/>
+          <a:lstStyle/>
+          <a:p>
+            <a:pPr algn="ctr"/>
+            <a:r>
+              <a:rPr kumimoji="1" lang="en-US" altLang="zh-CN" sz="4000" dirty="0" smtClean="0">
+                <a:latin typeface="SimHei" charset="-122"/>
+                <a:ea typeface="SimHei" charset="-122"/>
+                <a:cs typeface="SimHei" charset="-122"/>
+              </a:rPr>
+              <a:t>2</a:t>
+            </a:r>
+            <a:r>
+              <a:rPr kumimoji="1" lang="en-US" altLang="zh-CN" sz="4000" dirty="0">
+                <a:latin typeface="SimHei" charset="-122"/>
+                <a:ea typeface="SimHei" charset="-122"/>
+                <a:cs typeface="SimHei" charset="-122"/>
+              </a:rPr>
+              <a:t> </a:t>
+            </a:r>
+            <a:r>
+              <a:rPr kumimoji="1" lang="zh-CN" altLang="en-US" sz="4000" dirty="0" smtClean="0">
+                <a:latin typeface="SimHei" charset="-122"/>
+                <a:ea typeface="SimHei" charset="-122"/>
+                <a:cs typeface="SimHei" charset="-122"/>
+              </a:rPr>
+              <a:t>方法描述</a:t>
+            </a:r>
+            <a:endParaRPr kumimoji="1" lang="zh-CN" altLang="en-US" sz="4000" dirty="0">
+              <a:latin typeface="SimHei" charset="-122"/>
+              <a:ea typeface="SimHei" charset="-122"/>
+              <a:cs typeface="SimHei" charset="-122"/>
+            </a:endParaRPr>
+          </a:p>
+        </p:txBody>
+      </p:sp>
+      <p:sp>
+        <p:nvSpPr>
+          <p:cNvPr id="3" name="文本框 2"/>
+          <p:cNvSpPr txBox="1"/>
+          <p:nvPr/>
+        </p:nvSpPr>
+        <p:spPr>
+          <a:xfrm>
+            <a:off x="908918" y="1076276"/>
+            <a:ext cx="3877985" cy="584775"/>
+          </a:xfrm>
+          <a:prstGeom prst="rect">
+            <a:avLst/>
+          </a:prstGeom>
+          <a:noFill/>
+        </p:spPr>
+        <p:txBody>
+          <a:bodyPr wrap="none" rtlCol="0">
+            <a:spAutoFit/>
+          </a:bodyPr>
+          <a:lstStyle/>
+          <a:p>
+            <a:r>
+              <a:rPr kumimoji="1" lang="zh-CN" altLang="en-US" sz="3200" dirty="0" smtClean="0">
+                <a:latin typeface="SimHei" charset="-122"/>
+                <a:ea typeface="SimHei" charset="-122"/>
+                <a:cs typeface="SimHei" charset="-122"/>
+              </a:rPr>
+              <a:t>基于神经网络的方法</a:t>
+            </a:r>
+            <a:endParaRPr kumimoji="1" lang="zh-CN" altLang="en-US" sz="3200" dirty="0">
+              <a:latin typeface="SimHei" charset="-122"/>
+              <a:ea typeface="SimHei" charset="-122"/>
+              <a:cs typeface="SimHei" charset="-122"/>
+            </a:endParaRPr>
+          </a:p>
+        </p:txBody>
+      </p:sp>
+      <p:cxnSp>
+        <p:nvCxnSpPr>
+          <p:cNvPr id="4" name="直线连接符 3"/>
+          <p:cNvCxnSpPr/>
+          <p:nvPr/>
+        </p:nvCxnSpPr>
+        <p:spPr>
+          <a:xfrm>
+            <a:off x="0" y="1661051"/>
+            <a:ext cx="5675586" cy="0"/>
+          </a:xfrm>
+          <a:prstGeom prst="line">
+            <a:avLst/>
+          </a:prstGeom>
+        </p:spPr>
+        <p:style>
+          <a:lnRef idx="1">
+            <a:schemeClr val="accent1"/>
+          </a:lnRef>
+          <a:fillRef idx="0">
+            <a:schemeClr val="accent1"/>
+          </a:fillRef>
+          <a:effectRef idx="0">
+            <a:schemeClr val="accent1"/>
+          </a:effectRef>
+          <a:fontRef idx="minor">
+            <a:schemeClr val="tx1"/>
+          </a:fontRef>
+        </p:style>
+      </p:cxnSp>
+      <p:sp>
+        <p:nvSpPr>
+          <p:cNvPr id="10" name="矩形 9"/>
+          <p:cNvSpPr/>
+          <p:nvPr/>
+        </p:nvSpPr>
+        <p:spPr>
+          <a:xfrm>
+            <a:off x="136151" y="1957541"/>
+            <a:ext cx="6097224" cy="830997"/>
+          </a:xfrm>
+          <a:prstGeom prst="rect">
+            <a:avLst/>
+          </a:prstGeom>
+        </p:spPr>
+        <p:txBody>
+          <a:bodyPr wrap="square">
+            <a:spAutoFit/>
+          </a:bodyPr>
+          <a:lstStyle/>
+          <a:p>
+            <a:pPr marL="285750" indent="-285750">
+              <a:buFont typeface="Arial" charset="0"/>
+              <a:buChar char="•"/>
+            </a:pPr>
+            <a:r>
+              <a:rPr kumimoji="1" lang="zh-CN" altLang="en-US" sz="2400" b="1" dirty="0" smtClean="0">
+                <a:latin typeface="SimHei" charset="-122"/>
+                <a:ea typeface="SimHei" charset="-122"/>
+                <a:cs typeface="SimHei" charset="-122"/>
+              </a:rPr>
+              <a:t>用双向长短期</a:t>
+            </a:r>
+            <a:r>
+              <a:rPr kumimoji="1" lang="zh-CN" altLang="en-US" sz="2400" b="1" dirty="0">
+                <a:latin typeface="SimHei" charset="-122"/>
+                <a:ea typeface="SimHei" charset="-122"/>
+                <a:cs typeface="SimHei" charset="-122"/>
+              </a:rPr>
+              <a:t>记忆</a:t>
+            </a:r>
+            <a:r>
+              <a:rPr kumimoji="1" lang="en-US" altLang="zh-CN" sz="2400" b="1" dirty="0" smtClean="0">
+                <a:latin typeface="SimHei" charset="-122"/>
+                <a:ea typeface="SimHei" charset="-122"/>
+                <a:cs typeface="SimHei" charset="-122"/>
+              </a:rPr>
+              <a:t>(Bi-directional</a:t>
+            </a:r>
+            <a:r>
+              <a:rPr kumimoji="1" lang="zh-CN" altLang="en-US" sz="2400" b="1" dirty="0" smtClean="0">
+                <a:latin typeface="SimHei" charset="-122"/>
+                <a:ea typeface="SimHei" charset="-122"/>
+                <a:cs typeface="SimHei" charset="-122"/>
+              </a:rPr>
+              <a:t> </a:t>
+            </a:r>
+            <a:r>
+              <a:rPr kumimoji="1" lang="en-US" altLang="zh-CN" sz="2400" b="1" dirty="0" smtClean="0">
+                <a:latin typeface="SimHei" charset="-122"/>
+                <a:ea typeface="SimHei" charset="-122"/>
+                <a:cs typeface="SimHei" charset="-122"/>
+              </a:rPr>
+              <a:t>LSTM)</a:t>
+            </a:r>
+            <a:r>
+              <a:rPr kumimoji="1" lang="zh-CN" altLang="en-US" sz="2400" b="1" dirty="0" smtClean="0">
+                <a:latin typeface="SimHei" charset="-122"/>
+                <a:ea typeface="SimHei" charset="-122"/>
+                <a:cs typeface="SimHei" charset="-122"/>
+              </a:rPr>
+              <a:t>进行多音字消岐</a:t>
+            </a:r>
+            <a:endParaRPr kumimoji="1" lang="en-US" altLang="zh-CN" sz="2400" b="1" dirty="0">
+              <a:latin typeface="SimHei" charset="-122"/>
+              <a:ea typeface="SimHei" charset="-122"/>
+              <a:cs typeface="SimHei" charset="-122"/>
+            </a:endParaRPr>
+          </a:p>
+        </p:txBody>
+      </p:sp>
+      <p:sp>
+        <p:nvSpPr>
+          <p:cNvPr id="11" name="文本框 10"/>
+          <p:cNvSpPr txBox="1"/>
+          <p:nvPr/>
+        </p:nvSpPr>
+        <p:spPr>
+          <a:xfrm>
+            <a:off x="336331" y="3100552"/>
+            <a:ext cx="4677103" cy="2169825"/>
+          </a:xfrm>
+          <a:prstGeom prst="rect">
+            <a:avLst/>
+          </a:prstGeom>
+          <a:noFill/>
+        </p:spPr>
+        <p:txBody>
+          <a:bodyPr wrap="square" rtlCol="0">
+            <a:spAutoFit/>
+          </a:bodyPr>
+          <a:lstStyle/>
+          <a:p>
+            <a:pPr>
+              <a:lnSpc>
+                <a:spcPct val="150000"/>
+              </a:lnSpc>
+            </a:pPr>
+            <a:r>
+              <a:rPr kumimoji="1" lang="zh-CN" altLang="en-US" dirty="0" smtClean="0">
+                <a:latin typeface="SimHei" charset="-122"/>
+                <a:ea typeface="SimHei" charset="-122"/>
+                <a:cs typeface="SimHei" charset="-122"/>
+              </a:rPr>
+              <a:t>单项</a:t>
+            </a:r>
+            <a:r>
+              <a:rPr kumimoji="1" lang="en-US" altLang="zh-CN" dirty="0" smtClean="0">
+                <a:latin typeface="SimHei" charset="-122"/>
+                <a:ea typeface="SimHei" charset="-122"/>
+                <a:cs typeface="SimHei" charset="-122"/>
+              </a:rPr>
+              <a:t>LSTM</a:t>
+            </a:r>
+            <a:r>
+              <a:rPr kumimoji="1" lang="zh-CN" altLang="en-US" dirty="0" smtClean="0">
+                <a:latin typeface="SimHei" charset="-122"/>
+                <a:ea typeface="SimHei" charset="-122"/>
+                <a:cs typeface="SimHei" charset="-122"/>
+              </a:rPr>
+              <a:t>只能处理一个词语</a:t>
+            </a:r>
+            <a:r>
+              <a:rPr kumimoji="1" lang="zh-CN" altLang="en-US" dirty="0" smtClean="0">
+                <a:solidFill>
+                  <a:srgbClr val="FF0000"/>
+                </a:solidFill>
+                <a:latin typeface="SimHei" charset="-122"/>
+                <a:ea typeface="SimHei" charset="-122"/>
+                <a:cs typeface="SimHei" charset="-122"/>
+              </a:rPr>
+              <a:t>前面</a:t>
+            </a:r>
+            <a:r>
+              <a:rPr kumimoji="1" lang="zh-CN" altLang="en-US" dirty="0" smtClean="0">
+                <a:latin typeface="SimHei" charset="-122"/>
+                <a:ea typeface="SimHei" charset="-122"/>
+                <a:cs typeface="SimHei" charset="-122"/>
+              </a:rPr>
+              <a:t>的部分，而多音字的读音既取决于含多音字的词语前面的部分，也取决于其后面的部分，所以还需要使用反向的</a:t>
+            </a:r>
+            <a:r>
+              <a:rPr kumimoji="1" lang="en-US" altLang="zh-CN" dirty="0" smtClean="0">
+                <a:latin typeface="SimHei" charset="-122"/>
+                <a:ea typeface="SimHei" charset="-122"/>
+                <a:cs typeface="SimHei" charset="-122"/>
+              </a:rPr>
+              <a:t>LSTM</a:t>
+            </a:r>
+            <a:r>
+              <a:rPr kumimoji="1" lang="zh-CN" altLang="en-US" dirty="0" smtClean="0">
+                <a:latin typeface="SimHei" charset="-122"/>
+                <a:ea typeface="SimHei" charset="-122"/>
+                <a:cs typeface="SimHei" charset="-122"/>
+              </a:rPr>
+              <a:t>，最后将两个输出叠加在一起，形成双向的</a:t>
+            </a:r>
+            <a:r>
+              <a:rPr kumimoji="1" lang="en-US" altLang="zh-CN" dirty="0" smtClean="0">
+                <a:latin typeface="SimHei" charset="-122"/>
+                <a:ea typeface="SimHei" charset="-122"/>
+                <a:cs typeface="SimHei" charset="-122"/>
+              </a:rPr>
+              <a:t>LSTM</a:t>
+            </a:r>
+            <a:r>
+              <a:rPr kumimoji="1" lang="zh-CN" altLang="en-US" dirty="0" smtClean="0">
+                <a:latin typeface="SimHei" charset="-122"/>
+                <a:ea typeface="SimHei" charset="-122"/>
+                <a:cs typeface="SimHei" charset="-122"/>
+              </a:rPr>
+              <a:t>。</a:t>
+            </a:r>
+            <a:endParaRPr kumimoji="1" lang="zh-CN" altLang="en-US" dirty="0">
+              <a:latin typeface="SimHei" charset="-122"/>
+              <a:ea typeface="SimHei" charset="-122"/>
+              <a:cs typeface="SimHei" charset="-122"/>
+            </a:endParaRPr>
+          </a:p>
+        </p:txBody>
+      </p:sp>
+    </p:spTree>
+    <p:extLst>
+      <p:ext uri="{BB962C8B-B14F-4D97-AF65-F5344CB8AC3E}">
+        <p14:creationId xmlns:p14="http://schemas.microsoft.com/office/powerpoint/2010/main" val="2030925024"/>
       </p:ext>
     </p:extLst>
   </p:cSld>
